--- a/宣道詩/(宣道詩79)靠主有福.pptx
+++ b/宣道詩/(宣道詩79)靠主有福.pptx
@@ -2,7 +2,7 @@
 <file path=ppt/presentation.xml><?xml version="1.0" encoding="utf-8"?>
 <p:presentation xmlns:a="http://schemas.openxmlformats.org/drawingml/2006/main" xmlns:r="http://schemas.openxmlformats.org/officeDocument/2006/relationships" xmlns:p="http://schemas.openxmlformats.org/presentationml/2006/main" saveSubsetFonts="1">
   <p:sldMasterIdLst>
-    <p:sldMasterId id="2147483660" r:id="rId1"/>
+    <p:sldMasterId id="2147483672" r:id="rId1"/>
   </p:sldMasterIdLst>
   <p:sldIdLst>
     <p:sldId id="256" r:id="rId2"/>
@@ -13,8 +13,25 @@
     <p:sldId id="261" r:id="rId7"/>
     <p:sldId id="262" r:id="rId8"/>
     <p:sldId id="263" r:id="rId9"/>
+    <p:sldId id="264" r:id="rId10"/>
+    <p:sldId id="265" r:id="rId11"/>
+    <p:sldId id="266" r:id="rId12"/>
+    <p:sldId id="267" r:id="rId13"/>
+    <p:sldId id="268" r:id="rId14"/>
+    <p:sldId id="269" r:id="rId15"/>
+    <p:sldId id="270" r:id="rId16"/>
+    <p:sldId id="271" r:id="rId17"/>
+    <p:sldId id="272" r:id="rId18"/>
+    <p:sldId id="273" r:id="rId19"/>
+    <p:sldId id="274" r:id="rId20"/>
+    <p:sldId id="275" r:id="rId21"/>
+    <p:sldId id="276" r:id="rId22"/>
+    <p:sldId id="277" r:id="rId23"/>
+    <p:sldId id="278" r:id="rId24"/>
+    <p:sldId id="279" r:id="rId25"/>
+    <p:sldId id="280" r:id="rId26"/>
   </p:sldIdLst>
-  <p:sldSz cx="9144000" cy="6858000" type="screen4x3"/>
+  <p:sldSz cx="12192000" cy="6858000"/>
   <p:notesSz cx="6858000" cy="9144000"/>
   <p:defaultTextStyle>
     <a:defPPr>
@@ -111,6 +128,22 @@
       </a:defRPr>
     </a:lvl9pPr>
   </p:defaultTextStyle>
+  <p:extLst>
+    <p:ext uri="{EFAFB233-063F-42B5-8137-9DF3F51BA10A}">
+      <p15:sldGuideLst xmlns:p15="http://schemas.microsoft.com/office/powerpoint/2012/main">
+        <p15:guide id="1" orient="horz" pos="2160" userDrawn="1">
+          <p15:clr>
+            <a:srgbClr val="A4A3A4"/>
+          </p15:clr>
+        </p15:guide>
+        <p15:guide id="2" pos="3840" userDrawn="1">
+          <p15:clr>
+            <a:srgbClr val="A4A3A4"/>
+          </p15:clr>
+        </p15:guide>
+      </p15:sldGuideLst>
+    </p:ext>
+  </p:extLst>
 </p:presentation>
 </file>
 
@@ -133,7 +166,7 @@
       </p:grpSpPr>
       <p:sp>
         <p:nvSpPr>
-          <p:cNvPr id="2" name="Title 1"/>
+          <p:cNvPr id="2" name="標題 1"/>
           <p:cNvSpPr>
             <a:spLocks noGrp="1"/>
           </p:cNvSpPr>
@@ -143,8 +176,8 @@
         </p:nvSpPr>
         <p:spPr>
           <a:xfrm>
-            <a:off x="685800" y="2130425"/>
-            <a:ext cx="7772400" cy="1470025"/>
+            <a:off x="914400" y="2130426"/>
+            <a:ext cx="10363200" cy="1470025"/>
           </a:xfrm>
         </p:spPr>
         <p:txBody>
@@ -152,16 +185,16 @@
           <a:lstStyle/>
           <a:p>
             <a:r>
-              <a:rPr lang="zh-TW" altLang="en-US" smtClean="0"/>
-              <a:t>按一下以編輯母片標題樣式</a:t>
-            </a:r>
-            <a:endParaRPr lang="en-US"/>
-          </a:p>
-        </p:txBody>
-      </p:sp>
-      <p:sp>
-        <p:nvSpPr>
-          <p:cNvPr id="3" name="Subtitle 2"/>
+              <a:rPr lang="en-US" altLang="zh-TW" smtClean="0"/>
+              <a:t>Click to edit Master title style</a:t>
+            </a:r>
+            <a:endParaRPr lang="zh-TW" altLang="en-US"/>
+          </a:p>
+        </p:txBody>
+      </p:sp>
+      <p:sp>
+        <p:nvSpPr>
+          <p:cNvPr id="3" name="副標題 2"/>
           <p:cNvSpPr>
             <a:spLocks noGrp="1"/>
           </p:cNvSpPr>
@@ -171,8 +204,8 @@
         </p:nvSpPr>
         <p:spPr>
           <a:xfrm>
-            <a:off x="1371600" y="3886200"/>
-            <a:ext cx="6400800" cy="1752600"/>
+            <a:off x="1828800" y="3886200"/>
+            <a:ext cx="8534400" cy="1752600"/>
           </a:xfrm>
         </p:spPr>
         <p:txBody>
@@ -188,7 +221,7 @@
                 </a:solidFill>
               </a:defRPr>
             </a:lvl1pPr>
-            <a:lvl2pPr marL="457200" indent="0" algn="ctr">
+            <a:lvl2pPr marL="609585" indent="0" algn="ctr">
               <a:buNone/>
               <a:defRPr>
                 <a:solidFill>
@@ -198,7 +231,7 @@
                 </a:solidFill>
               </a:defRPr>
             </a:lvl2pPr>
-            <a:lvl3pPr marL="914400" indent="0" algn="ctr">
+            <a:lvl3pPr marL="1219170" indent="0" algn="ctr">
               <a:buNone/>
               <a:defRPr>
                 <a:solidFill>
@@ -208,7 +241,7 @@
                 </a:solidFill>
               </a:defRPr>
             </a:lvl3pPr>
-            <a:lvl4pPr marL="1371600" indent="0" algn="ctr">
+            <a:lvl4pPr marL="1828754" indent="0" algn="ctr">
               <a:buNone/>
               <a:defRPr>
                 <a:solidFill>
@@ -218,7 +251,7 @@
                 </a:solidFill>
               </a:defRPr>
             </a:lvl4pPr>
-            <a:lvl5pPr marL="1828800" indent="0" algn="ctr">
+            <a:lvl5pPr marL="2438339" indent="0" algn="ctr">
               <a:buNone/>
               <a:defRPr>
                 <a:solidFill>
@@ -228,7 +261,7 @@
                 </a:solidFill>
               </a:defRPr>
             </a:lvl5pPr>
-            <a:lvl6pPr marL="2286000" indent="0" algn="ctr">
+            <a:lvl6pPr marL="3047924" indent="0" algn="ctr">
               <a:buNone/>
               <a:defRPr>
                 <a:solidFill>
@@ -238,7 +271,7 @@
                 </a:solidFill>
               </a:defRPr>
             </a:lvl6pPr>
-            <a:lvl7pPr marL="2743200" indent="0" algn="ctr">
+            <a:lvl7pPr marL="3657509" indent="0" algn="ctr">
               <a:buNone/>
               <a:defRPr>
                 <a:solidFill>
@@ -248,7 +281,7 @@
                 </a:solidFill>
               </a:defRPr>
             </a:lvl7pPr>
-            <a:lvl8pPr marL="3200400" indent="0" algn="ctr">
+            <a:lvl8pPr marL="4267093" indent="0" algn="ctr">
               <a:buNone/>
               <a:defRPr>
                 <a:solidFill>
@@ -258,7 +291,7 @@
                 </a:solidFill>
               </a:defRPr>
             </a:lvl8pPr>
-            <a:lvl9pPr marL="3657600" indent="0" algn="ctr">
+            <a:lvl9pPr marL="4876678" indent="0" algn="ctr">
               <a:buNone/>
               <a:defRPr>
                 <a:solidFill>
@@ -271,16 +304,16 @@
           </a:lstStyle>
           <a:p>
             <a:r>
-              <a:rPr lang="zh-TW" altLang="en-US" smtClean="0"/>
-              <a:t>按一下以編輯母片副標題樣式</a:t>
-            </a:r>
-            <a:endParaRPr lang="en-US"/>
-          </a:p>
-        </p:txBody>
-      </p:sp>
-      <p:sp>
-        <p:nvSpPr>
-          <p:cNvPr id="4" name="Date Placeholder 3"/>
+              <a:rPr lang="en-US" altLang="zh-TW" smtClean="0"/>
+              <a:t>Click to edit Master subtitle style</a:t>
+            </a:r>
+            <a:endParaRPr lang="zh-TW" altLang="en-US"/>
+          </a:p>
+        </p:txBody>
+      </p:sp>
+      <p:sp>
+        <p:nvSpPr>
+          <p:cNvPr id="4" name="日期版面配置區 3"/>
           <p:cNvSpPr>
             <a:spLocks noGrp="1"/>
           </p:cNvSpPr>
@@ -291,15 +324,11 @@
         <p:spPr/>
         <p:txBody>
           <a:bodyPr/>
-          <a:lstStyle>
-            <a:lvl1pPr>
-              <a:defRPr/>
-            </a:lvl1pPr>
-          </a:lstStyle>
+          <a:lstStyle/>
           <a:p>
             <a:fld id="{4C5DC20A-0605-4CAC-AD9A-87AD9FC8ABAD}" type="datetimeFigureOut">
               <a:rPr lang="zh-TW" altLang="en-US" smtClean="0"/>
-              <a:t>2015/5/24</a:t>
+              <a:t>2021/2/20</a:t>
             </a:fld>
             <a:endParaRPr lang="zh-TW" altLang="en-US"/>
           </a:p>
@@ -307,7 +336,7 @@
       </p:sp>
       <p:sp>
         <p:nvSpPr>
-          <p:cNvPr id="5" name="Footer Placeholder 4"/>
+          <p:cNvPr id="5" name="頁尾版面配置區 4"/>
           <p:cNvSpPr>
             <a:spLocks noGrp="1"/>
           </p:cNvSpPr>
@@ -318,11 +347,7 @@
         <p:spPr/>
         <p:txBody>
           <a:bodyPr/>
-          <a:lstStyle>
-            <a:lvl1pPr>
-              <a:defRPr/>
-            </a:lvl1pPr>
-          </a:lstStyle>
+          <a:lstStyle/>
           <a:p>
             <a:endParaRPr lang="zh-TW" altLang="en-US"/>
           </a:p>
@@ -330,7 +355,7 @@
       </p:sp>
       <p:sp>
         <p:nvSpPr>
-          <p:cNvPr id="6" name="Slide Number Placeholder 5"/>
+          <p:cNvPr id="6" name="投影片編號版面配置區 5"/>
           <p:cNvSpPr>
             <a:spLocks noGrp="1"/>
           </p:cNvSpPr>
@@ -341,11 +366,7 @@
         <p:spPr/>
         <p:txBody>
           <a:bodyPr/>
-          <a:lstStyle>
-            <a:lvl1pPr>
-              <a:defRPr/>
-            </a:lvl1pPr>
-          </a:lstStyle>
+          <a:lstStyle/>
           <a:p>
             <a:fld id="{A6CB6E7F-1E94-4E6D-8283-CFE975B65A44}" type="slidenum">
               <a:rPr lang="zh-TW" altLang="en-US" smtClean="0"/>
@@ -356,6 +377,11 @@
         </p:txBody>
       </p:sp>
     </p:spTree>
+    <p:extLst>
+      <p:ext uri="{BB962C8B-B14F-4D97-AF65-F5344CB8AC3E}">
+        <p14:creationId xmlns:p14="http://schemas.microsoft.com/office/powerpoint/2010/main" val="658725707"/>
+      </p:ext>
+    </p:extLst>
   </p:cSld>
   <p:clrMapOvr>
     <a:masterClrMapping/>
@@ -382,7 +408,7 @@
       </p:grpSpPr>
       <p:sp>
         <p:nvSpPr>
-          <p:cNvPr id="2" name="Title 1"/>
+          <p:cNvPr id="2" name="標題 1"/>
           <p:cNvSpPr>
             <a:spLocks noGrp="1"/>
           </p:cNvSpPr>
@@ -396,16 +422,16 @@
           <a:lstStyle/>
           <a:p>
             <a:r>
-              <a:rPr lang="zh-TW" altLang="en-US" smtClean="0"/>
-              <a:t>按一下以編輯母片標題樣式</a:t>
-            </a:r>
-            <a:endParaRPr lang="en-US"/>
-          </a:p>
-        </p:txBody>
-      </p:sp>
-      <p:sp>
-        <p:nvSpPr>
-          <p:cNvPr id="3" name="Vertical Text Placeholder 2"/>
+              <a:rPr lang="en-US" altLang="zh-TW" smtClean="0"/>
+              <a:t>Click to edit Master title style</a:t>
+            </a:r>
+            <a:endParaRPr lang="zh-TW" altLang="en-US"/>
+          </a:p>
+        </p:txBody>
+      </p:sp>
+      <p:sp>
+        <p:nvSpPr>
+          <p:cNvPr id="3" name="直排文字版面配置區 2"/>
           <p:cNvSpPr>
             <a:spLocks noGrp="1"/>
           </p:cNvSpPr>
@@ -420,44 +446,44 @@
           <a:p>
             <a:pPr lvl="0"/>
             <a:r>
-              <a:rPr lang="zh-TW" altLang="en-US" smtClean="0"/>
-              <a:t>按一下以編輯母片文字樣式</a:t>
+              <a:rPr lang="en-US" altLang="zh-TW" smtClean="0"/>
+              <a:t>Edit Master text styles</a:t>
             </a:r>
           </a:p>
           <a:p>
             <a:pPr lvl="1"/>
             <a:r>
-              <a:rPr lang="zh-TW" altLang="en-US" smtClean="0"/>
-              <a:t>第二層</a:t>
+              <a:rPr lang="en-US" altLang="zh-TW" smtClean="0"/>
+              <a:t>Second level</a:t>
             </a:r>
           </a:p>
           <a:p>
             <a:pPr lvl="2"/>
             <a:r>
-              <a:rPr lang="zh-TW" altLang="en-US" smtClean="0"/>
-              <a:t>第三層</a:t>
+              <a:rPr lang="en-US" altLang="zh-TW" smtClean="0"/>
+              <a:t>Third level</a:t>
             </a:r>
           </a:p>
           <a:p>
             <a:pPr lvl="3"/>
             <a:r>
-              <a:rPr lang="zh-TW" altLang="en-US" smtClean="0"/>
-              <a:t>第四層</a:t>
+              <a:rPr lang="en-US" altLang="zh-TW" smtClean="0"/>
+              <a:t>Fourth level</a:t>
             </a:r>
           </a:p>
           <a:p>
             <a:pPr lvl="4"/>
             <a:r>
-              <a:rPr lang="zh-TW" altLang="en-US" smtClean="0"/>
-              <a:t>第五層</a:t>
-            </a:r>
-            <a:endParaRPr lang="en-US"/>
-          </a:p>
-        </p:txBody>
-      </p:sp>
-      <p:sp>
-        <p:nvSpPr>
-          <p:cNvPr id="4" name="Date Placeholder 3"/>
+              <a:rPr lang="en-US" altLang="zh-TW" smtClean="0"/>
+              <a:t>Fifth level</a:t>
+            </a:r>
+            <a:endParaRPr lang="zh-TW" altLang="en-US"/>
+          </a:p>
+        </p:txBody>
+      </p:sp>
+      <p:sp>
+        <p:nvSpPr>
+          <p:cNvPr id="4" name="日期版面配置區 3"/>
           <p:cNvSpPr>
             <a:spLocks noGrp="1"/>
           </p:cNvSpPr>
@@ -468,15 +494,11 @@
         <p:spPr/>
         <p:txBody>
           <a:bodyPr/>
-          <a:lstStyle>
-            <a:lvl1pPr>
-              <a:defRPr/>
-            </a:lvl1pPr>
-          </a:lstStyle>
+          <a:lstStyle/>
           <a:p>
             <a:fld id="{4C5DC20A-0605-4CAC-AD9A-87AD9FC8ABAD}" type="datetimeFigureOut">
               <a:rPr lang="zh-TW" altLang="en-US" smtClean="0"/>
-              <a:t>2015/5/24</a:t>
+              <a:t>2021/2/20</a:t>
             </a:fld>
             <a:endParaRPr lang="zh-TW" altLang="en-US"/>
           </a:p>
@@ -484,7 +506,7 @@
       </p:sp>
       <p:sp>
         <p:nvSpPr>
-          <p:cNvPr id="5" name="Footer Placeholder 4"/>
+          <p:cNvPr id="5" name="頁尾版面配置區 4"/>
           <p:cNvSpPr>
             <a:spLocks noGrp="1"/>
           </p:cNvSpPr>
@@ -495,11 +517,7 @@
         <p:spPr/>
         <p:txBody>
           <a:bodyPr/>
-          <a:lstStyle>
-            <a:lvl1pPr>
-              <a:defRPr/>
-            </a:lvl1pPr>
-          </a:lstStyle>
+          <a:lstStyle/>
           <a:p>
             <a:endParaRPr lang="zh-TW" altLang="en-US"/>
           </a:p>
@@ -507,7 +525,7 @@
       </p:sp>
       <p:sp>
         <p:nvSpPr>
-          <p:cNvPr id="6" name="Slide Number Placeholder 5"/>
+          <p:cNvPr id="6" name="投影片編號版面配置區 5"/>
           <p:cNvSpPr>
             <a:spLocks noGrp="1"/>
           </p:cNvSpPr>
@@ -518,11 +536,7 @@
         <p:spPr/>
         <p:txBody>
           <a:bodyPr/>
-          <a:lstStyle>
-            <a:lvl1pPr>
-              <a:defRPr/>
-            </a:lvl1pPr>
-          </a:lstStyle>
+          <a:lstStyle/>
           <a:p>
             <a:fld id="{A6CB6E7F-1E94-4E6D-8283-CFE975B65A44}" type="slidenum">
               <a:rPr lang="zh-TW" altLang="en-US" smtClean="0"/>
@@ -533,6 +547,11 @@
         </p:txBody>
       </p:sp>
     </p:spTree>
+    <p:extLst>
+      <p:ext uri="{BB962C8B-B14F-4D97-AF65-F5344CB8AC3E}">
+        <p14:creationId xmlns:p14="http://schemas.microsoft.com/office/powerpoint/2010/main" val="796125911"/>
+      </p:ext>
+    </p:extLst>
   </p:cSld>
   <p:clrMapOvr>
     <a:masterClrMapping/>
@@ -559,7 +578,7 @@
       </p:grpSpPr>
       <p:sp>
         <p:nvSpPr>
-          <p:cNvPr id="2" name="Vertical Title 1"/>
+          <p:cNvPr id="2" name="直排標題 1"/>
           <p:cNvSpPr>
             <a:spLocks noGrp="1"/>
           </p:cNvSpPr>
@@ -569,8 +588,8 @@
         </p:nvSpPr>
         <p:spPr>
           <a:xfrm>
-            <a:off x="6629400" y="274638"/>
-            <a:ext cx="2057400" cy="5851525"/>
+            <a:off x="8839200" y="274639"/>
+            <a:ext cx="2743200" cy="5851525"/>
           </a:xfrm>
         </p:spPr>
         <p:txBody>
@@ -578,16 +597,16 @@
           <a:lstStyle/>
           <a:p>
             <a:r>
-              <a:rPr lang="zh-TW" altLang="en-US" smtClean="0"/>
-              <a:t>按一下以編輯母片標題樣式</a:t>
-            </a:r>
-            <a:endParaRPr lang="en-US"/>
-          </a:p>
-        </p:txBody>
-      </p:sp>
-      <p:sp>
-        <p:nvSpPr>
-          <p:cNvPr id="3" name="Vertical Text Placeholder 2"/>
+              <a:rPr lang="en-US" altLang="zh-TW" smtClean="0"/>
+              <a:t>Click to edit Master title style</a:t>
+            </a:r>
+            <a:endParaRPr lang="zh-TW" altLang="en-US"/>
+          </a:p>
+        </p:txBody>
+      </p:sp>
+      <p:sp>
+        <p:nvSpPr>
+          <p:cNvPr id="3" name="直排文字版面配置區 2"/>
           <p:cNvSpPr>
             <a:spLocks noGrp="1"/>
           </p:cNvSpPr>
@@ -597,8 +616,8 @@
         </p:nvSpPr>
         <p:spPr>
           <a:xfrm>
-            <a:off x="457200" y="274638"/>
-            <a:ext cx="6019800" cy="5851525"/>
+            <a:off x="609600" y="274639"/>
+            <a:ext cx="8026400" cy="5851525"/>
           </a:xfrm>
         </p:spPr>
         <p:txBody>
@@ -607,44 +626,44 @@
           <a:p>
             <a:pPr lvl="0"/>
             <a:r>
-              <a:rPr lang="zh-TW" altLang="en-US" smtClean="0"/>
-              <a:t>按一下以編輯母片文字樣式</a:t>
+              <a:rPr lang="en-US" altLang="zh-TW" smtClean="0"/>
+              <a:t>Edit Master text styles</a:t>
             </a:r>
           </a:p>
           <a:p>
             <a:pPr lvl="1"/>
             <a:r>
-              <a:rPr lang="zh-TW" altLang="en-US" smtClean="0"/>
-              <a:t>第二層</a:t>
+              <a:rPr lang="en-US" altLang="zh-TW" smtClean="0"/>
+              <a:t>Second level</a:t>
             </a:r>
           </a:p>
           <a:p>
             <a:pPr lvl="2"/>
             <a:r>
-              <a:rPr lang="zh-TW" altLang="en-US" smtClean="0"/>
-              <a:t>第三層</a:t>
+              <a:rPr lang="en-US" altLang="zh-TW" smtClean="0"/>
+              <a:t>Third level</a:t>
             </a:r>
           </a:p>
           <a:p>
             <a:pPr lvl="3"/>
             <a:r>
-              <a:rPr lang="zh-TW" altLang="en-US" smtClean="0"/>
-              <a:t>第四層</a:t>
+              <a:rPr lang="en-US" altLang="zh-TW" smtClean="0"/>
+              <a:t>Fourth level</a:t>
             </a:r>
           </a:p>
           <a:p>
             <a:pPr lvl="4"/>
             <a:r>
-              <a:rPr lang="zh-TW" altLang="en-US" smtClean="0"/>
-              <a:t>第五層</a:t>
-            </a:r>
-            <a:endParaRPr lang="en-US"/>
-          </a:p>
-        </p:txBody>
-      </p:sp>
-      <p:sp>
-        <p:nvSpPr>
-          <p:cNvPr id="4" name="Date Placeholder 3"/>
+              <a:rPr lang="en-US" altLang="zh-TW" smtClean="0"/>
+              <a:t>Fifth level</a:t>
+            </a:r>
+            <a:endParaRPr lang="zh-TW" altLang="en-US"/>
+          </a:p>
+        </p:txBody>
+      </p:sp>
+      <p:sp>
+        <p:nvSpPr>
+          <p:cNvPr id="4" name="日期版面配置區 3"/>
           <p:cNvSpPr>
             <a:spLocks noGrp="1"/>
           </p:cNvSpPr>
@@ -655,15 +674,11 @@
         <p:spPr/>
         <p:txBody>
           <a:bodyPr/>
-          <a:lstStyle>
-            <a:lvl1pPr>
-              <a:defRPr/>
-            </a:lvl1pPr>
-          </a:lstStyle>
+          <a:lstStyle/>
           <a:p>
             <a:fld id="{4C5DC20A-0605-4CAC-AD9A-87AD9FC8ABAD}" type="datetimeFigureOut">
               <a:rPr lang="zh-TW" altLang="en-US" smtClean="0"/>
-              <a:t>2015/5/24</a:t>
+              <a:t>2021/2/20</a:t>
             </a:fld>
             <a:endParaRPr lang="zh-TW" altLang="en-US"/>
           </a:p>
@@ -671,7 +686,7 @@
       </p:sp>
       <p:sp>
         <p:nvSpPr>
-          <p:cNvPr id="5" name="Footer Placeholder 4"/>
+          <p:cNvPr id="5" name="頁尾版面配置區 4"/>
           <p:cNvSpPr>
             <a:spLocks noGrp="1"/>
           </p:cNvSpPr>
@@ -682,11 +697,7 @@
         <p:spPr/>
         <p:txBody>
           <a:bodyPr/>
-          <a:lstStyle>
-            <a:lvl1pPr>
-              <a:defRPr/>
-            </a:lvl1pPr>
-          </a:lstStyle>
+          <a:lstStyle/>
           <a:p>
             <a:endParaRPr lang="zh-TW" altLang="en-US"/>
           </a:p>
@@ -694,7 +705,7 @@
       </p:sp>
       <p:sp>
         <p:nvSpPr>
-          <p:cNvPr id="6" name="Slide Number Placeholder 5"/>
+          <p:cNvPr id="6" name="投影片編號版面配置區 5"/>
           <p:cNvSpPr>
             <a:spLocks noGrp="1"/>
           </p:cNvSpPr>
@@ -705,11 +716,7 @@
         <p:spPr/>
         <p:txBody>
           <a:bodyPr/>
-          <a:lstStyle>
-            <a:lvl1pPr>
-              <a:defRPr/>
-            </a:lvl1pPr>
-          </a:lstStyle>
+          <a:lstStyle/>
           <a:p>
             <a:fld id="{A6CB6E7F-1E94-4E6D-8283-CFE975B65A44}" type="slidenum">
               <a:rPr lang="zh-TW" altLang="en-US" smtClean="0"/>
@@ -720,6 +727,11 @@
         </p:txBody>
       </p:sp>
     </p:spTree>
+    <p:extLst>
+      <p:ext uri="{BB962C8B-B14F-4D97-AF65-F5344CB8AC3E}">
+        <p14:creationId xmlns:p14="http://schemas.microsoft.com/office/powerpoint/2010/main" val="3169813356"/>
+      </p:ext>
+    </p:extLst>
   </p:cSld>
   <p:clrMapOvr>
     <a:masterClrMapping/>
@@ -746,7 +758,7 @@
       </p:grpSpPr>
       <p:sp>
         <p:nvSpPr>
-          <p:cNvPr id="2" name="Title 1"/>
+          <p:cNvPr id="2" name="標題 1"/>
           <p:cNvSpPr>
             <a:spLocks noGrp="1"/>
           </p:cNvSpPr>
@@ -760,16 +772,16 @@
           <a:lstStyle/>
           <a:p>
             <a:r>
-              <a:rPr lang="zh-TW" altLang="en-US" smtClean="0"/>
-              <a:t>按一下以編輯母片標題樣式</a:t>
-            </a:r>
-            <a:endParaRPr lang="en-US"/>
-          </a:p>
-        </p:txBody>
-      </p:sp>
-      <p:sp>
-        <p:nvSpPr>
-          <p:cNvPr id="3" name="Content Placeholder 2"/>
+              <a:rPr lang="en-US" altLang="zh-TW" smtClean="0"/>
+              <a:t>Click to edit Master title style</a:t>
+            </a:r>
+            <a:endParaRPr lang="zh-TW" altLang="en-US"/>
+          </a:p>
+        </p:txBody>
+      </p:sp>
+      <p:sp>
+        <p:nvSpPr>
+          <p:cNvPr id="3" name="內容版面配置區 2"/>
           <p:cNvSpPr>
             <a:spLocks noGrp="1"/>
           </p:cNvSpPr>
@@ -784,44 +796,44 @@
           <a:p>
             <a:pPr lvl="0"/>
             <a:r>
-              <a:rPr lang="zh-TW" altLang="en-US" smtClean="0"/>
-              <a:t>按一下以編輯母片文字樣式</a:t>
+              <a:rPr lang="en-US" altLang="zh-TW" smtClean="0"/>
+              <a:t>Edit Master text styles</a:t>
             </a:r>
           </a:p>
           <a:p>
             <a:pPr lvl="1"/>
             <a:r>
-              <a:rPr lang="zh-TW" altLang="en-US" smtClean="0"/>
-              <a:t>第二層</a:t>
+              <a:rPr lang="en-US" altLang="zh-TW" smtClean="0"/>
+              <a:t>Second level</a:t>
             </a:r>
           </a:p>
           <a:p>
             <a:pPr lvl="2"/>
             <a:r>
-              <a:rPr lang="zh-TW" altLang="en-US" smtClean="0"/>
-              <a:t>第三層</a:t>
+              <a:rPr lang="en-US" altLang="zh-TW" smtClean="0"/>
+              <a:t>Third level</a:t>
             </a:r>
           </a:p>
           <a:p>
             <a:pPr lvl="3"/>
             <a:r>
-              <a:rPr lang="zh-TW" altLang="en-US" smtClean="0"/>
-              <a:t>第四層</a:t>
+              <a:rPr lang="en-US" altLang="zh-TW" smtClean="0"/>
+              <a:t>Fourth level</a:t>
             </a:r>
           </a:p>
           <a:p>
             <a:pPr lvl="4"/>
             <a:r>
-              <a:rPr lang="zh-TW" altLang="en-US" smtClean="0"/>
-              <a:t>第五層</a:t>
-            </a:r>
-            <a:endParaRPr lang="en-US"/>
-          </a:p>
-        </p:txBody>
-      </p:sp>
-      <p:sp>
-        <p:nvSpPr>
-          <p:cNvPr id="4" name="Date Placeholder 3"/>
+              <a:rPr lang="en-US" altLang="zh-TW" smtClean="0"/>
+              <a:t>Fifth level</a:t>
+            </a:r>
+            <a:endParaRPr lang="zh-TW" altLang="en-US"/>
+          </a:p>
+        </p:txBody>
+      </p:sp>
+      <p:sp>
+        <p:nvSpPr>
+          <p:cNvPr id="4" name="日期版面配置區 3"/>
           <p:cNvSpPr>
             <a:spLocks noGrp="1"/>
           </p:cNvSpPr>
@@ -832,15 +844,11 @@
         <p:spPr/>
         <p:txBody>
           <a:bodyPr/>
-          <a:lstStyle>
-            <a:lvl1pPr>
-              <a:defRPr/>
-            </a:lvl1pPr>
-          </a:lstStyle>
+          <a:lstStyle/>
           <a:p>
             <a:fld id="{4C5DC20A-0605-4CAC-AD9A-87AD9FC8ABAD}" type="datetimeFigureOut">
               <a:rPr lang="zh-TW" altLang="en-US" smtClean="0"/>
-              <a:t>2015/5/24</a:t>
+              <a:t>2021/2/20</a:t>
             </a:fld>
             <a:endParaRPr lang="zh-TW" altLang="en-US"/>
           </a:p>
@@ -848,7 +856,7 @@
       </p:sp>
       <p:sp>
         <p:nvSpPr>
-          <p:cNvPr id="5" name="Footer Placeholder 4"/>
+          <p:cNvPr id="5" name="頁尾版面配置區 4"/>
           <p:cNvSpPr>
             <a:spLocks noGrp="1"/>
           </p:cNvSpPr>
@@ -859,11 +867,7 @@
         <p:spPr/>
         <p:txBody>
           <a:bodyPr/>
-          <a:lstStyle>
-            <a:lvl1pPr>
-              <a:defRPr/>
-            </a:lvl1pPr>
-          </a:lstStyle>
+          <a:lstStyle/>
           <a:p>
             <a:endParaRPr lang="zh-TW" altLang="en-US"/>
           </a:p>
@@ -871,7 +875,7 @@
       </p:sp>
       <p:sp>
         <p:nvSpPr>
-          <p:cNvPr id="6" name="Slide Number Placeholder 5"/>
+          <p:cNvPr id="6" name="投影片編號版面配置區 5"/>
           <p:cNvSpPr>
             <a:spLocks noGrp="1"/>
           </p:cNvSpPr>
@@ -882,11 +886,7 @@
         <p:spPr/>
         <p:txBody>
           <a:bodyPr/>
-          <a:lstStyle>
-            <a:lvl1pPr>
-              <a:defRPr/>
-            </a:lvl1pPr>
-          </a:lstStyle>
+          <a:lstStyle/>
           <a:p>
             <a:fld id="{A6CB6E7F-1E94-4E6D-8283-CFE975B65A44}" type="slidenum">
               <a:rPr lang="zh-TW" altLang="en-US" smtClean="0"/>
@@ -897,6 +897,11 @@
         </p:txBody>
       </p:sp>
     </p:spTree>
+    <p:extLst>
+      <p:ext uri="{BB962C8B-B14F-4D97-AF65-F5344CB8AC3E}">
+        <p14:creationId xmlns:p14="http://schemas.microsoft.com/office/powerpoint/2010/main" val="2547757462"/>
+      </p:ext>
+    </p:extLst>
   </p:cSld>
   <p:clrMapOvr>
     <a:masterClrMapping/>
@@ -923,7 +928,7 @@
       </p:grpSpPr>
       <p:sp>
         <p:nvSpPr>
-          <p:cNvPr id="2" name="Title 1"/>
+          <p:cNvPr id="2" name="標題 1"/>
           <p:cNvSpPr>
             <a:spLocks noGrp="1"/>
           </p:cNvSpPr>
@@ -933,29 +938,29 @@
         </p:nvSpPr>
         <p:spPr>
           <a:xfrm>
-            <a:off x="722313" y="4406900"/>
-            <a:ext cx="7772400" cy="1362075"/>
+            <a:off x="963084" y="4406901"/>
+            <a:ext cx="10363200" cy="1362075"/>
           </a:xfrm>
         </p:spPr>
         <p:txBody>
           <a:bodyPr anchor="t"/>
           <a:lstStyle>
             <a:lvl1pPr algn="l">
-              <a:defRPr sz="4000" b="1" cap="all"/>
+              <a:defRPr sz="5333" b="1" cap="all"/>
             </a:lvl1pPr>
           </a:lstStyle>
           <a:p>
             <a:r>
-              <a:rPr lang="zh-TW" altLang="en-US" smtClean="0"/>
-              <a:t>按一下以編輯母片標題樣式</a:t>
-            </a:r>
-            <a:endParaRPr lang="en-US"/>
-          </a:p>
-        </p:txBody>
-      </p:sp>
-      <p:sp>
-        <p:nvSpPr>
-          <p:cNvPr id="3" name="Text Placeholder 2"/>
+              <a:rPr lang="en-US" altLang="zh-TW" smtClean="0"/>
+              <a:t>Click to edit Master title style</a:t>
+            </a:r>
+            <a:endParaRPr lang="zh-TW" altLang="en-US"/>
+          </a:p>
+        </p:txBody>
+      </p:sp>
+      <p:sp>
+        <p:nvSpPr>
+          <p:cNvPr id="3" name="文字版面配置區 2"/>
           <p:cNvSpPr>
             <a:spLocks noGrp="1"/>
           </p:cNvSpPr>
@@ -965,8 +970,8 @@
         </p:nvSpPr>
         <p:spPr>
           <a:xfrm>
-            <a:off x="722313" y="2906713"/>
-            <a:ext cx="7772400" cy="1500187"/>
+            <a:off x="963084" y="2906713"/>
+            <a:ext cx="10363200" cy="1500187"/>
           </a:xfrm>
         </p:spPr>
         <p:txBody>
@@ -974,7 +979,7 @@
           <a:lstStyle>
             <a:lvl1pPr marL="0" indent="0">
               <a:buNone/>
-              <a:defRPr sz="2000">
+              <a:defRPr sz="2667">
                 <a:solidFill>
                   <a:schemeClr val="tx1">
                     <a:tint val="75000"/>
@@ -982,9 +987,9 @@
                 </a:solidFill>
               </a:defRPr>
             </a:lvl1pPr>
-            <a:lvl2pPr marL="457200" indent="0">
-              <a:buNone/>
-              <a:defRPr sz="1800">
+            <a:lvl2pPr marL="609585" indent="0">
+              <a:buNone/>
+              <a:defRPr sz="2400">
                 <a:solidFill>
                   <a:schemeClr val="tx1">
                     <a:tint val="75000"/>
@@ -992,9 +997,9 @@
                 </a:solidFill>
               </a:defRPr>
             </a:lvl2pPr>
-            <a:lvl3pPr marL="914400" indent="0">
-              <a:buNone/>
-              <a:defRPr sz="1600">
+            <a:lvl3pPr marL="1219170" indent="0">
+              <a:buNone/>
+              <a:defRPr sz="2133">
                 <a:solidFill>
                   <a:schemeClr val="tx1">
                     <a:tint val="75000"/>
@@ -1002,9 +1007,9 @@
                 </a:solidFill>
               </a:defRPr>
             </a:lvl3pPr>
-            <a:lvl4pPr marL="1371600" indent="0">
-              <a:buNone/>
-              <a:defRPr sz="1400">
+            <a:lvl4pPr marL="1828754" indent="0">
+              <a:buNone/>
+              <a:defRPr sz="1867">
                 <a:solidFill>
                   <a:schemeClr val="tx1">
                     <a:tint val="75000"/>
@@ -1012,9 +1017,9 @@
                 </a:solidFill>
               </a:defRPr>
             </a:lvl4pPr>
-            <a:lvl5pPr marL="1828800" indent="0">
-              <a:buNone/>
-              <a:defRPr sz="1400">
+            <a:lvl5pPr marL="2438339" indent="0">
+              <a:buNone/>
+              <a:defRPr sz="1867">
                 <a:solidFill>
                   <a:schemeClr val="tx1">
                     <a:tint val="75000"/>
@@ -1022,9 +1027,9 @@
                 </a:solidFill>
               </a:defRPr>
             </a:lvl5pPr>
-            <a:lvl6pPr marL="2286000" indent="0">
-              <a:buNone/>
-              <a:defRPr sz="1400">
+            <a:lvl6pPr marL="3047924" indent="0">
+              <a:buNone/>
+              <a:defRPr sz="1867">
                 <a:solidFill>
                   <a:schemeClr val="tx1">
                     <a:tint val="75000"/>
@@ -1032,9 +1037,9 @@
                 </a:solidFill>
               </a:defRPr>
             </a:lvl6pPr>
-            <a:lvl7pPr marL="2743200" indent="0">
-              <a:buNone/>
-              <a:defRPr sz="1400">
+            <a:lvl7pPr marL="3657509" indent="0">
+              <a:buNone/>
+              <a:defRPr sz="1867">
                 <a:solidFill>
                   <a:schemeClr val="tx1">
                     <a:tint val="75000"/>
@@ -1042,9 +1047,9 @@
                 </a:solidFill>
               </a:defRPr>
             </a:lvl7pPr>
-            <a:lvl8pPr marL="3200400" indent="0">
-              <a:buNone/>
-              <a:defRPr sz="1400">
+            <a:lvl8pPr marL="4267093" indent="0">
+              <a:buNone/>
+              <a:defRPr sz="1867">
                 <a:solidFill>
                   <a:schemeClr val="tx1">
                     <a:tint val="75000"/>
@@ -1052,9 +1057,9 @@
                 </a:solidFill>
               </a:defRPr>
             </a:lvl8pPr>
-            <a:lvl9pPr marL="3657600" indent="0">
-              <a:buNone/>
-              <a:defRPr sz="1400">
+            <a:lvl9pPr marL="4876678" indent="0">
+              <a:buNone/>
+              <a:defRPr sz="1867">
                 <a:solidFill>
                   <a:schemeClr val="tx1">
                     <a:tint val="75000"/>
@@ -1066,15 +1071,15 @@
           <a:p>
             <a:pPr lvl="0"/>
             <a:r>
-              <a:rPr lang="zh-TW" altLang="en-US" smtClean="0"/>
-              <a:t>按一下以編輯母片文字樣式</a:t>
-            </a:r>
-          </a:p>
-        </p:txBody>
-      </p:sp>
-      <p:sp>
-        <p:nvSpPr>
-          <p:cNvPr id="4" name="Date Placeholder 3"/>
+              <a:rPr lang="en-US" altLang="zh-TW" smtClean="0"/>
+              <a:t>Edit Master text styles</a:t>
+            </a:r>
+          </a:p>
+        </p:txBody>
+      </p:sp>
+      <p:sp>
+        <p:nvSpPr>
+          <p:cNvPr id="4" name="日期版面配置區 3"/>
           <p:cNvSpPr>
             <a:spLocks noGrp="1"/>
           </p:cNvSpPr>
@@ -1085,15 +1090,11 @@
         <p:spPr/>
         <p:txBody>
           <a:bodyPr/>
-          <a:lstStyle>
-            <a:lvl1pPr>
-              <a:defRPr/>
-            </a:lvl1pPr>
-          </a:lstStyle>
+          <a:lstStyle/>
           <a:p>
             <a:fld id="{4C5DC20A-0605-4CAC-AD9A-87AD9FC8ABAD}" type="datetimeFigureOut">
               <a:rPr lang="zh-TW" altLang="en-US" smtClean="0"/>
-              <a:t>2015/5/24</a:t>
+              <a:t>2021/2/20</a:t>
             </a:fld>
             <a:endParaRPr lang="zh-TW" altLang="en-US"/>
           </a:p>
@@ -1101,7 +1102,7 @@
       </p:sp>
       <p:sp>
         <p:nvSpPr>
-          <p:cNvPr id="5" name="Footer Placeholder 4"/>
+          <p:cNvPr id="5" name="頁尾版面配置區 4"/>
           <p:cNvSpPr>
             <a:spLocks noGrp="1"/>
           </p:cNvSpPr>
@@ -1112,11 +1113,7 @@
         <p:spPr/>
         <p:txBody>
           <a:bodyPr/>
-          <a:lstStyle>
-            <a:lvl1pPr>
-              <a:defRPr/>
-            </a:lvl1pPr>
-          </a:lstStyle>
+          <a:lstStyle/>
           <a:p>
             <a:endParaRPr lang="zh-TW" altLang="en-US"/>
           </a:p>
@@ -1124,7 +1121,7 @@
       </p:sp>
       <p:sp>
         <p:nvSpPr>
-          <p:cNvPr id="6" name="Slide Number Placeholder 5"/>
+          <p:cNvPr id="6" name="投影片編號版面配置區 5"/>
           <p:cNvSpPr>
             <a:spLocks noGrp="1"/>
           </p:cNvSpPr>
@@ -1135,11 +1132,7 @@
         <p:spPr/>
         <p:txBody>
           <a:bodyPr/>
-          <a:lstStyle>
-            <a:lvl1pPr>
-              <a:defRPr/>
-            </a:lvl1pPr>
-          </a:lstStyle>
+          <a:lstStyle/>
           <a:p>
             <a:fld id="{A6CB6E7F-1E94-4E6D-8283-CFE975B65A44}" type="slidenum">
               <a:rPr lang="zh-TW" altLang="en-US" smtClean="0"/>
@@ -1150,6 +1143,11 @@
         </p:txBody>
       </p:sp>
     </p:spTree>
+    <p:extLst>
+      <p:ext uri="{BB962C8B-B14F-4D97-AF65-F5344CB8AC3E}">
+        <p14:creationId xmlns:p14="http://schemas.microsoft.com/office/powerpoint/2010/main" val="3687033539"/>
+      </p:ext>
+    </p:extLst>
   </p:cSld>
   <p:clrMapOvr>
     <a:masterClrMapping/>
@@ -1176,7 +1174,7 @@
       </p:grpSpPr>
       <p:sp>
         <p:nvSpPr>
-          <p:cNvPr id="2" name="Title 1"/>
+          <p:cNvPr id="2" name="標題 1"/>
           <p:cNvSpPr>
             <a:spLocks noGrp="1"/>
           </p:cNvSpPr>
@@ -1190,16 +1188,16 @@
           <a:lstStyle/>
           <a:p>
             <a:r>
-              <a:rPr lang="zh-TW" altLang="en-US" smtClean="0"/>
-              <a:t>按一下以編輯母片標題樣式</a:t>
-            </a:r>
-            <a:endParaRPr lang="en-US"/>
-          </a:p>
-        </p:txBody>
-      </p:sp>
-      <p:sp>
-        <p:nvSpPr>
-          <p:cNvPr id="3" name="Content Placeholder 2"/>
+              <a:rPr lang="en-US" altLang="zh-TW" smtClean="0"/>
+              <a:t>Click to edit Master title style</a:t>
+            </a:r>
+            <a:endParaRPr lang="zh-TW" altLang="en-US"/>
+          </a:p>
+        </p:txBody>
+      </p:sp>
+      <p:sp>
+        <p:nvSpPr>
+          <p:cNvPr id="3" name="內容版面配置區 2"/>
           <p:cNvSpPr>
             <a:spLocks noGrp="1"/>
           </p:cNvSpPr>
@@ -1209,82 +1207,82 @@
         </p:nvSpPr>
         <p:spPr>
           <a:xfrm>
-            <a:off x="457200" y="1600200"/>
-            <a:ext cx="4038600" cy="4525963"/>
+            <a:off x="609600" y="1600201"/>
+            <a:ext cx="5384800" cy="4525963"/>
           </a:xfrm>
         </p:spPr>
         <p:txBody>
           <a:bodyPr/>
           <a:lstStyle>
             <a:lvl1pPr>
-              <a:defRPr sz="2800"/>
+              <a:defRPr sz="3733"/>
             </a:lvl1pPr>
             <a:lvl2pPr>
-              <a:defRPr sz="2400"/>
+              <a:defRPr sz="3200"/>
             </a:lvl2pPr>
             <a:lvl3pPr>
-              <a:defRPr sz="2000"/>
+              <a:defRPr sz="2667"/>
             </a:lvl3pPr>
             <a:lvl4pPr>
-              <a:defRPr sz="1800"/>
+              <a:defRPr sz="2400"/>
             </a:lvl4pPr>
             <a:lvl5pPr>
-              <a:defRPr sz="1800"/>
+              <a:defRPr sz="2400"/>
             </a:lvl5pPr>
             <a:lvl6pPr>
-              <a:defRPr sz="1800"/>
+              <a:defRPr sz="2400"/>
             </a:lvl6pPr>
             <a:lvl7pPr>
-              <a:defRPr sz="1800"/>
+              <a:defRPr sz="2400"/>
             </a:lvl7pPr>
             <a:lvl8pPr>
-              <a:defRPr sz="1800"/>
+              <a:defRPr sz="2400"/>
             </a:lvl8pPr>
             <a:lvl9pPr>
-              <a:defRPr sz="1800"/>
+              <a:defRPr sz="2400"/>
             </a:lvl9pPr>
           </a:lstStyle>
           <a:p>
             <a:pPr lvl="0"/>
             <a:r>
-              <a:rPr lang="zh-TW" altLang="en-US" smtClean="0"/>
-              <a:t>按一下以編輯母片文字樣式</a:t>
+              <a:rPr lang="en-US" altLang="zh-TW" smtClean="0"/>
+              <a:t>Edit Master text styles</a:t>
             </a:r>
           </a:p>
           <a:p>
             <a:pPr lvl="1"/>
             <a:r>
-              <a:rPr lang="zh-TW" altLang="en-US" smtClean="0"/>
-              <a:t>第二層</a:t>
+              <a:rPr lang="en-US" altLang="zh-TW" smtClean="0"/>
+              <a:t>Second level</a:t>
             </a:r>
           </a:p>
           <a:p>
             <a:pPr lvl="2"/>
             <a:r>
-              <a:rPr lang="zh-TW" altLang="en-US" smtClean="0"/>
-              <a:t>第三層</a:t>
+              <a:rPr lang="en-US" altLang="zh-TW" smtClean="0"/>
+              <a:t>Third level</a:t>
             </a:r>
           </a:p>
           <a:p>
             <a:pPr lvl="3"/>
             <a:r>
-              <a:rPr lang="zh-TW" altLang="en-US" smtClean="0"/>
-              <a:t>第四層</a:t>
+              <a:rPr lang="en-US" altLang="zh-TW" smtClean="0"/>
+              <a:t>Fourth level</a:t>
             </a:r>
           </a:p>
           <a:p>
             <a:pPr lvl="4"/>
             <a:r>
-              <a:rPr lang="zh-TW" altLang="en-US" smtClean="0"/>
-              <a:t>第五層</a:t>
-            </a:r>
-            <a:endParaRPr lang="en-US"/>
-          </a:p>
-        </p:txBody>
-      </p:sp>
-      <p:sp>
-        <p:nvSpPr>
-          <p:cNvPr id="4" name="Content Placeholder 3"/>
+              <a:rPr lang="en-US" altLang="zh-TW" smtClean="0"/>
+              <a:t>Fifth level</a:t>
+            </a:r>
+            <a:endParaRPr lang="zh-TW" altLang="en-US"/>
+          </a:p>
+        </p:txBody>
+      </p:sp>
+      <p:sp>
+        <p:nvSpPr>
+          <p:cNvPr id="4" name="內容版面配置區 3"/>
           <p:cNvSpPr>
             <a:spLocks noGrp="1"/>
           </p:cNvSpPr>
@@ -1294,82 +1292,82 @@
         </p:nvSpPr>
         <p:spPr>
           <a:xfrm>
-            <a:off x="4648200" y="1600200"/>
-            <a:ext cx="4038600" cy="4525963"/>
+            <a:off x="6197600" y="1600201"/>
+            <a:ext cx="5384800" cy="4525963"/>
           </a:xfrm>
         </p:spPr>
         <p:txBody>
           <a:bodyPr/>
           <a:lstStyle>
             <a:lvl1pPr>
-              <a:defRPr sz="2800"/>
+              <a:defRPr sz="3733"/>
             </a:lvl1pPr>
             <a:lvl2pPr>
-              <a:defRPr sz="2400"/>
+              <a:defRPr sz="3200"/>
             </a:lvl2pPr>
             <a:lvl3pPr>
-              <a:defRPr sz="2000"/>
+              <a:defRPr sz="2667"/>
             </a:lvl3pPr>
             <a:lvl4pPr>
-              <a:defRPr sz="1800"/>
+              <a:defRPr sz="2400"/>
             </a:lvl4pPr>
             <a:lvl5pPr>
-              <a:defRPr sz="1800"/>
+              <a:defRPr sz="2400"/>
             </a:lvl5pPr>
             <a:lvl6pPr>
-              <a:defRPr sz="1800"/>
+              <a:defRPr sz="2400"/>
             </a:lvl6pPr>
             <a:lvl7pPr>
-              <a:defRPr sz="1800"/>
+              <a:defRPr sz="2400"/>
             </a:lvl7pPr>
             <a:lvl8pPr>
-              <a:defRPr sz="1800"/>
+              <a:defRPr sz="2400"/>
             </a:lvl8pPr>
             <a:lvl9pPr>
-              <a:defRPr sz="1800"/>
+              <a:defRPr sz="2400"/>
             </a:lvl9pPr>
           </a:lstStyle>
           <a:p>
             <a:pPr lvl="0"/>
             <a:r>
-              <a:rPr lang="zh-TW" altLang="en-US" smtClean="0"/>
-              <a:t>按一下以編輯母片文字樣式</a:t>
+              <a:rPr lang="en-US" altLang="zh-TW" smtClean="0"/>
+              <a:t>Edit Master text styles</a:t>
             </a:r>
           </a:p>
           <a:p>
             <a:pPr lvl="1"/>
             <a:r>
-              <a:rPr lang="zh-TW" altLang="en-US" smtClean="0"/>
-              <a:t>第二層</a:t>
+              <a:rPr lang="en-US" altLang="zh-TW" smtClean="0"/>
+              <a:t>Second level</a:t>
             </a:r>
           </a:p>
           <a:p>
             <a:pPr lvl="2"/>
             <a:r>
-              <a:rPr lang="zh-TW" altLang="en-US" smtClean="0"/>
-              <a:t>第三層</a:t>
+              <a:rPr lang="en-US" altLang="zh-TW" smtClean="0"/>
+              <a:t>Third level</a:t>
             </a:r>
           </a:p>
           <a:p>
             <a:pPr lvl="3"/>
             <a:r>
-              <a:rPr lang="zh-TW" altLang="en-US" smtClean="0"/>
-              <a:t>第四層</a:t>
+              <a:rPr lang="en-US" altLang="zh-TW" smtClean="0"/>
+              <a:t>Fourth level</a:t>
             </a:r>
           </a:p>
           <a:p>
             <a:pPr lvl="4"/>
             <a:r>
-              <a:rPr lang="zh-TW" altLang="en-US" smtClean="0"/>
-              <a:t>第五層</a:t>
-            </a:r>
-            <a:endParaRPr lang="en-US"/>
-          </a:p>
-        </p:txBody>
-      </p:sp>
-      <p:sp>
-        <p:nvSpPr>
-          <p:cNvPr id="5" name="Date Placeholder 3"/>
+              <a:rPr lang="en-US" altLang="zh-TW" smtClean="0"/>
+              <a:t>Fifth level</a:t>
+            </a:r>
+            <a:endParaRPr lang="zh-TW" altLang="en-US"/>
+          </a:p>
+        </p:txBody>
+      </p:sp>
+      <p:sp>
+        <p:nvSpPr>
+          <p:cNvPr id="5" name="日期版面配置區 4"/>
           <p:cNvSpPr>
             <a:spLocks noGrp="1"/>
           </p:cNvSpPr>
@@ -1380,15 +1378,11 @@
         <p:spPr/>
         <p:txBody>
           <a:bodyPr/>
-          <a:lstStyle>
-            <a:lvl1pPr>
-              <a:defRPr/>
-            </a:lvl1pPr>
-          </a:lstStyle>
+          <a:lstStyle/>
           <a:p>
             <a:fld id="{4C5DC20A-0605-4CAC-AD9A-87AD9FC8ABAD}" type="datetimeFigureOut">
               <a:rPr lang="zh-TW" altLang="en-US" smtClean="0"/>
-              <a:t>2015/5/24</a:t>
+              <a:t>2021/2/20</a:t>
             </a:fld>
             <a:endParaRPr lang="zh-TW" altLang="en-US"/>
           </a:p>
@@ -1396,7 +1390,7 @@
       </p:sp>
       <p:sp>
         <p:nvSpPr>
-          <p:cNvPr id="6" name="Footer Placeholder 4"/>
+          <p:cNvPr id="6" name="頁尾版面配置區 5"/>
           <p:cNvSpPr>
             <a:spLocks noGrp="1"/>
           </p:cNvSpPr>
@@ -1407,11 +1401,7 @@
         <p:spPr/>
         <p:txBody>
           <a:bodyPr/>
-          <a:lstStyle>
-            <a:lvl1pPr>
-              <a:defRPr/>
-            </a:lvl1pPr>
-          </a:lstStyle>
+          <a:lstStyle/>
           <a:p>
             <a:endParaRPr lang="zh-TW" altLang="en-US"/>
           </a:p>
@@ -1419,7 +1409,7 @@
       </p:sp>
       <p:sp>
         <p:nvSpPr>
-          <p:cNvPr id="7" name="Slide Number Placeholder 5"/>
+          <p:cNvPr id="7" name="投影片編號版面配置區 6"/>
           <p:cNvSpPr>
             <a:spLocks noGrp="1"/>
           </p:cNvSpPr>
@@ -1430,11 +1420,7 @@
         <p:spPr/>
         <p:txBody>
           <a:bodyPr/>
-          <a:lstStyle>
-            <a:lvl1pPr>
-              <a:defRPr/>
-            </a:lvl1pPr>
-          </a:lstStyle>
+          <a:lstStyle/>
           <a:p>
             <a:fld id="{A6CB6E7F-1E94-4E6D-8283-CFE975B65A44}" type="slidenum">
               <a:rPr lang="zh-TW" altLang="en-US" smtClean="0"/>
@@ -1445,6 +1431,11 @@
         </p:txBody>
       </p:sp>
     </p:spTree>
+    <p:extLst>
+      <p:ext uri="{BB962C8B-B14F-4D97-AF65-F5344CB8AC3E}">
+        <p14:creationId xmlns:p14="http://schemas.microsoft.com/office/powerpoint/2010/main" val="420311070"/>
+      </p:ext>
+    </p:extLst>
   </p:cSld>
   <p:clrMapOvr>
     <a:masterClrMapping/>
@@ -1471,7 +1462,7 @@
       </p:grpSpPr>
       <p:sp>
         <p:nvSpPr>
-          <p:cNvPr id="2" name="Title 1"/>
+          <p:cNvPr id="2" name="標題 1"/>
           <p:cNvSpPr>
             <a:spLocks noGrp="1"/>
           </p:cNvSpPr>
@@ -1489,16 +1480,16 @@
           </a:lstStyle>
           <a:p>
             <a:r>
-              <a:rPr lang="zh-TW" altLang="en-US" smtClean="0"/>
-              <a:t>按一下以編輯母片標題樣式</a:t>
-            </a:r>
-            <a:endParaRPr lang="en-US"/>
-          </a:p>
-        </p:txBody>
-      </p:sp>
-      <p:sp>
-        <p:nvSpPr>
-          <p:cNvPr id="3" name="Text Placeholder 2"/>
+              <a:rPr lang="en-US" altLang="zh-TW" smtClean="0"/>
+              <a:t>Click to edit Master title style</a:t>
+            </a:r>
+            <a:endParaRPr lang="zh-TW" altLang="en-US"/>
+          </a:p>
+        </p:txBody>
+      </p:sp>
+      <p:sp>
+        <p:nvSpPr>
+          <p:cNvPr id="3" name="文字版面配置區 2"/>
           <p:cNvSpPr>
             <a:spLocks noGrp="1"/>
           </p:cNvSpPr>
@@ -1508,8 +1499,8 @@
         </p:nvSpPr>
         <p:spPr>
           <a:xfrm>
-            <a:off x="457200" y="1535113"/>
-            <a:ext cx="4040188" cy="639762"/>
+            <a:off x="609600" y="1535113"/>
+            <a:ext cx="5386917" cy="639763"/>
           </a:xfrm>
         </p:spPr>
         <p:txBody>
@@ -1517,53 +1508,53 @@
           <a:lstStyle>
             <a:lvl1pPr marL="0" indent="0">
               <a:buNone/>
+              <a:defRPr sz="3200" b="1"/>
+            </a:lvl1pPr>
+            <a:lvl2pPr marL="609585" indent="0">
+              <a:buNone/>
+              <a:defRPr sz="2667" b="1"/>
+            </a:lvl2pPr>
+            <a:lvl3pPr marL="1219170" indent="0">
+              <a:buNone/>
               <a:defRPr sz="2400" b="1"/>
-            </a:lvl1pPr>
-            <a:lvl2pPr marL="457200" indent="0">
-              <a:buNone/>
-              <a:defRPr sz="2000" b="1"/>
-            </a:lvl2pPr>
-            <a:lvl3pPr marL="914400" indent="0">
-              <a:buNone/>
-              <a:defRPr sz="1800" b="1"/>
             </a:lvl3pPr>
-            <a:lvl4pPr marL="1371600" indent="0">
-              <a:buNone/>
-              <a:defRPr sz="1600" b="1"/>
+            <a:lvl4pPr marL="1828754" indent="0">
+              <a:buNone/>
+              <a:defRPr sz="2133" b="1"/>
             </a:lvl4pPr>
-            <a:lvl5pPr marL="1828800" indent="0">
-              <a:buNone/>
-              <a:defRPr sz="1600" b="1"/>
+            <a:lvl5pPr marL="2438339" indent="0">
+              <a:buNone/>
+              <a:defRPr sz="2133" b="1"/>
             </a:lvl5pPr>
-            <a:lvl6pPr marL="2286000" indent="0">
-              <a:buNone/>
-              <a:defRPr sz="1600" b="1"/>
+            <a:lvl6pPr marL="3047924" indent="0">
+              <a:buNone/>
+              <a:defRPr sz="2133" b="1"/>
             </a:lvl6pPr>
-            <a:lvl7pPr marL="2743200" indent="0">
-              <a:buNone/>
-              <a:defRPr sz="1600" b="1"/>
+            <a:lvl7pPr marL="3657509" indent="0">
+              <a:buNone/>
+              <a:defRPr sz="2133" b="1"/>
             </a:lvl7pPr>
-            <a:lvl8pPr marL="3200400" indent="0">
-              <a:buNone/>
-              <a:defRPr sz="1600" b="1"/>
+            <a:lvl8pPr marL="4267093" indent="0">
+              <a:buNone/>
+              <a:defRPr sz="2133" b="1"/>
             </a:lvl8pPr>
-            <a:lvl9pPr marL="3657600" indent="0">
-              <a:buNone/>
-              <a:defRPr sz="1600" b="1"/>
+            <a:lvl9pPr marL="4876678" indent="0">
+              <a:buNone/>
+              <a:defRPr sz="2133" b="1"/>
             </a:lvl9pPr>
           </a:lstStyle>
           <a:p>
             <a:pPr lvl="0"/>
             <a:r>
-              <a:rPr lang="zh-TW" altLang="en-US" smtClean="0"/>
-              <a:t>按一下以編輯母片文字樣式</a:t>
-            </a:r>
-          </a:p>
-        </p:txBody>
-      </p:sp>
-      <p:sp>
-        <p:nvSpPr>
-          <p:cNvPr id="4" name="Content Placeholder 3"/>
+              <a:rPr lang="en-US" altLang="zh-TW" smtClean="0"/>
+              <a:t>Edit Master text styles</a:t>
+            </a:r>
+          </a:p>
+        </p:txBody>
+      </p:sp>
+      <p:sp>
+        <p:nvSpPr>
+          <p:cNvPr id="4" name="內容版面配置區 3"/>
           <p:cNvSpPr>
             <a:spLocks noGrp="1"/>
           </p:cNvSpPr>
@@ -1573,82 +1564,82 @@
         </p:nvSpPr>
         <p:spPr>
           <a:xfrm>
-            <a:off x="457200" y="2174875"/>
-            <a:ext cx="4040188" cy="3951288"/>
+            <a:off x="609600" y="2174875"/>
+            <a:ext cx="5386917" cy="3951288"/>
           </a:xfrm>
         </p:spPr>
         <p:txBody>
           <a:bodyPr/>
           <a:lstStyle>
             <a:lvl1pPr>
-              <a:defRPr sz="2400"/>
+              <a:defRPr sz="3200"/>
             </a:lvl1pPr>
             <a:lvl2pPr>
-              <a:defRPr sz="2000"/>
+              <a:defRPr sz="2667"/>
             </a:lvl2pPr>
             <a:lvl3pPr>
-              <a:defRPr sz="1800"/>
+              <a:defRPr sz="2400"/>
             </a:lvl3pPr>
             <a:lvl4pPr>
-              <a:defRPr sz="1600"/>
+              <a:defRPr sz="2133"/>
             </a:lvl4pPr>
             <a:lvl5pPr>
-              <a:defRPr sz="1600"/>
+              <a:defRPr sz="2133"/>
             </a:lvl5pPr>
             <a:lvl6pPr>
-              <a:defRPr sz="1600"/>
+              <a:defRPr sz="2133"/>
             </a:lvl6pPr>
             <a:lvl7pPr>
-              <a:defRPr sz="1600"/>
+              <a:defRPr sz="2133"/>
             </a:lvl7pPr>
             <a:lvl8pPr>
-              <a:defRPr sz="1600"/>
+              <a:defRPr sz="2133"/>
             </a:lvl8pPr>
             <a:lvl9pPr>
-              <a:defRPr sz="1600"/>
+              <a:defRPr sz="2133"/>
             </a:lvl9pPr>
           </a:lstStyle>
           <a:p>
             <a:pPr lvl="0"/>
             <a:r>
-              <a:rPr lang="zh-TW" altLang="en-US" smtClean="0"/>
-              <a:t>按一下以編輯母片文字樣式</a:t>
+              <a:rPr lang="en-US" altLang="zh-TW" smtClean="0"/>
+              <a:t>Edit Master text styles</a:t>
             </a:r>
           </a:p>
           <a:p>
             <a:pPr lvl="1"/>
             <a:r>
-              <a:rPr lang="zh-TW" altLang="en-US" smtClean="0"/>
-              <a:t>第二層</a:t>
+              <a:rPr lang="en-US" altLang="zh-TW" smtClean="0"/>
+              <a:t>Second level</a:t>
             </a:r>
           </a:p>
           <a:p>
             <a:pPr lvl="2"/>
             <a:r>
-              <a:rPr lang="zh-TW" altLang="en-US" smtClean="0"/>
-              <a:t>第三層</a:t>
+              <a:rPr lang="en-US" altLang="zh-TW" smtClean="0"/>
+              <a:t>Third level</a:t>
             </a:r>
           </a:p>
           <a:p>
             <a:pPr lvl="3"/>
             <a:r>
-              <a:rPr lang="zh-TW" altLang="en-US" smtClean="0"/>
-              <a:t>第四層</a:t>
+              <a:rPr lang="en-US" altLang="zh-TW" smtClean="0"/>
+              <a:t>Fourth level</a:t>
             </a:r>
           </a:p>
           <a:p>
             <a:pPr lvl="4"/>
             <a:r>
-              <a:rPr lang="zh-TW" altLang="en-US" smtClean="0"/>
-              <a:t>第五層</a:t>
-            </a:r>
-            <a:endParaRPr lang="en-US"/>
-          </a:p>
-        </p:txBody>
-      </p:sp>
-      <p:sp>
-        <p:nvSpPr>
-          <p:cNvPr id="5" name="Text Placeholder 4"/>
+              <a:rPr lang="en-US" altLang="zh-TW" smtClean="0"/>
+              <a:t>Fifth level</a:t>
+            </a:r>
+            <a:endParaRPr lang="zh-TW" altLang="en-US"/>
+          </a:p>
+        </p:txBody>
+      </p:sp>
+      <p:sp>
+        <p:nvSpPr>
+          <p:cNvPr id="5" name="文字版面配置區 4"/>
           <p:cNvSpPr>
             <a:spLocks noGrp="1"/>
           </p:cNvSpPr>
@@ -1658,8 +1649,8 @@
         </p:nvSpPr>
         <p:spPr>
           <a:xfrm>
-            <a:off x="4645025" y="1535113"/>
-            <a:ext cx="4041775" cy="639762"/>
+            <a:off x="6193369" y="1535113"/>
+            <a:ext cx="5389033" cy="639763"/>
           </a:xfrm>
         </p:spPr>
         <p:txBody>
@@ -1667,53 +1658,53 @@
           <a:lstStyle>
             <a:lvl1pPr marL="0" indent="0">
               <a:buNone/>
+              <a:defRPr sz="3200" b="1"/>
+            </a:lvl1pPr>
+            <a:lvl2pPr marL="609585" indent="0">
+              <a:buNone/>
+              <a:defRPr sz="2667" b="1"/>
+            </a:lvl2pPr>
+            <a:lvl3pPr marL="1219170" indent="0">
+              <a:buNone/>
               <a:defRPr sz="2400" b="1"/>
-            </a:lvl1pPr>
-            <a:lvl2pPr marL="457200" indent="0">
-              <a:buNone/>
-              <a:defRPr sz="2000" b="1"/>
-            </a:lvl2pPr>
-            <a:lvl3pPr marL="914400" indent="0">
-              <a:buNone/>
-              <a:defRPr sz="1800" b="1"/>
             </a:lvl3pPr>
-            <a:lvl4pPr marL="1371600" indent="0">
-              <a:buNone/>
-              <a:defRPr sz="1600" b="1"/>
+            <a:lvl4pPr marL="1828754" indent="0">
+              <a:buNone/>
+              <a:defRPr sz="2133" b="1"/>
             </a:lvl4pPr>
-            <a:lvl5pPr marL="1828800" indent="0">
-              <a:buNone/>
-              <a:defRPr sz="1600" b="1"/>
+            <a:lvl5pPr marL="2438339" indent="0">
+              <a:buNone/>
+              <a:defRPr sz="2133" b="1"/>
             </a:lvl5pPr>
-            <a:lvl6pPr marL="2286000" indent="0">
-              <a:buNone/>
-              <a:defRPr sz="1600" b="1"/>
+            <a:lvl6pPr marL="3047924" indent="0">
+              <a:buNone/>
+              <a:defRPr sz="2133" b="1"/>
             </a:lvl6pPr>
-            <a:lvl7pPr marL="2743200" indent="0">
-              <a:buNone/>
-              <a:defRPr sz="1600" b="1"/>
+            <a:lvl7pPr marL="3657509" indent="0">
+              <a:buNone/>
+              <a:defRPr sz="2133" b="1"/>
             </a:lvl7pPr>
-            <a:lvl8pPr marL="3200400" indent="0">
-              <a:buNone/>
-              <a:defRPr sz="1600" b="1"/>
+            <a:lvl8pPr marL="4267093" indent="0">
+              <a:buNone/>
+              <a:defRPr sz="2133" b="1"/>
             </a:lvl8pPr>
-            <a:lvl9pPr marL="3657600" indent="0">
-              <a:buNone/>
-              <a:defRPr sz="1600" b="1"/>
+            <a:lvl9pPr marL="4876678" indent="0">
+              <a:buNone/>
+              <a:defRPr sz="2133" b="1"/>
             </a:lvl9pPr>
           </a:lstStyle>
           <a:p>
             <a:pPr lvl="0"/>
             <a:r>
-              <a:rPr lang="zh-TW" altLang="en-US" smtClean="0"/>
-              <a:t>按一下以編輯母片文字樣式</a:t>
-            </a:r>
-          </a:p>
-        </p:txBody>
-      </p:sp>
-      <p:sp>
-        <p:nvSpPr>
-          <p:cNvPr id="6" name="Content Placeholder 5"/>
+              <a:rPr lang="en-US" altLang="zh-TW" smtClean="0"/>
+              <a:t>Edit Master text styles</a:t>
+            </a:r>
+          </a:p>
+        </p:txBody>
+      </p:sp>
+      <p:sp>
+        <p:nvSpPr>
+          <p:cNvPr id="6" name="內容版面配置區 5"/>
           <p:cNvSpPr>
             <a:spLocks noGrp="1"/>
           </p:cNvSpPr>
@@ -1723,82 +1714,82 @@
         </p:nvSpPr>
         <p:spPr>
           <a:xfrm>
-            <a:off x="4645025" y="2174875"/>
-            <a:ext cx="4041775" cy="3951288"/>
+            <a:off x="6193369" y="2174875"/>
+            <a:ext cx="5389033" cy="3951288"/>
           </a:xfrm>
         </p:spPr>
         <p:txBody>
           <a:bodyPr/>
           <a:lstStyle>
             <a:lvl1pPr>
-              <a:defRPr sz="2400"/>
+              <a:defRPr sz="3200"/>
             </a:lvl1pPr>
             <a:lvl2pPr>
-              <a:defRPr sz="2000"/>
+              <a:defRPr sz="2667"/>
             </a:lvl2pPr>
             <a:lvl3pPr>
-              <a:defRPr sz="1800"/>
+              <a:defRPr sz="2400"/>
             </a:lvl3pPr>
             <a:lvl4pPr>
-              <a:defRPr sz="1600"/>
+              <a:defRPr sz="2133"/>
             </a:lvl4pPr>
             <a:lvl5pPr>
-              <a:defRPr sz="1600"/>
+              <a:defRPr sz="2133"/>
             </a:lvl5pPr>
             <a:lvl6pPr>
-              <a:defRPr sz="1600"/>
+              <a:defRPr sz="2133"/>
             </a:lvl6pPr>
             <a:lvl7pPr>
-              <a:defRPr sz="1600"/>
+              <a:defRPr sz="2133"/>
             </a:lvl7pPr>
             <a:lvl8pPr>
-              <a:defRPr sz="1600"/>
+              <a:defRPr sz="2133"/>
             </a:lvl8pPr>
             <a:lvl9pPr>
-              <a:defRPr sz="1600"/>
+              <a:defRPr sz="2133"/>
             </a:lvl9pPr>
           </a:lstStyle>
           <a:p>
             <a:pPr lvl="0"/>
             <a:r>
-              <a:rPr lang="zh-TW" altLang="en-US" smtClean="0"/>
-              <a:t>按一下以編輯母片文字樣式</a:t>
+              <a:rPr lang="en-US" altLang="zh-TW" smtClean="0"/>
+              <a:t>Edit Master text styles</a:t>
             </a:r>
           </a:p>
           <a:p>
             <a:pPr lvl="1"/>
             <a:r>
-              <a:rPr lang="zh-TW" altLang="en-US" smtClean="0"/>
-              <a:t>第二層</a:t>
+              <a:rPr lang="en-US" altLang="zh-TW" smtClean="0"/>
+              <a:t>Second level</a:t>
             </a:r>
           </a:p>
           <a:p>
             <a:pPr lvl="2"/>
             <a:r>
-              <a:rPr lang="zh-TW" altLang="en-US" smtClean="0"/>
-              <a:t>第三層</a:t>
+              <a:rPr lang="en-US" altLang="zh-TW" smtClean="0"/>
+              <a:t>Third level</a:t>
             </a:r>
           </a:p>
           <a:p>
             <a:pPr lvl="3"/>
             <a:r>
-              <a:rPr lang="zh-TW" altLang="en-US" smtClean="0"/>
-              <a:t>第四層</a:t>
+              <a:rPr lang="en-US" altLang="zh-TW" smtClean="0"/>
+              <a:t>Fourth level</a:t>
             </a:r>
           </a:p>
           <a:p>
             <a:pPr lvl="4"/>
             <a:r>
-              <a:rPr lang="zh-TW" altLang="en-US" smtClean="0"/>
-              <a:t>第五層</a:t>
-            </a:r>
-            <a:endParaRPr lang="en-US"/>
-          </a:p>
-        </p:txBody>
-      </p:sp>
-      <p:sp>
-        <p:nvSpPr>
-          <p:cNvPr id="7" name="Date Placeholder 3"/>
+              <a:rPr lang="en-US" altLang="zh-TW" smtClean="0"/>
+              <a:t>Fifth level</a:t>
+            </a:r>
+            <a:endParaRPr lang="zh-TW" altLang="en-US"/>
+          </a:p>
+        </p:txBody>
+      </p:sp>
+      <p:sp>
+        <p:nvSpPr>
+          <p:cNvPr id="7" name="日期版面配置區 6"/>
           <p:cNvSpPr>
             <a:spLocks noGrp="1"/>
           </p:cNvSpPr>
@@ -1809,15 +1800,11 @@
         <p:spPr/>
         <p:txBody>
           <a:bodyPr/>
-          <a:lstStyle>
-            <a:lvl1pPr>
-              <a:defRPr/>
-            </a:lvl1pPr>
-          </a:lstStyle>
+          <a:lstStyle/>
           <a:p>
             <a:fld id="{4C5DC20A-0605-4CAC-AD9A-87AD9FC8ABAD}" type="datetimeFigureOut">
               <a:rPr lang="zh-TW" altLang="en-US" smtClean="0"/>
-              <a:t>2015/5/24</a:t>
+              <a:t>2021/2/20</a:t>
             </a:fld>
             <a:endParaRPr lang="zh-TW" altLang="en-US"/>
           </a:p>
@@ -1825,7 +1812,7 @@
       </p:sp>
       <p:sp>
         <p:nvSpPr>
-          <p:cNvPr id="8" name="Footer Placeholder 4"/>
+          <p:cNvPr id="8" name="頁尾版面配置區 7"/>
           <p:cNvSpPr>
             <a:spLocks noGrp="1"/>
           </p:cNvSpPr>
@@ -1836,11 +1823,7 @@
         <p:spPr/>
         <p:txBody>
           <a:bodyPr/>
-          <a:lstStyle>
-            <a:lvl1pPr>
-              <a:defRPr/>
-            </a:lvl1pPr>
-          </a:lstStyle>
+          <a:lstStyle/>
           <a:p>
             <a:endParaRPr lang="zh-TW" altLang="en-US"/>
           </a:p>
@@ -1848,7 +1831,7 @@
       </p:sp>
       <p:sp>
         <p:nvSpPr>
-          <p:cNvPr id="9" name="Slide Number Placeholder 5"/>
+          <p:cNvPr id="9" name="投影片編號版面配置區 8"/>
           <p:cNvSpPr>
             <a:spLocks noGrp="1"/>
           </p:cNvSpPr>
@@ -1859,11 +1842,7 @@
         <p:spPr/>
         <p:txBody>
           <a:bodyPr/>
-          <a:lstStyle>
-            <a:lvl1pPr>
-              <a:defRPr/>
-            </a:lvl1pPr>
-          </a:lstStyle>
+          <a:lstStyle/>
           <a:p>
             <a:fld id="{A6CB6E7F-1E94-4E6D-8283-CFE975B65A44}" type="slidenum">
               <a:rPr lang="zh-TW" altLang="en-US" smtClean="0"/>
@@ -1874,6 +1853,11 @@
         </p:txBody>
       </p:sp>
     </p:spTree>
+    <p:extLst>
+      <p:ext uri="{BB962C8B-B14F-4D97-AF65-F5344CB8AC3E}">
+        <p14:creationId xmlns:p14="http://schemas.microsoft.com/office/powerpoint/2010/main" val="2208737744"/>
+      </p:ext>
+    </p:extLst>
   </p:cSld>
   <p:clrMapOvr>
     <a:masterClrMapping/>
@@ -1900,7 +1884,7 @@
       </p:grpSpPr>
       <p:sp>
         <p:nvSpPr>
-          <p:cNvPr id="2" name="Title 1"/>
+          <p:cNvPr id="2" name="標題 1"/>
           <p:cNvSpPr>
             <a:spLocks noGrp="1"/>
           </p:cNvSpPr>
@@ -1914,16 +1898,16 @@
           <a:lstStyle/>
           <a:p>
             <a:r>
-              <a:rPr lang="zh-TW" altLang="en-US" smtClean="0"/>
-              <a:t>按一下以編輯母片標題樣式</a:t>
-            </a:r>
-            <a:endParaRPr lang="en-US"/>
-          </a:p>
-        </p:txBody>
-      </p:sp>
-      <p:sp>
-        <p:nvSpPr>
-          <p:cNvPr id="3" name="Date Placeholder 3"/>
+              <a:rPr lang="en-US" altLang="zh-TW" smtClean="0"/>
+              <a:t>Click to edit Master title style</a:t>
+            </a:r>
+            <a:endParaRPr lang="zh-TW" altLang="en-US"/>
+          </a:p>
+        </p:txBody>
+      </p:sp>
+      <p:sp>
+        <p:nvSpPr>
+          <p:cNvPr id="3" name="日期版面配置區 2"/>
           <p:cNvSpPr>
             <a:spLocks noGrp="1"/>
           </p:cNvSpPr>
@@ -1934,15 +1918,11 @@
         <p:spPr/>
         <p:txBody>
           <a:bodyPr/>
-          <a:lstStyle>
-            <a:lvl1pPr>
-              <a:defRPr/>
-            </a:lvl1pPr>
-          </a:lstStyle>
+          <a:lstStyle/>
           <a:p>
             <a:fld id="{4C5DC20A-0605-4CAC-AD9A-87AD9FC8ABAD}" type="datetimeFigureOut">
               <a:rPr lang="zh-TW" altLang="en-US" smtClean="0"/>
-              <a:t>2015/5/24</a:t>
+              <a:t>2021/2/20</a:t>
             </a:fld>
             <a:endParaRPr lang="zh-TW" altLang="en-US"/>
           </a:p>
@@ -1950,7 +1930,7 @@
       </p:sp>
       <p:sp>
         <p:nvSpPr>
-          <p:cNvPr id="4" name="Footer Placeholder 4"/>
+          <p:cNvPr id="4" name="頁尾版面配置區 3"/>
           <p:cNvSpPr>
             <a:spLocks noGrp="1"/>
           </p:cNvSpPr>
@@ -1961,11 +1941,7 @@
         <p:spPr/>
         <p:txBody>
           <a:bodyPr/>
-          <a:lstStyle>
-            <a:lvl1pPr>
-              <a:defRPr/>
-            </a:lvl1pPr>
-          </a:lstStyle>
+          <a:lstStyle/>
           <a:p>
             <a:endParaRPr lang="zh-TW" altLang="en-US"/>
           </a:p>
@@ -1973,7 +1949,7 @@
       </p:sp>
       <p:sp>
         <p:nvSpPr>
-          <p:cNvPr id="5" name="Slide Number Placeholder 5"/>
+          <p:cNvPr id="5" name="投影片編號版面配置區 4"/>
           <p:cNvSpPr>
             <a:spLocks noGrp="1"/>
           </p:cNvSpPr>
@@ -1984,11 +1960,7 @@
         <p:spPr/>
         <p:txBody>
           <a:bodyPr/>
-          <a:lstStyle>
-            <a:lvl1pPr>
-              <a:defRPr/>
-            </a:lvl1pPr>
-          </a:lstStyle>
+          <a:lstStyle/>
           <a:p>
             <a:fld id="{A6CB6E7F-1E94-4E6D-8283-CFE975B65A44}" type="slidenum">
               <a:rPr lang="zh-TW" altLang="en-US" smtClean="0"/>
@@ -1999,6 +1971,11 @@
         </p:txBody>
       </p:sp>
     </p:spTree>
+    <p:extLst>
+      <p:ext uri="{BB962C8B-B14F-4D97-AF65-F5344CB8AC3E}">
+        <p14:creationId xmlns:p14="http://schemas.microsoft.com/office/powerpoint/2010/main" val="4111760155"/>
+      </p:ext>
+    </p:extLst>
   </p:cSld>
   <p:clrMapOvr>
     <a:masterClrMapping/>
@@ -2025,7 +2002,7 @@
       </p:grpSpPr>
       <p:sp>
         <p:nvSpPr>
-          <p:cNvPr id="2" name="Date Placeholder 3"/>
+          <p:cNvPr id="2" name="日期版面配置區 1"/>
           <p:cNvSpPr>
             <a:spLocks noGrp="1"/>
           </p:cNvSpPr>
@@ -2036,15 +2013,11 @@
         <p:spPr/>
         <p:txBody>
           <a:bodyPr/>
-          <a:lstStyle>
-            <a:lvl1pPr>
-              <a:defRPr/>
-            </a:lvl1pPr>
-          </a:lstStyle>
+          <a:lstStyle/>
           <a:p>
             <a:fld id="{4C5DC20A-0605-4CAC-AD9A-87AD9FC8ABAD}" type="datetimeFigureOut">
               <a:rPr lang="zh-TW" altLang="en-US" smtClean="0"/>
-              <a:t>2015/5/24</a:t>
+              <a:t>2021/2/20</a:t>
             </a:fld>
             <a:endParaRPr lang="zh-TW" altLang="en-US"/>
           </a:p>
@@ -2052,7 +2025,7 @@
       </p:sp>
       <p:sp>
         <p:nvSpPr>
-          <p:cNvPr id="3" name="Footer Placeholder 4"/>
+          <p:cNvPr id="3" name="頁尾版面配置區 2"/>
           <p:cNvSpPr>
             <a:spLocks noGrp="1"/>
           </p:cNvSpPr>
@@ -2063,11 +2036,7 @@
         <p:spPr/>
         <p:txBody>
           <a:bodyPr/>
-          <a:lstStyle>
-            <a:lvl1pPr>
-              <a:defRPr/>
-            </a:lvl1pPr>
-          </a:lstStyle>
+          <a:lstStyle/>
           <a:p>
             <a:endParaRPr lang="zh-TW" altLang="en-US"/>
           </a:p>
@@ -2075,7 +2044,7 @@
       </p:sp>
       <p:sp>
         <p:nvSpPr>
-          <p:cNvPr id="4" name="Slide Number Placeholder 5"/>
+          <p:cNvPr id="4" name="投影片編號版面配置區 3"/>
           <p:cNvSpPr>
             <a:spLocks noGrp="1"/>
           </p:cNvSpPr>
@@ -2086,11 +2055,7 @@
         <p:spPr/>
         <p:txBody>
           <a:bodyPr/>
-          <a:lstStyle>
-            <a:lvl1pPr>
-              <a:defRPr/>
-            </a:lvl1pPr>
-          </a:lstStyle>
+          <a:lstStyle/>
           <a:p>
             <a:fld id="{A6CB6E7F-1E94-4E6D-8283-CFE975B65A44}" type="slidenum">
               <a:rPr lang="zh-TW" altLang="en-US" smtClean="0"/>
@@ -2101,6 +2066,11 @@
         </p:txBody>
       </p:sp>
     </p:spTree>
+    <p:extLst>
+      <p:ext uri="{BB962C8B-B14F-4D97-AF65-F5344CB8AC3E}">
+        <p14:creationId xmlns:p14="http://schemas.microsoft.com/office/powerpoint/2010/main" val="3960543385"/>
+      </p:ext>
+    </p:extLst>
   </p:cSld>
   <p:clrMapOvr>
     <a:masterClrMapping/>
@@ -2127,7 +2097,7 @@
       </p:grpSpPr>
       <p:sp>
         <p:nvSpPr>
-          <p:cNvPr id="2" name="Title 1"/>
+          <p:cNvPr id="2" name="標題 1"/>
           <p:cNvSpPr>
             <a:spLocks noGrp="1"/>
           </p:cNvSpPr>
@@ -2137,29 +2107,29 @@
         </p:nvSpPr>
         <p:spPr>
           <a:xfrm>
-            <a:off x="457200" y="273050"/>
-            <a:ext cx="3008313" cy="1162050"/>
+            <a:off x="609602" y="273049"/>
+            <a:ext cx="4011084" cy="1162051"/>
           </a:xfrm>
         </p:spPr>
         <p:txBody>
           <a:bodyPr anchor="b"/>
           <a:lstStyle>
             <a:lvl1pPr algn="l">
-              <a:defRPr sz="2000" b="1"/>
+              <a:defRPr sz="2667" b="1"/>
             </a:lvl1pPr>
           </a:lstStyle>
           <a:p>
             <a:r>
-              <a:rPr lang="zh-TW" altLang="en-US" smtClean="0"/>
-              <a:t>按一下以編輯母片標題樣式</a:t>
-            </a:r>
-            <a:endParaRPr lang="en-US"/>
-          </a:p>
-        </p:txBody>
-      </p:sp>
-      <p:sp>
-        <p:nvSpPr>
-          <p:cNvPr id="3" name="Content Placeholder 2"/>
+              <a:rPr lang="en-US" altLang="zh-TW" smtClean="0"/>
+              <a:t>Click to edit Master title style</a:t>
+            </a:r>
+            <a:endParaRPr lang="zh-TW" altLang="en-US"/>
+          </a:p>
+        </p:txBody>
+      </p:sp>
+      <p:sp>
+        <p:nvSpPr>
+          <p:cNvPr id="3" name="內容版面配置區 2"/>
           <p:cNvSpPr>
             <a:spLocks noGrp="1"/>
           </p:cNvSpPr>
@@ -2169,82 +2139,82 @@
         </p:nvSpPr>
         <p:spPr>
           <a:xfrm>
-            <a:off x="3575050" y="273050"/>
-            <a:ext cx="5111750" cy="5853113"/>
+            <a:off x="4766733" y="273052"/>
+            <a:ext cx="6815667" cy="5853113"/>
           </a:xfrm>
         </p:spPr>
         <p:txBody>
           <a:bodyPr/>
           <a:lstStyle>
             <a:lvl1pPr>
-              <a:defRPr sz="3200"/>
+              <a:defRPr sz="4267"/>
             </a:lvl1pPr>
             <a:lvl2pPr>
-              <a:defRPr sz="2800"/>
+              <a:defRPr sz="3733"/>
             </a:lvl2pPr>
             <a:lvl3pPr>
-              <a:defRPr sz="2400"/>
+              <a:defRPr sz="3200"/>
             </a:lvl3pPr>
             <a:lvl4pPr>
-              <a:defRPr sz="2000"/>
+              <a:defRPr sz="2667"/>
             </a:lvl4pPr>
             <a:lvl5pPr>
-              <a:defRPr sz="2000"/>
+              <a:defRPr sz="2667"/>
             </a:lvl5pPr>
             <a:lvl6pPr>
-              <a:defRPr sz="2000"/>
+              <a:defRPr sz="2667"/>
             </a:lvl6pPr>
             <a:lvl7pPr>
-              <a:defRPr sz="2000"/>
+              <a:defRPr sz="2667"/>
             </a:lvl7pPr>
             <a:lvl8pPr>
-              <a:defRPr sz="2000"/>
+              <a:defRPr sz="2667"/>
             </a:lvl8pPr>
             <a:lvl9pPr>
-              <a:defRPr sz="2000"/>
+              <a:defRPr sz="2667"/>
             </a:lvl9pPr>
           </a:lstStyle>
           <a:p>
             <a:pPr lvl="0"/>
             <a:r>
-              <a:rPr lang="zh-TW" altLang="en-US" smtClean="0"/>
-              <a:t>按一下以編輯母片文字樣式</a:t>
+              <a:rPr lang="en-US" altLang="zh-TW" smtClean="0"/>
+              <a:t>Edit Master text styles</a:t>
             </a:r>
           </a:p>
           <a:p>
             <a:pPr lvl="1"/>
             <a:r>
-              <a:rPr lang="zh-TW" altLang="en-US" smtClean="0"/>
-              <a:t>第二層</a:t>
+              <a:rPr lang="en-US" altLang="zh-TW" smtClean="0"/>
+              <a:t>Second level</a:t>
             </a:r>
           </a:p>
           <a:p>
             <a:pPr lvl="2"/>
             <a:r>
-              <a:rPr lang="zh-TW" altLang="en-US" smtClean="0"/>
-              <a:t>第三層</a:t>
+              <a:rPr lang="en-US" altLang="zh-TW" smtClean="0"/>
+              <a:t>Third level</a:t>
             </a:r>
           </a:p>
           <a:p>
             <a:pPr lvl="3"/>
             <a:r>
-              <a:rPr lang="zh-TW" altLang="en-US" smtClean="0"/>
-              <a:t>第四層</a:t>
+              <a:rPr lang="en-US" altLang="zh-TW" smtClean="0"/>
+              <a:t>Fourth level</a:t>
             </a:r>
           </a:p>
           <a:p>
             <a:pPr lvl="4"/>
             <a:r>
-              <a:rPr lang="zh-TW" altLang="en-US" smtClean="0"/>
-              <a:t>第五層</a:t>
-            </a:r>
-            <a:endParaRPr lang="en-US"/>
-          </a:p>
-        </p:txBody>
-      </p:sp>
-      <p:sp>
-        <p:nvSpPr>
-          <p:cNvPr id="4" name="Text Placeholder 3"/>
+              <a:rPr lang="en-US" altLang="zh-TW" smtClean="0"/>
+              <a:t>Fifth level</a:t>
+            </a:r>
+            <a:endParaRPr lang="zh-TW" altLang="en-US"/>
+          </a:p>
+        </p:txBody>
+      </p:sp>
+      <p:sp>
+        <p:nvSpPr>
+          <p:cNvPr id="4" name="文字版面配置區 3"/>
           <p:cNvSpPr>
             <a:spLocks noGrp="1"/>
           </p:cNvSpPr>
@@ -2254,8 +2224,8 @@
         </p:nvSpPr>
         <p:spPr>
           <a:xfrm>
-            <a:off x="457200" y="1435100"/>
-            <a:ext cx="3008313" cy="4691063"/>
+            <a:off x="609602" y="1435102"/>
+            <a:ext cx="4011084" cy="4691063"/>
           </a:xfrm>
         </p:spPr>
         <p:txBody>
@@ -2263,53 +2233,53 @@
           <a:lstStyle>
             <a:lvl1pPr marL="0" indent="0">
               <a:buNone/>
-              <a:defRPr sz="1400"/>
+              <a:defRPr sz="1867"/>
             </a:lvl1pPr>
-            <a:lvl2pPr marL="457200" indent="0">
+            <a:lvl2pPr marL="609585" indent="0">
+              <a:buNone/>
+              <a:defRPr sz="1600"/>
+            </a:lvl2pPr>
+            <a:lvl3pPr marL="1219170" indent="0">
+              <a:buNone/>
+              <a:defRPr sz="1333"/>
+            </a:lvl3pPr>
+            <a:lvl4pPr marL="1828754" indent="0">
               <a:buNone/>
               <a:defRPr sz="1200"/>
-            </a:lvl2pPr>
-            <a:lvl3pPr marL="914400" indent="0">
-              <a:buNone/>
-              <a:defRPr sz="1000"/>
-            </a:lvl3pPr>
-            <a:lvl4pPr marL="1371600" indent="0">
-              <a:buNone/>
-              <a:defRPr sz="900"/>
             </a:lvl4pPr>
-            <a:lvl5pPr marL="1828800" indent="0">
-              <a:buNone/>
-              <a:defRPr sz="900"/>
+            <a:lvl5pPr marL="2438339" indent="0">
+              <a:buNone/>
+              <a:defRPr sz="1200"/>
             </a:lvl5pPr>
-            <a:lvl6pPr marL="2286000" indent="0">
-              <a:buNone/>
-              <a:defRPr sz="900"/>
+            <a:lvl6pPr marL="3047924" indent="0">
+              <a:buNone/>
+              <a:defRPr sz="1200"/>
             </a:lvl6pPr>
-            <a:lvl7pPr marL="2743200" indent="0">
-              <a:buNone/>
-              <a:defRPr sz="900"/>
+            <a:lvl7pPr marL="3657509" indent="0">
+              <a:buNone/>
+              <a:defRPr sz="1200"/>
             </a:lvl7pPr>
-            <a:lvl8pPr marL="3200400" indent="0">
-              <a:buNone/>
-              <a:defRPr sz="900"/>
+            <a:lvl8pPr marL="4267093" indent="0">
+              <a:buNone/>
+              <a:defRPr sz="1200"/>
             </a:lvl8pPr>
-            <a:lvl9pPr marL="3657600" indent="0">
-              <a:buNone/>
-              <a:defRPr sz="900"/>
+            <a:lvl9pPr marL="4876678" indent="0">
+              <a:buNone/>
+              <a:defRPr sz="1200"/>
             </a:lvl9pPr>
           </a:lstStyle>
           <a:p>
             <a:pPr lvl="0"/>
             <a:r>
-              <a:rPr lang="zh-TW" altLang="en-US" smtClean="0"/>
-              <a:t>按一下以編輯母片文字樣式</a:t>
-            </a:r>
-          </a:p>
-        </p:txBody>
-      </p:sp>
-      <p:sp>
-        <p:nvSpPr>
-          <p:cNvPr id="5" name="Date Placeholder 3"/>
+              <a:rPr lang="en-US" altLang="zh-TW" smtClean="0"/>
+              <a:t>Edit Master text styles</a:t>
+            </a:r>
+          </a:p>
+        </p:txBody>
+      </p:sp>
+      <p:sp>
+        <p:nvSpPr>
+          <p:cNvPr id="5" name="日期版面配置區 4"/>
           <p:cNvSpPr>
             <a:spLocks noGrp="1"/>
           </p:cNvSpPr>
@@ -2320,15 +2290,11 @@
         <p:spPr/>
         <p:txBody>
           <a:bodyPr/>
-          <a:lstStyle>
-            <a:lvl1pPr>
-              <a:defRPr/>
-            </a:lvl1pPr>
-          </a:lstStyle>
+          <a:lstStyle/>
           <a:p>
             <a:fld id="{4C5DC20A-0605-4CAC-AD9A-87AD9FC8ABAD}" type="datetimeFigureOut">
               <a:rPr lang="zh-TW" altLang="en-US" smtClean="0"/>
-              <a:t>2015/5/24</a:t>
+              <a:t>2021/2/20</a:t>
             </a:fld>
             <a:endParaRPr lang="zh-TW" altLang="en-US"/>
           </a:p>
@@ -2336,7 +2302,7 @@
       </p:sp>
       <p:sp>
         <p:nvSpPr>
-          <p:cNvPr id="6" name="Footer Placeholder 4"/>
+          <p:cNvPr id="6" name="頁尾版面配置區 5"/>
           <p:cNvSpPr>
             <a:spLocks noGrp="1"/>
           </p:cNvSpPr>
@@ -2347,11 +2313,7 @@
         <p:spPr/>
         <p:txBody>
           <a:bodyPr/>
-          <a:lstStyle>
-            <a:lvl1pPr>
-              <a:defRPr/>
-            </a:lvl1pPr>
-          </a:lstStyle>
+          <a:lstStyle/>
           <a:p>
             <a:endParaRPr lang="zh-TW" altLang="en-US"/>
           </a:p>
@@ -2359,7 +2321,7 @@
       </p:sp>
       <p:sp>
         <p:nvSpPr>
-          <p:cNvPr id="7" name="Slide Number Placeholder 5"/>
+          <p:cNvPr id="7" name="投影片編號版面配置區 6"/>
           <p:cNvSpPr>
             <a:spLocks noGrp="1"/>
           </p:cNvSpPr>
@@ -2370,11 +2332,7 @@
         <p:spPr/>
         <p:txBody>
           <a:bodyPr/>
-          <a:lstStyle>
-            <a:lvl1pPr>
-              <a:defRPr/>
-            </a:lvl1pPr>
-          </a:lstStyle>
+          <a:lstStyle/>
           <a:p>
             <a:fld id="{A6CB6E7F-1E94-4E6D-8283-CFE975B65A44}" type="slidenum">
               <a:rPr lang="zh-TW" altLang="en-US" smtClean="0"/>
@@ -2385,6 +2343,11 @@
         </p:txBody>
       </p:sp>
     </p:spTree>
+    <p:extLst>
+      <p:ext uri="{BB962C8B-B14F-4D97-AF65-F5344CB8AC3E}">
+        <p14:creationId xmlns:p14="http://schemas.microsoft.com/office/powerpoint/2010/main" val="3565196893"/>
+      </p:ext>
+    </p:extLst>
   </p:cSld>
   <p:clrMapOvr>
     <a:masterClrMapping/>
@@ -2411,7 +2374,7 @@
       </p:grpSpPr>
       <p:sp>
         <p:nvSpPr>
-          <p:cNvPr id="2" name="Title 1"/>
+          <p:cNvPr id="2" name="標題 1"/>
           <p:cNvSpPr>
             <a:spLocks noGrp="1"/>
           </p:cNvSpPr>
@@ -2421,29 +2384,29 @@
         </p:nvSpPr>
         <p:spPr>
           <a:xfrm>
-            <a:off x="1792288" y="4800600"/>
-            <a:ext cx="5486400" cy="566738"/>
+            <a:off x="2389717" y="4800600"/>
+            <a:ext cx="7315200" cy="566739"/>
           </a:xfrm>
         </p:spPr>
         <p:txBody>
           <a:bodyPr anchor="b"/>
           <a:lstStyle>
             <a:lvl1pPr algn="l">
-              <a:defRPr sz="2000" b="1"/>
+              <a:defRPr sz="2667" b="1"/>
             </a:lvl1pPr>
           </a:lstStyle>
           <a:p>
             <a:r>
-              <a:rPr lang="zh-TW" altLang="en-US" smtClean="0"/>
-              <a:t>按一下以編輯母片標題樣式</a:t>
-            </a:r>
-            <a:endParaRPr lang="en-US"/>
-          </a:p>
-        </p:txBody>
-      </p:sp>
-      <p:sp>
-        <p:nvSpPr>
-          <p:cNvPr id="3" name="Picture Placeholder 2"/>
+              <a:rPr lang="en-US" altLang="zh-TW" smtClean="0"/>
+              <a:t>Click to edit Master title style</a:t>
+            </a:r>
+            <a:endParaRPr lang="zh-TW" altLang="en-US"/>
+          </a:p>
+        </p:txBody>
+      </p:sp>
+      <p:sp>
+        <p:nvSpPr>
+          <p:cNvPr id="3" name="圖片版面配置區 2"/>
           <p:cNvSpPr>
             <a:spLocks noGrp="1"/>
           </p:cNvSpPr>
@@ -2453,76 +2416,8 @@
         </p:nvSpPr>
         <p:spPr>
           <a:xfrm>
-            <a:off x="1792288" y="612775"/>
-            <a:ext cx="5486400" cy="4114800"/>
-          </a:xfrm>
-        </p:spPr>
-        <p:txBody>
-          <a:bodyPr rtlCol="0">
-            <a:normAutofit/>
-          </a:bodyPr>
-          <a:lstStyle>
-            <a:lvl1pPr marL="0" indent="0">
-              <a:buNone/>
-              <a:defRPr sz="3200"/>
-            </a:lvl1pPr>
-            <a:lvl2pPr marL="457200" indent="0">
-              <a:buNone/>
-              <a:defRPr sz="2800"/>
-            </a:lvl2pPr>
-            <a:lvl3pPr marL="914400" indent="0">
-              <a:buNone/>
-              <a:defRPr sz="2400"/>
-            </a:lvl3pPr>
-            <a:lvl4pPr marL="1371600" indent="0">
-              <a:buNone/>
-              <a:defRPr sz="2000"/>
-            </a:lvl4pPr>
-            <a:lvl5pPr marL="1828800" indent="0">
-              <a:buNone/>
-              <a:defRPr sz="2000"/>
-            </a:lvl5pPr>
-            <a:lvl6pPr marL="2286000" indent="0">
-              <a:buNone/>
-              <a:defRPr sz="2000"/>
-            </a:lvl6pPr>
-            <a:lvl7pPr marL="2743200" indent="0">
-              <a:buNone/>
-              <a:defRPr sz="2000"/>
-            </a:lvl7pPr>
-            <a:lvl8pPr marL="3200400" indent="0">
-              <a:buNone/>
-              <a:defRPr sz="2000"/>
-            </a:lvl8pPr>
-            <a:lvl9pPr marL="3657600" indent="0">
-              <a:buNone/>
-              <a:defRPr sz="2000"/>
-            </a:lvl9pPr>
-          </a:lstStyle>
-          <a:p>
-            <a:pPr lvl="0"/>
-            <a:r>
-              <a:rPr lang="zh-TW" altLang="en-US" noProof="0" smtClean="0"/>
-              <a:t>按一下圖示以新增圖片</a:t>
-            </a:r>
-            <a:endParaRPr lang="en-US" noProof="0"/>
-          </a:p>
-        </p:txBody>
-      </p:sp>
-      <p:sp>
-        <p:nvSpPr>
-          <p:cNvPr id="4" name="Text Placeholder 3"/>
-          <p:cNvSpPr>
-            <a:spLocks noGrp="1"/>
-          </p:cNvSpPr>
-          <p:nvPr>
-            <p:ph type="body" sz="half" idx="2"/>
-          </p:nvPr>
-        </p:nvSpPr>
-        <p:spPr>
-          <a:xfrm>
-            <a:off x="1792288" y="5367338"/>
-            <a:ext cx="5486400" cy="804862"/>
+            <a:off x="2389717" y="612775"/>
+            <a:ext cx="7315200" cy="4114800"/>
           </a:xfrm>
         </p:spPr>
         <p:txBody>
@@ -2530,72 +2425,133 @@
           <a:lstStyle>
             <a:lvl1pPr marL="0" indent="0">
               <a:buNone/>
-              <a:defRPr sz="1400"/>
+              <a:defRPr sz="4267"/>
             </a:lvl1pPr>
-            <a:lvl2pPr marL="457200" indent="0">
-              <a:buNone/>
-              <a:defRPr sz="1200"/>
+            <a:lvl2pPr marL="609585" indent="0">
+              <a:buNone/>
+              <a:defRPr sz="3733"/>
             </a:lvl2pPr>
-            <a:lvl3pPr marL="914400" indent="0">
-              <a:buNone/>
-              <a:defRPr sz="1000"/>
+            <a:lvl3pPr marL="1219170" indent="0">
+              <a:buNone/>
+              <a:defRPr sz="3200"/>
             </a:lvl3pPr>
-            <a:lvl4pPr marL="1371600" indent="0">
-              <a:buNone/>
-              <a:defRPr sz="900"/>
+            <a:lvl4pPr marL="1828754" indent="0">
+              <a:buNone/>
+              <a:defRPr sz="2667"/>
             </a:lvl4pPr>
-            <a:lvl5pPr marL="1828800" indent="0">
-              <a:buNone/>
-              <a:defRPr sz="900"/>
+            <a:lvl5pPr marL="2438339" indent="0">
+              <a:buNone/>
+              <a:defRPr sz="2667"/>
             </a:lvl5pPr>
-            <a:lvl6pPr marL="2286000" indent="0">
-              <a:buNone/>
-              <a:defRPr sz="900"/>
+            <a:lvl6pPr marL="3047924" indent="0">
+              <a:buNone/>
+              <a:defRPr sz="2667"/>
             </a:lvl6pPr>
-            <a:lvl7pPr marL="2743200" indent="0">
-              <a:buNone/>
-              <a:defRPr sz="900"/>
+            <a:lvl7pPr marL="3657509" indent="0">
+              <a:buNone/>
+              <a:defRPr sz="2667"/>
             </a:lvl7pPr>
-            <a:lvl8pPr marL="3200400" indent="0">
-              <a:buNone/>
-              <a:defRPr sz="900"/>
+            <a:lvl8pPr marL="4267093" indent="0">
+              <a:buNone/>
+              <a:defRPr sz="2667"/>
             </a:lvl8pPr>
-            <a:lvl9pPr marL="3657600" indent="0">
-              <a:buNone/>
-              <a:defRPr sz="900"/>
+            <a:lvl9pPr marL="4876678" indent="0">
+              <a:buNone/>
+              <a:defRPr sz="2667"/>
             </a:lvl9pPr>
           </a:lstStyle>
           <a:p>
-            <a:pPr lvl="0"/>
-            <a:r>
-              <a:rPr lang="zh-TW" altLang="en-US" smtClean="0"/>
-              <a:t>按一下以編輯母片文字樣式</a:t>
-            </a:r>
-          </a:p>
-        </p:txBody>
-      </p:sp>
-      <p:sp>
-        <p:nvSpPr>
-          <p:cNvPr id="5" name="Date Placeholder 3"/>
-          <p:cNvSpPr>
-            <a:spLocks noGrp="1"/>
-          </p:cNvSpPr>
-          <p:nvPr>
-            <p:ph type="dt" sz="half" idx="10"/>
-          </p:nvPr>
-        </p:nvSpPr>
-        <p:spPr/>
+            <a:r>
+              <a:rPr lang="en-US" altLang="zh-TW" smtClean="0"/>
+              <a:t>Click icon to add picture</a:t>
+            </a:r>
+            <a:endParaRPr lang="zh-TW" altLang="en-US"/>
+          </a:p>
+        </p:txBody>
+      </p:sp>
+      <p:sp>
+        <p:nvSpPr>
+          <p:cNvPr id="4" name="文字版面配置區 3"/>
+          <p:cNvSpPr>
+            <a:spLocks noGrp="1"/>
+          </p:cNvSpPr>
+          <p:nvPr>
+            <p:ph type="body" sz="half" idx="2"/>
+          </p:nvPr>
+        </p:nvSpPr>
+        <p:spPr>
+          <a:xfrm>
+            <a:off x="2389717" y="5367338"/>
+            <a:ext cx="7315200" cy="804863"/>
+          </a:xfrm>
+        </p:spPr>
         <p:txBody>
           <a:bodyPr/>
           <a:lstStyle>
-            <a:lvl1pPr>
-              <a:defRPr/>
+            <a:lvl1pPr marL="0" indent="0">
+              <a:buNone/>
+              <a:defRPr sz="1867"/>
             </a:lvl1pPr>
+            <a:lvl2pPr marL="609585" indent="0">
+              <a:buNone/>
+              <a:defRPr sz="1600"/>
+            </a:lvl2pPr>
+            <a:lvl3pPr marL="1219170" indent="0">
+              <a:buNone/>
+              <a:defRPr sz="1333"/>
+            </a:lvl3pPr>
+            <a:lvl4pPr marL="1828754" indent="0">
+              <a:buNone/>
+              <a:defRPr sz="1200"/>
+            </a:lvl4pPr>
+            <a:lvl5pPr marL="2438339" indent="0">
+              <a:buNone/>
+              <a:defRPr sz="1200"/>
+            </a:lvl5pPr>
+            <a:lvl6pPr marL="3047924" indent="0">
+              <a:buNone/>
+              <a:defRPr sz="1200"/>
+            </a:lvl6pPr>
+            <a:lvl7pPr marL="3657509" indent="0">
+              <a:buNone/>
+              <a:defRPr sz="1200"/>
+            </a:lvl7pPr>
+            <a:lvl8pPr marL="4267093" indent="0">
+              <a:buNone/>
+              <a:defRPr sz="1200"/>
+            </a:lvl8pPr>
+            <a:lvl9pPr marL="4876678" indent="0">
+              <a:buNone/>
+              <a:defRPr sz="1200"/>
+            </a:lvl9pPr>
           </a:lstStyle>
+          <a:p>
+            <a:pPr lvl="0"/>
+            <a:r>
+              <a:rPr lang="en-US" altLang="zh-TW" smtClean="0"/>
+              <a:t>Edit Master text styles</a:t>
+            </a:r>
+          </a:p>
+        </p:txBody>
+      </p:sp>
+      <p:sp>
+        <p:nvSpPr>
+          <p:cNvPr id="5" name="日期版面配置區 4"/>
+          <p:cNvSpPr>
+            <a:spLocks noGrp="1"/>
+          </p:cNvSpPr>
+          <p:nvPr>
+            <p:ph type="dt" sz="half" idx="10"/>
+          </p:nvPr>
+        </p:nvSpPr>
+        <p:spPr/>
+        <p:txBody>
+          <a:bodyPr/>
+          <a:lstStyle/>
           <a:p>
             <a:fld id="{4C5DC20A-0605-4CAC-AD9A-87AD9FC8ABAD}" type="datetimeFigureOut">
               <a:rPr lang="zh-TW" altLang="en-US" smtClean="0"/>
-              <a:t>2015/5/24</a:t>
+              <a:t>2021/2/20</a:t>
             </a:fld>
             <a:endParaRPr lang="zh-TW" altLang="en-US"/>
           </a:p>
@@ -2603,7 +2559,7 @@
       </p:sp>
       <p:sp>
         <p:nvSpPr>
-          <p:cNvPr id="6" name="Footer Placeholder 4"/>
+          <p:cNvPr id="6" name="頁尾版面配置區 5"/>
           <p:cNvSpPr>
             <a:spLocks noGrp="1"/>
           </p:cNvSpPr>
@@ -2614,11 +2570,7 @@
         <p:spPr/>
         <p:txBody>
           <a:bodyPr/>
-          <a:lstStyle>
-            <a:lvl1pPr>
-              <a:defRPr/>
-            </a:lvl1pPr>
-          </a:lstStyle>
+          <a:lstStyle/>
           <a:p>
             <a:endParaRPr lang="zh-TW" altLang="en-US"/>
           </a:p>
@@ -2626,7 +2578,7 @@
       </p:sp>
       <p:sp>
         <p:nvSpPr>
-          <p:cNvPr id="7" name="Slide Number Placeholder 5"/>
+          <p:cNvPr id="7" name="投影片編號版面配置區 6"/>
           <p:cNvSpPr>
             <a:spLocks noGrp="1"/>
           </p:cNvSpPr>
@@ -2637,11 +2589,7 @@
         <p:spPr/>
         <p:txBody>
           <a:bodyPr/>
-          <a:lstStyle>
-            <a:lvl1pPr>
-              <a:defRPr/>
-            </a:lvl1pPr>
-          </a:lstStyle>
+          <a:lstStyle/>
           <a:p>
             <a:fld id="{A6CB6E7F-1E94-4E6D-8283-CFE975B65A44}" type="slidenum">
               <a:rPr lang="zh-TW" altLang="en-US" smtClean="0"/>
@@ -2652,6 +2600,11 @@
         </p:txBody>
       </p:sp>
     </p:spTree>
+    <p:extLst>
+      <p:ext uri="{BB962C8B-B14F-4D97-AF65-F5344CB8AC3E}">
+        <p14:creationId xmlns:p14="http://schemas.microsoft.com/office/powerpoint/2010/main" val="3659219678"/>
+      </p:ext>
+    </p:extLst>
   </p:cSld>
   <p:clrMapOvr>
     <a:masterClrMapping/>
@@ -2665,13 +2618,9 @@
     <p:bg>
       <p:bgPr>
         <a:blipFill dpi="0" rotWithShape="1">
-          <a:blip r:embed="rId13">
-            <a:lum/>
-          </a:blip>
+          <a:blip r:embed="rId13"/>
           <a:srcRect/>
-          <a:stretch>
-            <a:fillRect l="-21000" r="-21000"/>
-          </a:stretch>
+          <a:tile tx="0" ty="0" sx="100000" sy="100000" flip="none" algn="tl"/>
         </a:blipFill>
         <a:effectLst/>
       </p:bgPr>
@@ -2692,226 +2641,113 @@
       </p:grpSpPr>
       <p:sp>
         <p:nvSpPr>
-          <p:cNvPr id="1026" name="Title Placeholder 1"/>
+          <p:cNvPr id="2" name="標題版面配置區 1"/>
           <p:cNvSpPr>
             <a:spLocks noGrp="1"/>
           </p:cNvSpPr>
           <p:nvPr>
             <p:ph type="title"/>
-          </p:nvPr>
-        </p:nvSpPr>
-        <p:spPr bwMode="auto">
-          <a:xfrm>
-            <a:off x="457200" y="274638"/>
-            <a:ext cx="8229600" cy="1143000"/>
-          </a:xfrm>
-          <a:prstGeom prst="rect">
-            <a:avLst/>
-          </a:prstGeom>
-          <a:noFill/>
-          <a:ln w="9525">
-            <a:noFill/>
-            <a:miter lim="800000"/>
-            <a:headEnd/>
-            <a:tailEnd/>
-          </a:ln>
-        </p:spPr>
-        <p:txBody>
-          <a:bodyPr vert="horz" wrap="square" lIns="91440" tIns="45720" rIns="91440" bIns="45720" numCol="1" anchor="ctr" anchorCtr="0" compatLnSpc="1">
-            <a:prstTxWarp prst="textNoShape">
-              <a:avLst/>
-            </a:prstTxWarp>
-          </a:bodyPr>
-          <a:lstStyle/>
-          <a:p>
-            <a:pPr lvl="0"/>
-            <a:r>
-              <a:rPr lang="zh-TW" altLang="en-US" smtClean="0"/>
-              <a:t>按一下以編輯母片標題樣式</a:t>
-            </a:r>
-            <a:endParaRPr lang="en-US" altLang="zh-TW" smtClean="0"/>
-          </a:p>
-        </p:txBody>
-      </p:sp>
-      <p:sp>
-        <p:nvSpPr>
-          <p:cNvPr id="1027" name="Text Placeholder 2"/>
-          <p:cNvSpPr>
-            <a:spLocks noGrp="1"/>
-          </p:cNvSpPr>
-          <p:nvPr>
-            <p:ph type="body" idx="1"/>
-          </p:nvPr>
-        </p:nvSpPr>
-        <p:spPr bwMode="auto">
-          <a:xfrm>
-            <a:off x="457200" y="1600200"/>
-            <a:ext cx="8229600" cy="4525963"/>
-          </a:xfrm>
-          <a:prstGeom prst="rect">
-            <a:avLst/>
-          </a:prstGeom>
-          <a:noFill/>
-          <a:ln w="9525">
-            <a:noFill/>
-            <a:miter lim="800000"/>
-            <a:headEnd/>
-            <a:tailEnd/>
-          </a:ln>
-        </p:spPr>
-        <p:txBody>
-          <a:bodyPr vert="horz" wrap="square" lIns="91440" tIns="45720" rIns="91440" bIns="45720" numCol="1" anchor="t" anchorCtr="0" compatLnSpc="1">
-            <a:prstTxWarp prst="textNoShape">
-              <a:avLst/>
-            </a:prstTxWarp>
-          </a:bodyPr>
-          <a:lstStyle/>
-          <a:p>
-            <a:pPr lvl="0"/>
-            <a:r>
-              <a:rPr lang="zh-TW" altLang="en-US" smtClean="0"/>
-              <a:t>按一下以編輯母片文字樣式</a:t>
-            </a:r>
-          </a:p>
-          <a:p>
-            <a:pPr lvl="1"/>
-            <a:r>
-              <a:rPr lang="zh-TW" altLang="en-US" smtClean="0"/>
-              <a:t>第二層</a:t>
-            </a:r>
-          </a:p>
-          <a:p>
-            <a:pPr lvl="2"/>
-            <a:r>
-              <a:rPr lang="zh-TW" altLang="en-US" smtClean="0"/>
-              <a:t>第三層</a:t>
-            </a:r>
-          </a:p>
-          <a:p>
-            <a:pPr lvl="3"/>
-            <a:r>
-              <a:rPr lang="zh-TW" altLang="en-US" smtClean="0"/>
-              <a:t>第四層</a:t>
-            </a:r>
-          </a:p>
-          <a:p>
-            <a:pPr lvl="4"/>
-            <a:r>
-              <a:rPr lang="zh-TW" altLang="en-US" smtClean="0"/>
-              <a:t>第五層</a:t>
-            </a:r>
-            <a:endParaRPr lang="en-US" altLang="zh-TW" smtClean="0"/>
-          </a:p>
-        </p:txBody>
-      </p:sp>
-      <p:sp>
-        <p:nvSpPr>
-          <p:cNvPr id="4" name="Date Placeholder 3"/>
-          <p:cNvSpPr>
-            <a:spLocks noGrp="1"/>
-          </p:cNvSpPr>
-          <p:nvPr>
-            <p:ph type="dt" sz="half" idx="2"/>
           </p:nvPr>
         </p:nvSpPr>
         <p:spPr>
           <a:xfrm>
-            <a:off x="457200" y="6356350"/>
-            <a:ext cx="2133600" cy="365125"/>
+            <a:off x="609600" y="274639"/>
+            <a:ext cx="10972800" cy="1143000"/>
           </a:xfrm>
           <a:prstGeom prst="rect">
             <a:avLst/>
           </a:prstGeom>
         </p:spPr>
         <p:txBody>
-          <a:bodyPr vert="horz" lIns="91440" tIns="45720" rIns="91440" bIns="45720" rtlCol="0" anchor="ctr"/>
-          <a:lstStyle>
-            <a:lvl1pPr algn="l" fontAlgn="auto">
-              <a:spcBef>
-                <a:spcPts val="0"/>
-              </a:spcBef>
-              <a:spcAft>
-                <a:spcPts val="0"/>
-              </a:spcAft>
-              <a:defRPr kumimoji="0" sz="1200" smtClean="0">
-                <a:solidFill>
-                  <a:schemeClr val="tx1">
-                    <a:tint val="75000"/>
-                  </a:schemeClr>
-                </a:solidFill>
-                <a:latin typeface="+mn-lt"/>
-                <a:ea typeface="+mn-ea"/>
-              </a:defRPr>
-            </a:lvl1pPr>
-          </a:lstStyle>
-          <a:p>
-            <a:fld id="{4C5DC20A-0605-4CAC-AD9A-87AD9FC8ABAD}" type="datetimeFigureOut">
+          <a:bodyPr vert="horz" lIns="91440" tIns="45720" rIns="91440" bIns="45720" rtlCol="0" anchor="ctr">
+            <a:normAutofit/>
+          </a:bodyPr>
+          <a:lstStyle/>
+          <a:p>
+            <a:r>
               <a:rPr lang="zh-TW" altLang="en-US" smtClean="0"/>
-              <a:t>2015/5/24</a:t>
-            </a:fld>
+              <a:t>按一下以編輯母片標題樣式</a:t>
+            </a:r>
             <a:endParaRPr lang="zh-TW" altLang="en-US"/>
           </a:p>
         </p:txBody>
       </p:sp>
       <p:sp>
         <p:nvSpPr>
-          <p:cNvPr id="5" name="Footer Placeholder 4"/>
-          <p:cNvSpPr>
-            <a:spLocks noGrp="1"/>
-          </p:cNvSpPr>
-          <p:nvPr>
-            <p:ph type="ftr" sz="quarter" idx="3"/>
+          <p:cNvPr id="3" name="文字版面配置區 2"/>
+          <p:cNvSpPr>
+            <a:spLocks noGrp="1"/>
+          </p:cNvSpPr>
+          <p:nvPr>
+            <p:ph type="body" idx="1"/>
           </p:nvPr>
         </p:nvSpPr>
         <p:spPr>
           <a:xfrm>
-            <a:off x="3124200" y="6356350"/>
-            <a:ext cx="2895600" cy="365125"/>
+            <a:off x="609600" y="1600201"/>
+            <a:ext cx="10972800" cy="4525963"/>
           </a:xfrm>
           <a:prstGeom prst="rect">
             <a:avLst/>
           </a:prstGeom>
         </p:spPr>
         <p:txBody>
-          <a:bodyPr vert="horz" lIns="91440" tIns="45720" rIns="91440" bIns="45720" rtlCol="0" anchor="ctr"/>
-          <a:lstStyle>
-            <a:lvl1pPr algn="ctr" fontAlgn="auto">
-              <a:spcBef>
-                <a:spcPts val="0"/>
-              </a:spcBef>
-              <a:spcAft>
-                <a:spcPts val="0"/>
-              </a:spcAft>
-              <a:defRPr kumimoji="0" sz="1200">
-                <a:solidFill>
-                  <a:schemeClr val="tx1">
-                    <a:tint val="75000"/>
-                  </a:schemeClr>
-                </a:solidFill>
-                <a:latin typeface="+mn-lt"/>
-                <a:ea typeface="+mn-ea"/>
-              </a:defRPr>
-            </a:lvl1pPr>
-          </a:lstStyle>
-          <a:p>
+          <a:bodyPr vert="horz" lIns="91440" tIns="45720" rIns="91440" bIns="45720" rtlCol="0">
+            <a:normAutofit/>
+          </a:bodyPr>
+          <a:lstStyle/>
+          <a:p>
+            <a:pPr lvl="0"/>
+            <a:r>
+              <a:rPr lang="zh-TW" altLang="en-US" smtClean="0"/>
+              <a:t>按一下以編輯母片文字樣式</a:t>
+            </a:r>
+          </a:p>
+          <a:p>
+            <a:pPr lvl="1"/>
+            <a:r>
+              <a:rPr lang="zh-TW" altLang="en-US" smtClean="0"/>
+              <a:t>第二層</a:t>
+            </a:r>
+          </a:p>
+          <a:p>
+            <a:pPr lvl="2"/>
+            <a:r>
+              <a:rPr lang="zh-TW" altLang="en-US" smtClean="0"/>
+              <a:t>第三層</a:t>
+            </a:r>
+          </a:p>
+          <a:p>
+            <a:pPr lvl="3"/>
+            <a:r>
+              <a:rPr lang="zh-TW" altLang="en-US" smtClean="0"/>
+              <a:t>第四層</a:t>
+            </a:r>
+          </a:p>
+          <a:p>
+            <a:pPr lvl="4"/>
+            <a:r>
+              <a:rPr lang="zh-TW" altLang="en-US" smtClean="0"/>
+              <a:t>第五層</a:t>
+            </a:r>
             <a:endParaRPr lang="zh-TW" altLang="en-US"/>
           </a:p>
         </p:txBody>
       </p:sp>
       <p:sp>
         <p:nvSpPr>
-          <p:cNvPr id="6" name="Slide Number Placeholder 5"/>
-          <p:cNvSpPr>
-            <a:spLocks noGrp="1"/>
-          </p:cNvSpPr>
-          <p:nvPr>
-            <p:ph type="sldNum" sz="quarter" idx="4"/>
+          <p:cNvPr id="4" name="日期版面配置區 3"/>
+          <p:cNvSpPr>
+            <a:spLocks noGrp="1"/>
+          </p:cNvSpPr>
+          <p:nvPr>
+            <p:ph type="dt" sz="half" idx="2"/>
           </p:nvPr>
         </p:nvSpPr>
         <p:spPr>
           <a:xfrm>
-            <a:off x="6553200" y="6356350"/>
-            <a:ext cx="2133600" cy="365125"/>
+            <a:off x="609600" y="6356351"/>
+            <a:ext cx="2844800" cy="365125"/>
           </a:xfrm>
           <a:prstGeom prst="rect">
             <a:avLst/>
@@ -2920,21 +2756,91 @@
         <p:txBody>
           <a:bodyPr vert="horz" lIns="91440" tIns="45720" rIns="91440" bIns="45720" rtlCol="0" anchor="ctr"/>
           <a:lstStyle>
-            <a:lvl1pPr algn="r" fontAlgn="auto">
-              <a:spcBef>
-                <a:spcPts val="0"/>
-              </a:spcBef>
-              <a:spcAft>
-                <a:spcPts val="0"/>
-              </a:spcAft>
-              <a:defRPr kumimoji="0" sz="1200" smtClean="0">
+            <a:lvl1pPr algn="l">
+              <a:defRPr sz="1600">
                 <a:solidFill>
                   <a:schemeClr val="tx1">
                     <a:tint val="75000"/>
                   </a:schemeClr>
                 </a:solidFill>
-                <a:latin typeface="+mn-lt"/>
-                <a:ea typeface="+mn-ea"/>
+              </a:defRPr>
+            </a:lvl1pPr>
+          </a:lstStyle>
+          <a:p>
+            <a:fld id="{4C5DC20A-0605-4CAC-AD9A-87AD9FC8ABAD}" type="datetimeFigureOut">
+              <a:rPr lang="zh-TW" altLang="en-US" smtClean="0"/>
+              <a:t>2021/2/20</a:t>
+            </a:fld>
+            <a:endParaRPr lang="zh-TW" altLang="en-US"/>
+          </a:p>
+        </p:txBody>
+      </p:sp>
+      <p:sp>
+        <p:nvSpPr>
+          <p:cNvPr id="5" name="頁尾版面配置區 4"/>
+          <p:cNvSpPr>
+            <a:spLocks noGrp="1"/>
+          </p:cNvSpPr>
+          <p:nvPr>
+            <p:ph type="ftr" sz="quarter" idx="3"/>
+          </p:nvPr>
+        </p:nvSpPr>
+        <p:spPr>
+          <a:xfrm>
+            <a:off x="4165600" y="6356351"/>
+            <a:ext cx="3860800" cy="365125"/>
+          </a:xfrm>
+          <a:prstGeom prst="rect">
+            <a:avLst/>
+          </a:prstGeom>
+        </p:spPr>
+        <p:txBody>
+          <a:bodyPr vert="horz" lIns="91440" tIns="45720" rIns="91440" bIns="45720" rtlCol="0" anchor="ctr"/>
+          <a:lstStyle>
+            <a:lvl1pPr algn="ctr">
+              <a:defRPr sz="1600">
+                <a:solidFill>
+                  <a:schemeClr val="tx1">
+                    <a:tint val="75000"/>
+                  </a:schemeClr>
+                </a:solidFill>
+              </a:defRPr>
+            </a:lvl1pPr>
+          </a:lstStyle>
+          <a:p>
+            <a:endParaRPr lang="zh-TW" altLang="en-US"/>
+          </a:p>
+        </p:txBody>
+      </p:sp>
+      <p:sp>
+        <p:nvSpPr>
+          <p:cNvPr id="6" name="投影片編號版面配置區 5"/>
+          <p:cNvSpPr>
+            <a:spLocks noGrp="1"/>
+          </p:cNvSpPr>
+          <p:nvPr>
+            <p:ph type="sldNum" sz="quarter" idx="4"/>
+          </p:nvPr>
+        </p:nvSpPr>
+        <p:spPr>
+          <a:xfrm>
+            <a:off x="8737600" y="6356351"/>
+            <a:ext cx="2844800" cy="365125"/>
+          </a:xfrm>
+          <a:prstGeom prst="rect">
+            <a:avLst/>
+          </a:prstGeom>
+        </p:spPr>
+        <p:txBody>
+          <a:bodyPr vert="horz" lIns="91440" tIns="45720" rIns="91440" bIns="45720" rtlCol="0" anchor="ctr"/>
+          <a:lstStyle>
+            <a:lvl1pPr algn="r">
+              <a:defRPr sz="1600">
+                <a:solidFill>
+                  <a:schemeClr val="tx1">
+                    <a:tint val="75000"/>
+                  </a:schemeClr>
+                </a:solidFill>
               </a:defRPr>
             </a:lvl1pPr>
           </a:lstStyle>
@@ -2948,31 +2854,34 @@
         </p:txBody>
       </p:sp>
     </p:spTree>
+    <p:extLst>
+      <p:ext uri="{BB962C8B-B14F-4D97-AF65-F5344CB8AC3E}">
+        <p14:creationId xmlns:p14="http://schemas.microsoft.com/office/powerpoint/2010/main" val="1884764332"/>
+      </p:ext>
+    </p:extLst>
   </p:cSld>
   <p:clrMap bg1="lt1" tx1="dk1" bg2="lt2" tx2="dk2" accent1="accent1" accent2="accent2" accent3="accent3" accent4="accent4" accent5="accent5" accent6="accent6" hlink="hlink" folHlink="folHlink"/>
   <p:sldLayoutIdLst>
-    <p:sldLayoutId id="2147483661" r:id="rId1"/>
-    <p:sldLayoutId id="2147483662" r:id="rId2"/>
-    <p:sldLayoutId id="2147483663" r:id="rId3"/>
-    <p:sldLayoutId id="2147483664" r:id="rId4"/>
-    <p:sldLayoutId id="2147483665" r:id="rId5"/>
-    <p:sldLayoutId id="2147483666" r:id="rId6"/>
-    <p:sldLayoutId id="2147483667" r:id="rId7"/>
-    <p:sldLayoutId id="2147483668" r:id="rId8"/>
-    <p:sldLayoutId id="2147483669" r:id="rId9"/>
-    <p:sldLayoutId id="2147483670" r:id="rId10"/>
-    <p:sldLayoutId id="2147483671" r:id="rId11"/>
+    <p:sldLayoutId id="2147483673" r:id="rId1"/>
+    <p:sldLayoutId id="2147483674" r:id="rId2"/>
+    <p:sldLayoutId id="2147483675" r:id="rId3"/>
+    <p:sldLayoutId id="2147483676" r:id="rId4"/>
+    <p:sldLayoutId id="2147483677" r:id="rId5"/>
+    <p:sldLayoutId id="2147483678" r:id="rId6"/>
+    <p:sldLayoutId id="2147483679" r:id="rId7"/>
+    <p:sldLayoutId id="2147483680" r:id="rId8"/>
+    <p:sldLayoutId id="2147483681" r:id="rId9"/>
+    <p:sldLayoutId id="2147483682" r:id="rId10"/>
+    <p:sldLayoutId id="2147483683" r:id="rId11"/>
   </p:sldLayoutIdLst>
   <p:txStyles>
     <p:titleStyle>
-      <a:lvl1pPr algn="ctr" rtl="0" eaLnBrk="1" fontAlgn="base" hangingPunct="1">
+      <a:lvl1pPr algn="ctr" defTabSz="1219170" rtl="0" eaLnBrk="1" latinLnBrk="0" hangingPunct="1">
         <a:spcBef>
           <a:spcPct val="0"/>
         </a:spcBef>
-        <a:spcAft>
-          <a:spcPct val="0"/>
-        </a:spcAft>
-        <a:defRPr sz="4400" kern="1200">
+        <a:buNone/>
+        <a:defRPr sz="5867" kern="1200">
           <a:solidFill>
             <a:schemeClr val="tx1"/>
           </a:solidFill>
@@ -2981,128 +2890,43 @@
           <a:cs typeface="+mj-cs"/>
         </a:defRPr>
       </a:lvl1pPr>
-      <a:lvl2pPr algn="ctr" rtl="0" eaLnBrk="1" fontAlgn="base" hangingPunct="1">
+    </p:titleStyle>
+    <p:bodyStyle>
+      <a:lvl1pPr marL="457189" indent="-457189" algn="l" defTabSz="1219170" rtl="0" eaLnBrk="1" latinLnBrk="0" hangingPunct="1">
         <a:spcBef>
-          <a:spcPct val="0"/>
+          <a:spcPct val="20000"/>
         </a:spcBef>
-        <a:spcAft>
-          <a:spcPct val="0"/>
-        </a:spcAft>
-        <a:defRPr sz="4400">
+        <a:buFont typeface="Arial" pitchFamily="34" charset="0"/>
+        <a:buChar char="•"/>
+        <a:defRPr sz="4267" kern="1200">
           <a:solidFill>
             <a:schemeClr val="tx1"/>
           </a:solidFill>
-          <a:latin typeface="Calibri" pitchFamily="34" charset="0"/>
+          <a:latin typeface="+mn-lt"/>
+          <a:ea typeface="+mn-ea"/>
+          <a:cs typeface="+mn-cs"/>
         </a:defRPr>
-      </a:lvl2pPr>
-      <a:lvl3pPr algn="ctr" rtl="0" eaLnBrk="1" fontAlgn="base" hangingPunct="1">
+      </a:lvl1pPr>
+      <a:lvl2pPr marL="990575" indent="-380990" algn="l" defTabSz="1219170" rtl="0" eaLnBrk="1" latinLnBrk="0" hangingPunct="1">
         <a:spcBef>
-          <a:spcPct val="0"/>
+          <a:spcPct val="20000"/>
         </a:spcBef>
-        <a:spcAft>
-          <a:spcPct val="0"/>
-        </a:spcAft>
-        <a:defRPr sz="4400">
+        <a:buFont typeface="Arial" pitchFamily="34" charset="0"/>
+        <a:buChar char="–"/>
+        <a:defRPr sz="3733" kern="1200">
           <a:solidFill>
             <a:schemeClr val="tx1"/>
           </a:solidFill>
-          <a:latin typeface="Calibri" pitchFamily="34" charset="0"/>
+          <a:latin typeface="+mn-lt"/>
+          <a:ea typeface="+mn-ea"/>
+          <a:cs typeface="+mn-cs"/>
         </a:defRPr>
-      </a:lvl3pPr>
-      <a:lvl4pPr algn="ctr" rtl="0" eaLnBrk="1" fontAlgn="base" hangingPunct="1">
-        <a:spcBef>
-          <a:spcPct val="0"/>
-        </a:spcBef>
-        <a:spcAft>
-          <a:spcPct val="0"/>
-        </a:spcAft>
-        <a:defRPr sz="4400">
-          <a:solidFill>
-            <a:schemeClr val="tx1"/>
-          </a:solidFill>
-          <a:latin typeface="Calibri" pitchFamily="34" charset="0"/>
-        </a:defRPr>
-      </a:lvl4pPr>
-      <a:lvl5pPr algn="ctr" rtl="0" eaLnBrk="1" fontAlgn="base" hangingPunct="1">
-        <a:spcBef>
-          <a:spcPct val="0"/>
-        </a:spcBef>
-        <a:spcAft>
-          <a:spcPct val="0"/>
-        </a:spcAft>
-        <a:defRPr sz="4400">
-          <a:solidFill>
-            <a:schemeClr val="tx1"/>
-          </a:solidFill>
-          <a:latin typeface="Calibri" pitchFamily="34" charset="0"/>
-        </a:defRPr>
-      </a:lvl5pPr>
-      <a:lvl6pPr marL="457200" algn="ctr" rtl="0" eaLnBrk="1" fontAlgn="base" hangingPunct="1">
-        <a:spcBef>
-          <a:spcPct val="0"/>
-        </a:spcBef>
-        <a:spcAft>
-          <a:spcPct val="0"/>
-        </a:spcAft>
-        <a:defRPr sz="4400">
-          <a:solidFill>
-            <a:schemeClr val="tx1"/>
-          </a:solidFill>
-          <a:latin typeface="Calibri" pitchFamily="34" charset="0"/>
-        </a:defRPr>
-      </a:lvl6pPr>
-      <a:lvl7pPr marL="914400" algn="ctr" rtl="0" eaLnBrk="1" fontAlgn="base" hangingPunct="1">
-        <a:spcBef>
-          <a:spcPct val="0"/>
-        </a:spcBef>
-        <a:spcAft>
-          <a:spcPct val="0"/>
-        </a:spcAft>
-        <a:defRPr sz="4400">
-          <a:solidFill>
-            <a:schemeClr val="tx1"/>
-          </a:solidFill>
-          <a:latin typeface="Calibri" pitchFamily="34" charset="0"/>
-        </a:defRPr>
-      </a:lvl7pPr>
-      <a:lvl8pPr marL="1371600" algn="ctr" rtl="0" eaLnBrk="1" fontAlgn="base" hangingPunct="1">
-        <a:spcBef>
-          <a:spcPct val="0"/>
-        </a:spcBef>
-        <a:spcAft>
-          <a:spcPct val="0"/>
-        </a:spcAft>
-        <a:defRPr sz="4400">
-          <a:solidFill>
-            <a:schemeClr val="tx1"/>
-          </a:solidFill>
-          <a:latin typeface="Calibri" pitchFamily="34" charset="0"/>
-        </a:defRPr>
-      </a:lvl8pPr>
-      <a:lvl9pPr marL="1828800" algn="ctr" rtl="0" eaLnBrk="1" fontAlgn="base" hangingPunct="1">
-        <a:spcBef>
-          <a:spcPct val="0"/>
-        </a:spcBef>
-        <a:spcAft>
-          <a:spcPct val="0"/>
-        </a:spcAft>
-        <a:defRPr sz="4400">
-          <a:solidFill>
-            <a:schemeClr val="tx1"/>
-          </a:solidFill>
-          <a:latin typeface="Calibri" pitchFamily="34" charset="0"/>
-        </a:defRPr>
-      </a:lvl9pPr>
-    </p:titleStyle>
-    <p:bodyStyle>
-      <a:lvl1pPr marL="342900" indent="-342900" algn="l" rtl="0" eaLnBrk="1" fontAlgn="base" hangingPunct="1">
+      </a:lvl2pPr>
+      <a:lvl3pPr marL="1523962" indent="-304792" algn="l" defTabSz="1219170" rtl="0" eaLnBrk="1" latinLnBrk="0" hangingPunct="1">
         <a:spcBef>
           <a:spcPct val="20000"/>
         </a:spcBef>
-        <a:spcAft>
-          <a:spcPct val="0"/>
-        </a:spcAft>
-        <a:buFont typeface="Arial" charset="0"/>
+        <a:buFont typeface="Arial" pitchFamily="34" charset="0"/>
         <a:buChar char="•"/>
         <a:defRPr sz="3200" kern="1200">
           <a:solidFill>
@@ -3112,53 +2936,14 @@
           <a:ea typeface="+mn-ea"/>
           <a:cs typeface="+mn-cs"/>
         </a:defRPr>
-      </a:lvl1pPr>
-      <a:lvl2pPr marL="742950" indent="-285750" algn="l" rtl="0" eaLnBrk="1" fontAlgn="base" hangingPunct="1">
+      </a:lvl3pPr>
+      <a:lvl4pPr marL="2133547" indent="-304792" algn="l" defTabSz="1219170" rtl="0" eaLnBrk="1" latinLnBrk="0" hangingPunct="1">
         <a:spcBef>
           <a:spcPct val="20000"/>
         </a:spcBef>
-        <a:spcAft>
-          <a:spcPct val="0"/>
-        </a:spcAft>
-        <a:buFont typeface="Arial" charset="0"/>
+        <a:buFont typeface="Arial" pitchFamily="34" charset="0"/>
         <a:buChar char="–"/>
-        <a:defRPr sz="2800" kern="1200">
-          <a:solidFill>
-            <a:schemeClr val="tx1"/>
-          </a:solidFill>
-          <a:latin typeface="+mn-lt"/>
-          <a:ea typeface="+mn-ea"/>
-          <a:cs typeface="+mn-cs"/>
-        </a:defRPr>
-      </a:lvl2pPr>
-      <a:lvl3pPr marL="1143000" indent="-228600" algn="l" rtl="0" eaLnBrk="1" fontAlgn="base" hangingPunct="1">
-        <a:spcBef>
-          <a:spcPct val="20000"/>
-        </a:spcBef>
-        <a:spcAft>
-          <a:spcPct val="0"/>
-        </a:spcAft>
-        <a:buFont typeface="Arial" charset="0"/>
-        <a:buChar char="•"/>
-        <a:defRPr sz="2400" kern="1200">
-          <a:solidFill>
-            <a:schemeClr val="tx1"/>
-          </a:solidFill>
-          <a:latin typeface="+mn-lt"/>
-          <a:ea typeface="+mn-ea"/>
-          <a:cs typeface="+mn-cs"/>
-        </a:defRPr>
-      </a:lvl3pPr>
-      <a:lvl4pPr marL="1600200" indent="-228600" algn="l" rtl="0" eaLnBrk="1" fontAlgn="base" hangingPunct="1">
-        <a:spcBef>
-          <a:spcPct val="20000"/>
-        </a:spcBef>
-        <a:spcAft>
-          <a:spcPct val="0"/>
-        </a:spcAft>
-        <a:buFont typeface="Arial" charset="0"/>
-        <a:buChar char="–"/>
-        <a:defRPr sz="2000" kern="1200">
+        <a:defRPr sz="2667" kern="1200">
           <a:solidFill>
             <a:schemeClr val="tx1"/>
           </a:solidFill>
@@ -3167,16 +2952,13 @@
           <a:cs typeface="+mn-cs"/>
         </a:defRPr>
       </a:lvl4pPr>
-      <a:lvl5pPr marL="2057400" indent="-228600" algn="l" rtl="0" eaLnBrk="1" fontAlgn="base" hangingPunct="1">
+      <a:lvl5pPr marL="2743131" indent="-304792" algn="l" defTabSz="1219170" rtl="0" eaLnBrk="1" latinLnBrk="0" hangingPunct="1">
         <a:spcBef>
           <a:spcPct val="20000"/>
         </a:spcBef>
-        <a:spcAft>
-          <a:spcPct val="0"/>
-        </a:spcAft>
-        <a:buFont typeface="Arial" charset="0"/>
+        <a:buFont typeface="Arial" pitchFamily="34" charset="0"/>
         <a:buChar char="»"/>
-        <a:defRPr sz="2000" kern="1200">
+        <a:defRPr sz="2667" kern="1200">
           <a:solidFill>
             <a:schemeClr val="tx1"/>
           </a:solidFill>
@@ -3185,13 +2967,13 @@
           <a:cs typeface="+mn-cs"/>
         </a:defRPr>
       </a:lvl5pPr>
-      <a:lvl6pPr marL="2514600" indent="-228600" algn="l" defTabSz="914400" rtl="0" eaLnBrk="1" latinLnBrk="0" hangingPunct="1">
+      <a:lvl6pPr marL="3352716" indent="-304792" algn="l" defTabSz="1219170" rtl="0" eaLnBrk="1" latinLnBrk="0" hangingPunct="1">
         <a:spcBef>
           <a:spcPct val="20000"/>
         </a:spcBef>
         <a:buFont typeface="Arial" pitchFamily="34" charset="0"/>
         <a:buChar char="•"/>
-        <a:defRPr sz="2000" kern="1200">
+        <a:defRPr sz="2667" kern="1200">
           <a:solidFill>
             <a:schemeClr val="tx1"/>
           </a:solidFill>
@@ -3200,13 +2982,13 @@
           <a:cs typeface="+mn-cs"/>
         </a:defRPr>
       </a:lvl6pPr>
-      <a:lvl7pPr marL="2971800" indent="-228600" algn="l" defTabSz="914400" rtl="0" eaLnBrk="1" latinLnBrk="0" hangingPunct="1">
+      <a:lvl7pPr marL="3962301" indent="-304792" algn="l" defTabSz="1219170" rtl="0" eaLnBrk="1" latinLnBrk="0" hangingPunct="1">
         <a:spcBef>
           <a:spcPct val="20000"/>
         </a:spcBef>
         <a:buFont typeface="Arial" pitchFamily="34" charset="0"/>
         <a:buChar char="•"/>
-        <a:defRPr sz="2000" kern="1200">
+        <a:defRPr sz="2667" kern="1200">
           <a:solidFill>
             <a:schemeClr val="tx1"/>
           </a:solidFill>
@@ -3215,13 +2997,13 @@
           <a:cs typeface="+mn-cs"/>
         </a:defRPr>
       </a:lvl7pPr>
-      <a:lvl8pPr marL="3429000" indent="-228600" algn="l" defTabSz="914400" rtl="0" eaLnBrk="1" latinLnBrk="0" hangingPunct="1">
+      <a:lvl8pPr marL="4571886" indent="-304792" algn="l" defTabSz="1219170" rtl="0" eaLnBrk="1" latinLnBrk="0" hangingPunct="1">
         <a:spcBef>
           <a:spcPct val="20000"/>
         </a:spcBef>
         <a:buFont typeface="Arial" pitchFamily="34" charset="0"/>
         <a:buChar char="•"/>
-        <a:defRPr sz="2000" kern="1200">
+        <a:defRPr sz="2667" kern="1200">
           <a:solidFill>
             <a:schemeClr val="tx1"/>
           </a:solidFill>
@@ -3230,13 +3012,13 @@
           <a:cs typeface="+mn-cs"/>
         </a:defRPr>
       </a:lvl8pPr>
-      <a:lvl9pPr marL="3886200" indent="-228600" algn="l" defTabSz="914400" rtl="0" eaLnBrk="1" latinLnBrk="0" hangingPunct="1">
+      <a:lvl9pPr marL="5181470" indent="-304792" algn="l" defTabSz="1219170" rtl="0" eaLnBrk="1" latinLnBrk="0" hangingPunct="1">
         <a:spcBef>
           <a:spcPct val="20000"/>
         </a:spcBef>
         <a:buFont typeface="Arial" pitchFamily="34" charset="0"/>
         <a:buChar char="•"/>
-        <a:defRPr sz="2000" kern="1200">
+        <a:defRPr sz="2667" kern="1200">
           <a:solidFill>
             <a:schemeClr val="tx1"/>
           </a:solidFill>
@@ -3248,10 +3030,10 @@
     </p:bodyStyle>
     <p:otherStyle>
       <a:defPPr>
-        <a:defRPr lang="en-US"/>
+        <a:defRPr lang="zh-TW"/>
       </a:defPPr>
-      <a:lvl1pPr marL="0" algn="l" defTabSz="914400" rtl="0" eaLnBrk="1" latinLnBrk="0" hangingPunct="1">
-        <a:defRPr sz="1800" kern="1200">
+      <a:lvl1pPr marL="0" algn="l" defTabSz="1219170" rtl="0" eaLnBrk="1" latinLnBrk="0" hangingPunct="1">
+        <a:defRPr sz="2400" kern="1200">
           <a:solidFill>
             <a:schemeClr val="tx1"/>
           </a:solidFill>
@@ -3260,8 +3042,8 @@
           <a:cs typeface="+mn-cs"/>
         </a:defRPr>
       </a:lvl1pPr>
-      <a:lvl2pPr marL="457200" algn="l" defTabSz="914400" rtl="0" eaLnBrk="1" latinLnBrk="0" hangingPunct="1">
-        <a:defRPr sz="1800" kern="1200">
+      <a:lvl2pPr marL="609585" algn="l" defTabSz="1219170" rtl="0" eaLnBrk="1" latinLnBrk="0" hangingPunct="1">
+        <a:defRPr sz="2400" kern="1200">
           <a:solidFill>
             <a:schemeClr val="tx1"/>
           </a:solidFill>
@@ -3270,8 +3052,8 @@
           <a:cs typeface="+mn-cs"/>
         </a:defRPr>
       </a:lvl2pPr>
-      <a:lvl3pPr marL="914400" algn="l" defTabSz="914400" rtl="0" eaLnBrk="1" latinLnBrk="0" hangingPunct="1">
-        <a:defRPr sz="1800" kern="1200">
+      <a:lvl3pPr marL="1219170" algn="l" defTabSz="1219170" rtl="0" eaLnBrk="1" latinLnBrk="0" hangingPunct="1">
+        <a:defRPr sz="2400" kern="1200">
           <a:solidFill>
             <a:schemeClr val="tx1"/>
           </a:solidFill>
@@ -3280,8 +3062,8 @@
           <a:cs typeface="+mn-cs"/>
         </a:defRPr>
       </a:lvl3pPr>
-      <a:lvl4pPr marL="1371600" algn="l" defTabSz="914400" rtl="0" eaLnBrk="1" latinLnBrk="0" hangingPunct="1">
-        <a:defRPr sz="1800" kern="1200">
+      <a:lvl4pPr marL="1828754" algn="l" defTabSz="1219170" rtl="0" eaLnBrk="1" latinLnBrk="0" hangingPunct="1">
+        <a:defRPr sz="2400" kern="1200">
           <a:solidFill>
             <a:schemeClr val="tx1"/>
           </a:solidFill>
@@ -3290,8 +3072,8 @@
           <a:cs typeface="+mn-cs"/>
         </a:defRPr>
       </a:lvl4pPr>
-      <a:lvl5pPr marL="1828800" algn="l" defTabSz="914400" rtl="0" eaLnBrk="1" latinLnBrk="0" hangingPunct="1">
-        <a:defRPr sz="1800" kern="1200">
+      <a:lvl5pPr marL="2438339" algn="l" defTabSz="1219170" rtl="0" eaLnBrk="1" latinLnBrk="0" hangingPunct="1">
+        <a:defRPr sz="2400" kern="1200">
           <a:solidFill>
             <a:schemeClr val="tx1"/>
           </a:solidFill>
@@ -3300,8 +3082,8 @@
           <a:cs typeface="+mn-cs"/>
         </a:defRPr>
       </a:lvl5pPr>
-      <a:lvl6pPr marL="2286000" algn="l" defTabSz="914400" rtl="0" eaLnBrk="1" latinLnBrk="0" hangingPunct="1">
-        <a:defRPr sz="1800" kern="1200">
+      <a:lvl6pPr marL="3047924" algn="l" defTabSz="1219170" rtl="0" eaLnBrk="1" latinLnBrk="0" hangingPunct="1">
+        <a:defRPr sz="2400" kern="1200">
           <a:solidFill>
             <a:schemeClr val="tx1"/>
           </a:solidFill>
@@ -3310,8 +3092,8 @@
           <a:cs typeface="+mn-cs"/>
         </a:defRPr>
       </a:lvl6pPr>
-      <a:lvl7pPr marL="2743200" algn="l" defTabSz="914400" rtl="0" eaLnBrk="1" latinLnBrk="0" hangingPunct="1">
-        <a:defRPr sz="1800" kern="1200">
+      <a:lvl7pPr marL="3657509" algn="l" defTabSz="1219170" rtl="0" eaLnBrk="1" latinLnBrk="0" hangingPunct="1">
+        <a:defRPr sz="2400" kern="1200">
           <a:solidFill>
             <a:schemeClr val="tx1"/>
           </a:solidFill>
@@ -3320,8 +3102,8 @@
           <a:cs typeface="+mn-cs"/>
         </a:defRPr>
       </a:lvl7pPr>
-      <a:lvl8pPr marL="3200400" algn="l" defTabSz="914400" rtl="0" eaLnBrk="1" latinLnBrk="0" hangingPunct="1">
-        <a:defRPr sz="1800" kern="1200">
+      <a:lvl8pPr marL="4267093" algn="l" defTabSz="1219170" rtl="0" eaLnBrk="1" latinLnBrk="0" hangingPunct="1">
+        <a:defRPr sz="2400" kern="1200">
           <a:solidFill>
             <a:schemeClr val="tx1"/>
           </a:solidFill>
@@ -3330,8 +3112,8 @@
           <a:cs typeface="+mn-cs"/>
         </a:defRPr>
       </a:lvl8pPr>
-      <a:lvl9pPr marL="3657600" algn="l" defTabSz="914400" rtl="0" eaLnBrk="1" latinLnBrk="0" hangingPunct="1">
-        <a:defRPr sz="1800" kern="1200">
+      <a:lvl9pPr marL="4876678" algn="l" defTabSz="1219170" rtl="0" eaLnBrk="1" latinLnBrk="0" hangingPunct="1">
+        <a:defRPr sz="2400" kern="1200">
           <a:solidFill>
             <a:schemeClr val="tx1"/>
           </a:solidFill>
@@ -3372,82 +3154,1183 @@
             <p:ph type="title"/>
           </p:nvPr>
         </p:nvSpPr>
-        <p:spPr/>
-        <p:txBody>
-          <a:bodyPr/>
-          <a:lstStyle/>
-          <a:p>
-            <a:r>
-              <a:rPr lang="zh-CN" altLang="en-US" dirty="0" smtClean="0"/>
-              <a:t>靠主有福</a:t>
-            </a:r>
-            <a:endParaRPr lang="zh-TW" altLang="en-US" dirty="0"/>
-          </a:p>
-        </p:txBody>
-      </p:sp>
-      <p:sp>
-        <p:nvSpPr>
-          <p:cNvPr id="5" name="內容版面配置區 4"/>
-          <p:cNvSpPr>
-            <a:spLocks noGrp="1"/>
-          </p:cNvSpPr>
-          <p:nvPr>
-            <p:ph idx="1"/>
-          </p:nvPr>
-        </p:nvSpPr>
-        <p:spPr/>
+        <p:spPr>
+          <a:xfrm>
+            <a:off x="0" y="2857513"/>
+            <a:ext cx="12192000" cy="1143000"/>
+          </a:xfrm>
+        </p:spPr>
         <p:txBody>
           <a:bodyPr>
-            <a:normAutofit/>
+            <a:noAutofit/>
           </a:bodyPr>
           <a:lstStyle/>
           <a:p>
-            <a:pPr algn="ctr">
-              <a:buNone/>
-            </a:pPr>
-            <a:r>
-              <a:rPr lang="zh-CN" altLang="en-US" sz="5400" dirty="0" smtClean="0"/>
-              <a:t>倚靠耶和華的人真有福</a:t>
-            </a:r>
-            <a:endParaRPr lang="en-US" altLang="zh-CN" sz="5400" dirty="0" smtClean="0"/>
-          </a:p>
-          <a:p>
-            <a:pPr algn="ctr">
-              <a:buNone/>
-            </a:pPr>
-            <a:r>
-              <a:rPr lang="zh-CN" altLang="en-US" sz="5400" dirty="0" smtClean="0"/>
-              <a:t>因他必隨時蒙扶助</a:t>
-            </a:r>
-            <a:endParaRPr lang="en-US" altLang="zh-CN" sz="5400" dirty="0" smtClean="0"/>
-          </a:p>
-          <a:p>
-            <a:pPr algn="ctr">
-              <a:buNone/>
-            </a:pPr>
-            <a:r>
-              <a:rPr lang="zh-CN" altLang="en-US" sz="5400" dirty="0" smtClean="0"/>
-              <a:t>若要承受所應許的賞賜</a:t>
-            </a:r>
-            <a:endParaRPr lang="en-US" altLang="zh-CN" sz="5400" dirty="0" smtClean="0"/>
-          </a:p>
-          <a:p>
-            <a:pPr algn="ctr">
-              <a:buNone/>
-            </a:pPr>
-            <a:r>
-              <a:rPr lang="zh-CN" altLang="en-US" sz="5400" dirty="0" smtClean="0"/>
-              <a:t>必緊緊跟隨主腳步</a:t>
-            </a:r>
-            <a:endParaRPr lang="zh-TW" altLang="en-US" sz="5400" dirty="0"/>
+            <a:r>
+              <a:rPr lang="zh-CN" altLang="en-US" sz="5333" b="1" u="sng" dirty="0">
+                <a:solidFill>
+                  <a:srgbClr val="660033"/>
+                </a:solidFill>
+                <a:effectLst>
+                  <a:outerShdw blurRad="38100" dist="38100" dir="2700000" algn="tl">
+                    <a:srgbClr val="000000">
+                      <a:alpha val="43137"/>
+                    </a:srgbClr>
+                  </a:outerShdw>
+                </a:effectLst>
+                <a:latin typeface="微軟正黑體" pitchFamily="34" charset="-120"/>
+                <a:ea typeface="微軟正黑體" pitchFamily="34" charset="-120"/>
+              </a:rPr>
+              <a:t>宣道詩 </a:t>
+            </a:r>
+            <a:r>
+              <a:rPr lang="en-US" altLang="zh-CN" sz="5333" b="1" u="sng" dirty="0">
+                <a:solidFill>
+                  <a:srgbClr val="660033"/>
+                </a:solidFill>
+                <a:effectLst>
+                  <a:outerShdw blurRad="38100" dist="38100" dir="2700000" algn="tl">
+                    <a:srgbClr val="000000">
+                      <a:alpha val="43137"/>
+                    </a:srgbClr>
+                  </a:outerShdw>
+                </a:effectLst>
+                <a:latin typeface="微軟正黑體" pitchFamily="34" charset="-120"/>
+                <a:ea typeface="微軟正黑體" pitchFamily="34" charset="-120"/>
+              </a:rPr>
+              <a:t>79</a:t>
+            </a:r>
+            <a:r>
+              <a:rPr lang="en-US" altLang="zh-CN" sz="7200" b="1" i="1" dirty="0">
+                <a:solidFill>
+                  <a:srgbClr val="660033"/>
+                </a:solidFill>
+                <a:effectLst>
+                  <a:outerShdw blurRad="38100" dist="38100" dir="2700000" algn="tl">
+                    <a:srgbClr val="000000">
+                      <a:alpha val="43137"/>
+                    </a:srgbClr>
+                  </a:outerShdw>
+                </a:effectLst>
+                <a:latin typeface="微軟正黑體" pitchFamily="34" charset="-120"/>
+                <a:ea typeface="微軟正黑體" pitchFamily="34" charset="-120"/>
+              </a:rPr>
+              <a:t/>
+            </a:r>
+            <a:br>
+              <a:rPr lang="en-US" altLang="zh-CN" sz="7200" b="1" i="1" dirty="0">
+                <a:solidFill>
+                  <a:srgbClr val="660033"/>
+                </a:solidFill>
+                <a:effectLst>
+                  <a:outerShdw blurRad="38100" dist="38100" dir="2700000" algn="tl">
+                    <a:srgbClr val="000000">
+                      <a:alpha val="43137"/>
+                    </a:srgbClr>
+                  </a:outerShdw>
+                </a:effectLst>
+                <a:latin typeface="微軟正黑體" pitchFamily="34" charset="-120"/>
+                <a:ea typeface="微軟正黑體" pitchFamily="34" charset="-120"/>
+              </a:rPr>
+            </a:br>
+            <a:r>
+              <a:rPr lang="zh-CN" altLang="en-US" sz="8000" b="1" dirty="0">
+                <a:solidFill>
+                  <a:srgbClr val="000066"/>
+                </a:solidFill>
+                <a:effectLst>
+                  <a:outerShdw blurRad="38100" dist="38100" dir="2700000" algn="tl">
+                    <a:srgbClr val="000000">
+                      <a:alpha val="43137"/>
+                    </a:srgbClr>
+                  </a:outerShdw>
+                </a:effectLst>
+                <a:latin typeface="微軟正黑體" pitchFamily="34" charset="-120"/>
+                <a:ea typeface="微軟正黑體" pitchFamily="34" charset="-120"/>
+              </a:rPr>
+              <a:t>靠</a:t>
+            </a:r>
+            <a:r>
+              <a:rPr lang="zh-CN" altLang="en-US" sz="8000" b="1" dirty="0">
+                <a:solidFill>
+                  <a:srgbClr val="000066"/>
+                </a:solidFill>
+                <a:effectLst>
+                  <a:outerShdw blurRad="38100" dist="38100" dir="2700000" algn="tl">
+                    <a:srgbClr val="000000">
+                      <a:alpha val="43137"/>
+                    </a:srgbClr>
+                  </a:outerShdw>
+                </a:effectLst>
+                <a:latin typeface="微軟正黑體" pitchFamily="34" charset="-120"/>
+                <a:ea typeface="微軟正黑體" pitchFamily="34" charset="-120"/>
+              </a:rPr>
+              <a:t>主有福</a:t>
+            </a:r>
+            <a:endParaRPr lang="zh-TW" altLang="en-US" sz="8000" b="1" dirty="0">
+              <a:solidFill>
+                <a:srgbClr val="000066"/>
+              </a:solidFill>
+              <a:effectLst>
+                <a:outerShdw blurRad="38100" dist="38100" dir="2700000" algn="tl">
+                  <a:srgbClr val="000000">
+                    <a:alpha val="43137"/>
+                  </a:srgbClr>
+                </a:outerShdw>
+              </a:effectLst>
+              <a:latin typeface="微軟正黑體" pitchFamily="34" charset="-120"/>
+              <a:ea typeface="微軟正黑體" pitchFamily="34" charset="-120"/>
+            </a:endParaRPr>
           </a:p>
         </p:txBody>
       </p:sp>
     </p:spTree>
+    <p:extLst>
+      <p:ext uri="{BB962C8B-B14F-4D97-AF65-F5344CB8AC3E}">
+        <p14:creationId xmlns:p14="http://schemas.microsoft.com/office/powerpoint/2010/main" val="1284754371"/>
+      </p:ext>
+    </p:extLst>
   </p:cSld>
   <p:clrMapOvr>
     <a:masterClrMapping/>
   </p:clrMapOvr>
+  <p:timing>
+    <p:tnLst>
+      <p:par>
+        <p:cTn id="1" dur="indefinite" restart="never" nodeType="tmRoot"/>
+      </p:par>
+    </p:tnLst>
+  </p:timing>
+</p:sld>
+</file>
+
+<file path=ppt/slides/slide10.xml><?xml version="1.0" encoding="utf-8"?>
+<p:sld xmlns:a="http://schemas.openxmlformats.org/drawingml/2006/main" xmlns:r="http://schemas.openxmlformats.org/officeDocument/2006/relationships" xmlns:p="http://schemas.openxmlformats.org/presentationml/2006/main">
+  <p:cSld>
+    <p:spTree>
+      <p:nvGrpSpPr>
+        <p:cNvPr id="1" name=""/>
+        <p:cNvGrpSpPr/>
+        <p:nvPr/>
+      </p:nvGrpSpPr>
+      <p:grpSpPr>
+        <a:xfrm>
+          <a:off x="0" y="0"/>
+          <a:ext cx="0" cy="0"/>
+          <a:chOff x="0" y="0"/>
+          <a:chExt cx="0" cy="0"/>
+        </a:xfrm>
+      </p:grpSpPr>
+      <p:sp>
+        <p:nvSpPr>
+          <p:cNvPr id="5" name="內容版面配置區 4"/>
+          <p:cNvSpPr>
+            <a:spLocks noGrp="1"/>
+          </p:cNvSpPr>
+          <p:nvPr>
+            <p:ph idx="1"/>
+          </p:nvPr>
+        </p:nvSpPr>
+        <p:spPr>
+          <a:xfrm>
+            <a:off x="0" y="2084851"/>
+            <a:ext cx="12192000" cy="2404863"/>
+          </a:xfrm>
+        </p:spPr>
+        <p:txBody>
+          <a:bodyPr anchor="ctr">
+            <a:normAutofit/>
+          </a:bodyPr>
+          <a:lstStyle/>
+          <a:p>
+            <a:pPr algn="ctr">
+              <a:buNone/>
+            </a:pPr>
+            <a:r>
+              <a:rPr lang="zh-CN" altLang="en-US" sz="6400" b="1" dirty="0">
+                <a:solidFill>
+                  <a:srgbClr val="000066"/>
+                </a:solidFill>
+                <a:latin typeface="Microsoft JhengHei" pitchFamily="34" charset="-120"/>
+                <a:ea typeface="Microsoft JhengHei" pitchFamily="34" charset="-120"/>
+              </a:rPr>
+              <a:t>要倚靠主  專心靠主</a:t>
+            </a:r>
+            <a:endParaRPr lang="en-US" altLang="zh-CN" sz="6400" b="1" dirty="0">
+              <a:solidFill>
+                <a:srgbClr val="000066"/>
+              </a:solidFill>
+              <a:latin typeface="Microsoft JhengHei" pitchFamily="34" charset="-120"/>
+              <a:ea typeface="Microsoft JhengHei" pitchFamily="34" charset="-120"/>
+            </a:endParaRPr>
+          </a:p>
+          <a:p>
+            <a:pPr algn="ctr">
+              <a:buNone/>
+            </a:pPr>
+            <a:r>
+              <a:rPr lang="zh-CN" altLang="en-US" sz="6400" b="1" dirty="0">
+                <a:solidFill>
+                  <a:srgbClr val="000066"/>
+                </a:solidFill>
+                <a:latin typeface="Microsoft JhengHei" pitchFamily="34" charset="-120"/>
+                <a:ea typeface="Microsoft JhengHei" pitchFamily="34" charset="-120"/>
+              </a:rPr>
+              <a:t>在一切事上要認定主</a:t>
+            </a:r>
+            <a:endParaRPr lang="zh-TW" altLang="en-US" sz="6400" b="1" dirty="0">
+              <a:solidFill>
+                <a:srgbClr val="000066"/>
+              </a:solidFill>
+              <a:latin typeface="Microsoft JhengHei" pitchFamily="34" charset="-120"/>
+              <a:ea typeface="Microsoft JhengHei" pitchFamily="34" charset="-120"/>
+            </a:endParaRPr>
+          </a:p>
+        </p:txBody>
+      </p:sp>
+    </p:spTree>
+    <p:extLst>
+      <p:ext uri="{BB962C8B-B14F-4D97-AF65-F5344CB8AC3E}">
+        <p14:creationId xmlns:p14="http://schemas.microsoft.com/office/powerpoint/2010/main" val="2409538900"/>
+      </p:ext>
+    </p:extLst>
+  </p:cSld>
+  <p:clrMapOvr>
+    <a:masterClrMapping/>
+  </p:clrMapOvr>
+  <p:timing>
+    <p:tnLst>
+      <p:par>
+        <p:cTn id="1" dur="indefinite" restart="never" nodeType="tmRoot"/>
+      </p:par>
+    </p:tnLst>
+  </p:timing>
+</p:sld>
+</file>
+
+<file path=ppt/slides/slide11.xml><?xml version="1.0" encoding="utf-8"?>
+<p:sld xmlns:a="http://schemas.openxmlformats.org/drawingml/2006/main" xmlns:r="http://schemas.openxmlformats.org/officeDocument/2006/relationships" xmlns:p="http://schemas.openxmlformats.org/presentationml/2006/main">
+  <p:cSld>
+    <p:spTree>
+      <p:nvGrpSpPr>
+        <p:cNvPr id="1" name=""/>
+        <p:cNvGrpSpPr/>
+        <p:nvPr/>
+      </p:nvGrpSpPr>
+      <p:grpSpPr>
+        <a:xfrm>
+          <a:off x="0" y="0"/>
+          <a:ext cx="0" cy="0"/>
+          <a:chOff x="0" y="0"/>
+          <a:chExt cx="0" cy="0"/>
+        </a:xfrm>
+      </p:grpSpPr>
+      <p:sp>
+        <p:nvSpPr>
+          <p:cNvPr id="5" name="內容版面配置區 4"/>
+          <p:cNvSpPr>
+            <a:spLocks noGrp="1"/>
+          </p:cNvSpPr>
+          <p:nvPr>
+            <p:ph idx="1"/>
+          </p:nvPr>
+        </p:nvSpPr>
+        <p:spPr>
+          <a:xfrm>
+            <a:off x="0" y="2084851"/>
+            <a:ext cx="12192000" cy="2404863"/>
+          </a:xfrm>
+        </p:spPr>
+        <p:txBody>
+          <a:bodyPr anchor="ctr">
+            <a:normAutofit/>
+          </a:bodyPr>
+          <a:lstStyle/>
+          <a:p>
+            <a:pPr algn="ctr">
+              <a:buNone/>
+            </a:pPr>
+            <a:r>
+              <a:rPr lang="zh-CN" altLang="en-US" sz="6400" b="1" dirty="0">
+                <a:solidFill>
+                  <a:srgbClr val="000066"/>
+                </a:solidFill>
+                <a:latin typeface="Microsoft JhengHei" pitchFamily="34" charset="-120"/>
+                <a:ea typeface="Microsoft JhengHei" pitchFamily="34" charset="-120"/>
+              </a:rPr>
+              <a:t>他必指引你的路</a:t>
+            </a:r>
+            <a:endParaRPr lang="zh-TW" altLang="en-US" sz="6400" b="1" dirty="0">
+              <a:solidFill>
+                <a:srgbClr val="000066"/>
+              </a:solidFill>
+              <a:latin typeface="Microsoft JhengHei" pitchFamily="34" charset="-120"/>
+              <a:ea typeface="Microsoft JhengHei" pitchFamily="34" charset="-120"/>
+            </a:endParaRPr>
+          </a:p>
+        </p:txBody>
+      </p:sp>
+    </p:spTree>
+    <p:extLst>
+      <p:ext uri="{BB962C8B-B14F-4D97-AF65-F5344CB8AC3E}">
+        <p14:creationId xmlns:p14="http://schemas.microsoft.com/office/powerpoint/2010/main" val="1851759865"/>
+      </p:ext>
+    </p:extLst>
+  </p:cSld>
+  <p:clrMapOvr>
+    <a:masterClrMapping/>
+  </p:clrMapOvr>
+  <p:timing>
+    <p:tnLst>
+      <p:par>
+        <p:cTn id="1" dur="indefinite" restart="never" nodeType="tmRoot"/>
+      </p:par>
+    </p:tnLst>
+  </p:timing>
+</p:sld>
+</file>
+
+<file path=ppt/slides/slide12.xml><?xml version="1.0" encoding="utf-8"?>
+<p:sld xmlns:a="http://schemas.openxmlformats.org/drawingml/2006/main" xmlns:r="http://schemas.openxmlformats.org/officeDocument/2006/relationships" xmlns:p="http://schemas.openxmlformats.org/presentationml/2006/main">
+  <p:cSld>
+    <p:spTree>
+      <p:nvGrpSpPr>
+        <p:cNvPr id="1" name=""/>
+        <p:cNvGrpSpPr/>
+        <p:nvPr/>
+      </p:nvGrpSpPr>
+      <p:grpSpPr>
+        <a:xfrm>
+          <a:off x="0" y="0"/>
+          <a:ext cx="0" cy="0"/>
+          <a:chOff x="0" y="0"/>
+          <a:chExt cx="0" cy="0"/>
+        </a:xfrm>
+      </p:grpSpPr>
+      <p:sp>
+        <p:nvSpPr>
+          <p:cNvPr id="5" name="內容版面配置區 4"/>
+          <p:cNvSpPr>
+            <a:spLocks noGrp="1"/>
+          </p:cNvSpPr>
+          <p:nvPr>
+            <p:ph idx="1"/>
+          </p:nvPr>
+        </p:nvSpPr>
+        <p:spPr>
+          <a:xfrm>
+            <a:off x="0" y="2084851"/>
+            <a:ext cx="12192000" cy="2404863"/>
+          </a:xfrm>
+        </p:spPr>
+        <p:txBody>
+          <a:bodyPr anchor="ctr">
+            <a:normAutofit/>
+          </a:bodyPr>
+          <a:lstStyle/>
+          <a:p>
+            <a:pPr algn="ctr">
+              <a:buNone/>
+            </a:pPr>
+            <a:r>
+              <a:rPr lang="zh-CN" altLang="en-US" sz="6400" b="1" dirty="0">
+                <a:solidFill>
+                  <a:srgbClr val="000066"/>
+                </a:solidFill>
+                <a:latin typeface="Microsoft JhengHei" pitchFamily="34" charset="-120"/>
+                <a:ea typeface="Microsoft JhengHei" pitchFamily="34" charset="-120"/>
+              </a:rPr>
+              <a:t>要倚靠主  專心靠主</a:t>
+            </a:r>
+            <a:endParaRPr lang="en-US" altLang="zh-CN" sz="6400" b="1" dirty="0">
+              <a:solidFill>
+                <a:srgbClr val="000066"/>
+              </a:solidFill>
+              <a:latin typeface="Microsoft JhengHei" pitchFamily="34" charset="-120"/>
+              <a:ea typeface="Microsoft JhengHei" pitchFamily="34" charset="-120"/>
+            </a:endParaRPr>
+          </a:p>
+          <a:p>
+            <a:pPr algn="ctr">
+              <a:buNone/>
+            </a:pPr>
+            <a:r>
+              <a:rPr lang="zh-CN" altLang="en-US" sz="6400" b="1" dirty="0">
+                <a:solidFill>
+                  <a:srgbClr val="000066"/>
+                </a:solidFill>
+                <a:latin typeface="Microsoft JhengHei" pitchFamily="34" charset="-120"/>
+                <a:ea typeface="Microsoft JhengHei" pitchFamily="34" charset="-120"/>
+              </a:rPr>
+              <a:t>在一切事上要認定主</a:t>
+            </a:r>
+            <a:endParaRPr lang="zh-TW" altLang="en-US" sz="6400" b="1" dirty="0">
+              <a:solidFill>
+                <a:srgbClr val="000066"/>
+              </a:solidFill>
+              <a:latin typeface="Microsoft JhengHei" pitchFamily="34" charset="-120"/>
+              <a:ea typeface="Microsoft JhengHei" pitchFamily="34" charset="-120"/>
+            </a:endParaRPr>
+          </a:p>
+        </p:txBody>
+      </p:sp>
+    </p:spTree>
+    <p:extLst>
+      <p:ext uri="{BB962C8B-B14F-4D97-AF65-F5344CB8AC3E}">
+        <p14:creationId xmlns:p14="http://schemas.microsoft.com/office/powerpoint/2010/main" val="3147202268"/>
+      </p:ext>
+    </p:extLst>
+  </p:cSld>
+  <p:clrMapOvr>
+    <a:masterClrMapping/>
+  </p:clrMapOvr>
+  <p:timing>
+    <p:tnLst>
+      <p:par>
+        <p:cTn id="1" dur="indefinite" restart="never" nodeType="tmRoot"/>
+      </p:par>
+    </p:tnLst>
+  </p:timing>
+</p:sld>
+</file>
+
+<file path=ppt/slides/slide13.xml><?xml version="1.0" encoding="utf-8"?>
+<p:sld xmlns:a="http://schemas.openxmlformats.org/drawingml/2006/main" xmlns:r="http://schemas.openxmlformats.org/officeDocument/2006/relationships" xmlns:p="http://schemas.openxmlformats.org/presentationml/2006/main">
+  <p:cSld>
+    <p:spTree>
+      <p:nvGrpSpPr>
+        <p:cNvPr id="1" name=""/>
+        <p:cNvGrpSpPr/>
+        <p:nvPr/>
+      </p:nvGrpSpPr>
+      <p:grpSpPr>
+        <a:xfrm>
+          <a:off x="0" y="0"/>
+          <a:ext cx="0" cy="0"/>
+          <a:chOff x="0" y="0"/>
+          <a:chExt cx="0" cy="0"/>
+        </a:xfrm>
+      </p:grpSpPr>
+      <p:sp>
+        <p:nvSpPr>
+          <p:cNvPr id="5" name="內容版面配置區 4"/>
+          <p:cNvSpPr>
+            <a:spLocks noGrp="1"/>
+          </p:cNvSpPr>
+          <p:nvPr>
+            <p:ph idx="1"/>
+          </p:nvPr>
+        </p:nvSpPr>
+        <p:spPr>
+          <a:xfrm>
+            <a:off x="0" y="2084851"/>
+            <a:ext cx="12192000" cy="2404863"/>
+          </a:xfrm>
+        </p:spPr>
+        <p:txBody>
+          <a:bodyPr anchor="ctr">
+            <a:normAutofit/>
+          </a:bodyPr>
+          <a:lstStyle/>
+          <a:p>
+            <a:pPr algn="ctr">
+              <a:buNone/>
+            </a:pPr>
+            <a:r>
+              <a:rPr lang="zh-CN" altLang="en-US" sz="6400" b="1" dirty="0">
+                <a:solidFill>
+                  <a:srgbClr val="000066"/>
+                </a:solidFill>
+                <a:latin typeface="Microsoft JhengHei" pitchFamily="34" charset="-120"/>
+                <a:ea typeface="Microsoft JhengHei" pitchFamily="34" charset="-120"/>
+              </a:rPr>
+              <a:t>他必指引你的路</a:t>
+            </a:r>
+            <a:endParaRPr lang="zh-TW" altLang="en-US" sz="6400" b="1" dirty="0">
+              <a:solidFill>
+                <a:srgbClr val="000066"/>
+              </a:solidFill>
+              <a:latin typeface="Microsoft JhengHei" pitchFamily="34" charset="-120"/>
+              <a:ea typeface="Microsoft JhengHei" pitchFamily="34" charset="-120"/>
+            </a:endParaRPr>
+          </a:p>
+        </p:txBody>
+      </p:sp>
+    </p:spTree>
+    <p:extLst>
+      <p:ext uri="{BB962C8B-B14F-4D97-AF65-F5344CB8AC3E}">
+        <p14:creationId xmlns:p14="http://schemas.microsoft.com/office/powerpoint/2010/main" val="896175565"/>
+      </p:ext>
+    </p:extLst>
+  </p:cSld>
+  <p:clrMapOvr>
+    <a:masterClrMapping/>
+  </p:clrMapOvr>
+  <p:timing>
+    <p:tnLst>
+      <p:par>
+        <p:cTn id="1" dur="indefinite" restart="never" nodeType="tmRoot"/>
+      </p:par>
+    </p:tnLst>
+  </p:timing>
+</p:sld>
+</file>
+
+<file path=ppt/slides/slide14.xml><?xml version="1.0" encoding="utf-8"?>
+<p:sld xmlns:a="http://schemas.openxmlformats.org/drawingml/2006/main" xmlns:r="http://schemas.openxmlformats.org/officeDocument/2006/relationships" xmlns:p="http://schemas.openxmlformats.org/presentationml/2006/main">
+  <p:cSld>
+    <p:spTree>
+      <p:nvGrpSpPr>
+        <p:cNvPr id="1" name=""/>
+        <p:cNvGrpSpPr/>
+        <p:nvPr/>
+      </p:nvGrpSpPr>
+      <p:grpSpPr>
+        <a:xfrm>
+          <a:off x="0" y="0"/>
+          <a:ext cx="0" cy="0"/>
+          <a:chOff x="0" y="0"/>
+          <a:chExt cx="0" cy="0"/>
+        </a:xfrm>
+      </p:grpSpPr>
+      <p:sp>
+        <p:nvSpPr>
+          <p:cNvPr id="5" name="內容版面配置區 4"/>
+          <p:cNvSpPr>
+            <a:spLocks noGrp="1"/>
+          </p:cNvSpPr>
+          <p:nvPr>
+            <p:ph idx="1"/>
+          </p:nvPr>
+        </p:nvSpPr>
+        <p:spPr>
+          <a:xfrm>
+            <a:off x="0" y="2084851"/>
+            <a:ext cx="12192000" cy="2404863"/>
+          </a:xfrm>
+        </p:spPr>
+        <p:txBody>
+          <a:bodyPr anchor="ctr">
+            <a:normAutofit/>
+          </a:bodyPr>
+          <a:lstStyle/>
+          <a:p>
+            <a:pPr algn="ctr">
+              <a:buNone/>
+            </a:pPr>
+            <a:r>
+              <a:rPr lang="zh-CN" altLang="en-US" sz="6400" b="1" dirty="0">
+                <a:solidFill>
+                  <a:srgbClr val="000066"/>
+                </a:solidFill>
+                <a:latin typeface="Microsoft JhengHei" pitchFamily="34" charset="-120"/>
+                <a:ea typeface="Microsoft JhengHei" pitchFamily="34" charset="-120"/>
+              </a:rPr>
+              <a:t>蒙天父扶助的人真有福</a:t>
+            </a:r>
+            <a:endParaRPr lang="en-US" altLang="zh-CN" sz="6400" b="1" dirty="0">
+              <a:solidFill>
+                <a:srgbClr val="000066"/>
+              </a:solidFill>
+              <a:latin typeface="Microsoft JhengHei" pitchFamily="34" charset="-120"/>
+              <a:ea typeface="Microsoft JhengHei" pitchFamily="34" charset="-120"/>
+            </a:endParaRPr>
+          </a:p>
+          <a:p>
+            <a:pPr algn="ctr">
+              <a:buNone/>
+            </a:pPr>
+            <a:r>
+              <a:rPr lang="zh-CN" altLang="en-US" sz="6400" b="1" dirty="0">
+                <a:solidFill>
+                  <a:srgbClr val="000066"/>
+                </a:solidFill>
+                <a:latin typeface="Microsoft JhengHei" pitchFamily="34" charset="-120"/>
+                <a:ea typeface="Microsoft JhengHei" pitchFamily="34" charset="-120"/>
+              </a:rPr>
+              <a:t>主耶穌要與他為友</a:t>
+            </a:r>
+            <a:endParaRPr lang="en-US" altLang="zh-CN" sz="6400" b="1" dirty="0">
+              <a:solidFill>
+                <a:srgbClr val="000066"/>
+              </a:solidFill>
+              <a:latin typeface="Microsoft JhengHei" pitchFamily="34" charset="-120"/>
+              <a:ea typeface="Microsoft JhengHei" pitchFamily="34" charset="-120"/>
+            </a:endParaRPr>
+          </a:p>
+        </p:txBody>
+      </p:sp>
+      <p:sp>
+        <p:nvSpPr>
+          <p:cNvPr id="3" name="TextBox 2"/>
+          <p:cNvSpPr txBox="1"/>
+          <p:nvPr/>
+        </p:nvSpPr>
+        <p:spPr>
+          <a:xfrm>
+            <a:off x="0" y="5349214"/>
+            <a:ext cx="12192000" cy="830997"/>
+          </a:xfrm>
+          <a:prstGeom prst="rect">
+            <a:avLst/>
+          </a:prstGeom>
+          <a:noFill/>
+        </p:spPr>
+        <p:txBody>
+          <a:bodyPr wrap="square" rtlCol="0">
+            <a:spAutoFit/>
+          </a:bodyPr>
+          <a:lstStyle/>
+          <a:p>
+            <a:pPr algn="ctr"/>
+            <a:r>
+              <a:rPr lang="en-US" sz="4800" b="1" dirty="0">
+                <a:solidFill>
+                  <a:srgbClr val="000066"/>
+                </a:solidFill>
+              </a:rPr>
+              <a:t>( 3 )</a:t>
+            </a:r>
+            <a:endParaRPr lang="vi-VN" sz="4800" b="1" dirty="0">
+              <a:solidFill>
+                <a:srgbClr val="000066"/>
+              </a:solidFill>
+            </a:endParaRPr>
+          </a:p>
+        </p:txBody>
+      </p:sp>
+    </p:spTree>
+    <p:extLst>
+      <p:ext uri="{BB962C8B-B14F-4D97-AF65-F5344CB8AC3E}">
+        <p14:creationId xmlns:p14="http://schemas.microsoft.com/office/powerpoint/2010/main" val="3990793096"/>
+      </p:ext>
+    </p:extLst>
+  </p:cSld>
+  <p:clrMapOvr>
+    <a:masterClrMapping/>
+  </p:clrMapOvr>
+  <p:timing>
+    <p:tnLst>
+      <p:par>
+        <p:cTn id="1" dur="indefinite" restart="never" nodeType="tmRoot"/>
+      </p:par>
+    </p:tnLst>
+  </p:timing>
+</p:sld>
+</file>
+
+<file path=ppt/slides/slide15.xml><?xml version="1.0" encoding="utf-8"?>
+<p:sld xmlns:a="http://schemas.openxmlformats.org/drawingml/2006/main" xmlns:r="http://schemas.openxmlformats.org/officeDocument/2006/relationships" xmlns:p="http://schemas.openxmlformats.org/presentationml/2006/main">
+  <p:cSld>
+    <p:spTree>
+      <p:nvGrpSpPr>
+        <p:cNvPr id="1" name=""/>
+        <p:cNvGrpSpPr/>
+        <p:nvPr/>
+      </p:nvGrpSpPr>
+      <p:grpSpPr>
+        <a:xfrm>
+          <a:off x="0" y="0"/>
+          <a:ext cx="0" cy="0"/>
+          <a:chOff x="0" y="0"/>
+          <a:chExt cx="0" cy="0"/>
+        </a:xfrm>
+      </p:grpSpPr>
+      <p:sp>
+        <p:nvSpPr>
+          <p:cNvPr id="5" name="內容版面配置區 4"/>
+          <p:cNvSpPr>
+            <a:spLocks noGrp="1"/>
+          </p:cNvSpPr>
+          <p:nvPr>
+            <p:ph idx="1"/>
+          </p:nvPr>
+        </p:nvSpPr>
+        <p:spPr>
+          <a:xfrm>
+            <a:off x="0" y="2084851"/>
+            <a:ext cx="12192000" cy="2404863"/>
+          </a:xfrm>
+        </p:spPr>
+        <p:txBody>
+          <a:bodyPr anchor="ctr">
+            <a:normAutofit/>
+          </a:bodyPr>
+          <a:lstStyle/>
+          <a:p>
+            <a:pPr algn="ctr">
+              <a:buNone/>
+            </a:pPr>
+            <a:r>
+              <a:rPr lang="zh-CN" altLang="en-US" sz="6400" b="1" dirty="0">
+                <a:solidFill>
+                  <a:srgbClr val="000066"/>
+                </a:solidFill>
+                <a:latin typeface="Microsoft JhengHei" pitchFamily="34" charset="-120"/>
+                <a:ea typeface="Microsoft JhengHei" pitchFamily="34" charset="-120"/>
+              </a:rPr>
+              <a:t>他不驚慌也不灰心喪膽</a:t>
+            </a:r>
+            <a:endParaRPr lang="en-US" altLang="zh-CN" sz="6400" b="1" dirty="0">
+              <a:solidFill>
+                <a:srgbClr val="000066"/>
+              </a:solidFill>
+              <a:latin typeface="Microsoft JhengHei" pitchFamily="34" charset="-120"/>
+              <a:ea typeface="Microsoft JhengHei" pitchFamily="34" charset="-120"/>
+            </a:endParaRPr>
+          </a:p>
+          <a:p>
+            <a:pPr algn="ctr">
+              <a:buNone/>
+            </a:pPr>
+            <a:r>
+              <a:rPr lang="zh-CN" altLang="en-US" sz="6400" b="1" dirty="0">
+                <a:solidFill>
+                  <a:srgbClr val="000066"/>
+                </a:solidFill>
+                <a:latin typeface="Microsoft JhengHei" pitchFamily="34" charset="-120"/>
+                <a:ea typeface="Microsoft JhengHei" pitchFamily="34" charset="-120"/>
+              </a:rPr>
+              <a:t>因主時常保護拯救</a:t>
+            </a:r>
+            <a:endParaRPr lang="en-US" altLang="zh-CN" sz="6400" b="1" dirty="0">
+              <a:solidFill>
+                <a:srgbClr val="000066"/>
+              </a:solidFill>
+              <a:latin typeface="Microsoft JhengHei" pitchFamily="34" charset="-120"/>
+              <a:ea typeface="Microsoft JhengHei" pitchFamily="34" charset="-120"/>
+            </a:endParaRPr>
+          </a:p>
+        </p:txBody>
+      </p:sp>
+      <p:sp>
+        <p:nvSpPr>
+          <p:cNvPr id="3" name="TextBox 2"/>
+          <p:cNvSpPr txBox="1"/>
+          <p:nvPr/>
+        </p:nvSpPr>
+        <p:spPr>
+          <a:xfrm>
+            <a:off x="0" y="5349214"/>
+            <a:ext cx="12192000" cy="830997"/>
+          </a:xfrm>
+          <a:prstGeom prst="rect">
+            <a:avLst/>
+          </a:prstGeom>
+          <a:noFill/>
+        </p:spPr>
+        <p:txBody>
+          <a:bodyPr wrap="square" rtlCol="0">
+            <a:spAutoFit/>
+          </a:bodyPr>
+          <a:lstStyle/>
+          <a:p>
+            <a:pPr algn="ctr"/>
+            <a:r>
+              <a:rPr lang="en-US" sz="4800" b="1" dirty="0">
+                <a:solidFill>
+                  <a:srgbClr val="000066"/>
+                </a:solidFill>
+              </a:rPr>
+              <a:t>( 3 )</a:t>
+            </a:r>
+            <a:endParaRPr lang="vi-VN" sz="4800" b="1" dirty="0">
+              <a:solidFill>
+                <a:srgbClr val="000066"/>
+              </a:solidFill>
+            </a:endParaRPr>
+          </a:p>
+        </p:txBody>
+      </p:sp>
+    </p:spTree>
+    <p:extLst>
+      <p:ext uri="{BB962C8B-B14F-4D97-AF65-F5344CB8AC3E}">
+        <p14:creationId xmlns:p14="http://schemas.microsoft.com/office/powerpoint/2010/main" val="3394272230"/>
+      </p:ext>
+    </p:extLst>
+  </p:cSld>
+  <p:clrMapOvr>
+    <a:masterClrMapping/>
+  </p:clrMapOvr>
+  <p:timing>
+    <p:tnLst>
+      <p:par>
+        <p:cTn id="1" dur="indefinite" restart="never" nodeType="tmRoot"/>
+      </p:par>
+    </p:tnLst>
+  </p:timing>
+</p:sld>
+</file>
+
+<file path=ppt/slides/slide16.xml><?xml version="1.0" encoding="utf-8"?>
+<p:sld xmlns:a="http://schemas.openxmlformats.org/drawingml/2006/main" xmlns:r="http://schemas.openxmlformats.org/officeDocument/2006/relationships" xmlns:p="http://schemas.openxmlformats.org/presentationml/2006/main">
+  <p:cSld>
+    <p:spTree>
+      <p:nvGrpSpPr>
+        <p:cNvPr id="1" name=""/>
+        <p:cNvGrpSpPr/>
+        <p:nvPr/>
+      </p:nvGrpSpPr>
+      <p:grpSpPr>
+        <a:xfrm>
+          <a:off x="0" y="0"/>
+          <a:ext cx="0" cy="0"/>
+          <a:chOff x="0" y="0"/>
+          <a:chExt cx="0" cy="0"/>
+        </a:xfrm>
+      </p:grpSpPr>
+      <p:sp>
+        <p:nvSpPr>
+          <p:cNvPr id="5" name="內容版面配置區 4"/>
+          <p:cNvSpPr>
+            <a:spLocks noGrp="1"/>
+          </p:cNvSpPr>
+          <p:nvPr>
+            <p:ph idx="1"/>
+          </p:nvPr>
+        </p:nvSpPr>
+        <p:spPr>
+          <a:xfrm>
+            <a:off x="0" y="2084851"/>
+            <a:ext cx="12192000" cy="2404863"/>
+          </a:xfrm>
+        </p:spPr>
+        <p:txBody>
+          <a:bodyPr anchor="ctr">
+            <a:normAutofit/>
+          </a:bodyPr>
+          <a:lstStyle/>
+          <a:p>
+            <a:pPr algn="ctr">
+              <a:buNone/>
+            </a:pPr>
+            <a:r>
+              <a:rPr lang="zh-CN" altLang="en-US" sz="6400" b="1" dirty="0">
+                <a:solidFill>
+                  <a:srgbClr val="000066"/>
+                </a:solidFill>
+                <a:latin typeface="Microsoft JhengHei" pitchFamily="34" charset="-120"/>
+                <a:ea typeface="Microsoft JhengHei" pitchFamily="34" charset="-120"/>
+              </a:rPr>
+              <a:t>要倚靠主  專心靠主</a:t>
+            </a:r>
+            <a:endParaRPr lang="en-US" altLang="zh-CN" sz="6400" b="1" dirty="0">
+              <a:solidFill>
+                <a:srgbClr val="000066"/>
+              </a:solidFill>
+              <a:latin typeface="Microsoft JhengHei" pitchFamily="34" charset="-120"/>
+              <a:ea typeface="Microsoft JhengHei" pitchFamily="34" charset="-120"/>
+            </a:endParaRPr>
+          </a:p>
+          <a:p>
+            <a:pPr algn="ctr">
+              <a:buNone/>
+            </a:pPr>
+            <a:r>
+              <a:rPr lang="zh-CN" altLang="en-US" sz="6400" b="1" dirty="0">
+                <a:solidFill>
+                  <a:srgbClr val="000066"/>
+                </a:solidFill>
+                <a:latin typeface="Microsoft JhengHei" pitchFamily="34" charset="-120"/>
+                <a:ea typeface="Microsoft JhengHei" pitchFamily="34" charset="-120"/>
+              </a:rPr>
+              <a:t>在一切事上要認定主</a:t>
+            </a:r>
+            <a:endParaRPr lang="zh-TW" altLang="en-US" sz="6400" b="1" dirty="0">
+              <a:solidFill>
+                <a:srgbClr val="000066"/>
+              </a:solidFill>
+              <a:latin typeface="Microsoft JhengHei" pitchFamily="34" charset="-120"/>
+              <a:ea typeface="Microsoft JhengHei" pitchFamily="34" charset="-120"/>
+            </a:endParaRPr>
+          </a:p>
+        </p:txBody>
+      </p:sp>
+    </p:spTree>
+    <p:extLst>
+      <p:ext uri="{BB962C8B-B14F-4D97-AF65-F5344CB8AC3E}">
+        <p14:creationId xmlns:p14="http://schemas.microsoft.com/office/powerpoint/2010/main" val="3854973230"/>
+      </p:ext>
+    </p:extLst>
+  </p:cSld>
+  <p:clrMapOvr>
+    <a:masterClrMapping/>
+  </p:clrMapOvr>
+  <p:timing>
+    <p:tnLst>
+      <p:par>
+        <p:cTn id="1" dur="indefinite" restart="never" nodeType="tmRoot"/>
+      </p:par>
+    </p:tnLst>
+  </p:timing>
+</p:sld>
+</file>
+
+<file path=ppt/slides/slide17.xml><?xml version="1.0" encoding="utf-8"?>
+<p:sld xmlns:a="http://schemas.openxmlformats.org/drawingml/2006/main" xmlns:r="http://schemas.openxmlformats.org/officeDocument/2006/relationships" xmlns:p="http://schemas.openxmlformats.org/presentationml/2006/main">
+  <p:cSld>
+    <p:spTree>
+      <p:nvGrpSpPr>
+        <p:cNvPr id="1" name=""/>
+        <p:cNvGrpSpPr/>
+        <p:nvPr/>
+      </p:nvGrpSpPr>
+      <p:grpSpPr>
+        <a:xfrm>
+          <a:off x="0" y="0"/>
+          <a:ext cx="0" cy="0"/>
+          <a:chOff x="0" y="0"/>
+          <a:chExt cx="0" cy="0"/>
+        </a:xfrm>
+      </p:grpSpPr>
+      <p:sp>
+        <p:nvSpPr>
+          <p:cNvPr id="5" name="內容版面配置區 4"/>
+          <p:cNvSpPr>
+            <a:spLocks noGrp="1"/>
+          </p:cNvSpPr>
+          <p:nvPr>
+            <p:ph idx="1"/>
+          </p:nvPr>
+        </p:nvSpPr>
+        <p:spPr>
+          <a:xfrm>
+            <a:off x="0" y="2084851"/>
+            <a:ext cx="12192000" cy="2404863"/>
+          </a:xfrm>
+        </p:spPr>
+        <p:txBody>
+          <a:bodyPr anchor="ctr">
+            <a:normAutofit/>
+          </a:bodyPr>
+          <a:lstStyle/>
+          <a:p>
+            <a:pPr algn="ctr">
+              <a:buNone/>
+            </a:pPr>
+            <a:r>
+              <a:rPr lang="zh-CN" altLang="en-US" sz="6400" b="1" dirty="0">
+                <a:solidFill>
+                  <a:srgbClr val="000066"/>
+                </a:solidFill>
+                <a:latin typeface="Microsoft JhengHei" pitchFamily="34" charset="-120"/>
+                <a:ea typeface="Microsoft JhengHei" pitchFamily="34" charset="-120"/>
+              </a:rPr>
+              <a:t>他必指引你的路</a:t>
+            </a:r>
+            <a:endParaRPr lang="zh-TW" altLang="en-US" sz="6400" b="1" dirty="0">
+              <a:solidFill>
+                <a:srgbClr val="000066"/>
+              </a:solidFill>
+              <a:latin typeface="Microsoft JhengHei" pitchFamily="34" charset="-120"/>
+              <a:ea typeface="Microsoft JhengHei" pitchFamily="34" charset="-120"/>
+            </a:endParaRPr>
+          </a:p>
+        </p:txBody>
+      </p:sp>
+    </p:spTree>
+    <p:extLst>
+      <p:ext uri="{BB962C8B-B14F-4D97-AF65-F5344CB8AC3E}">
+        <p14:creationId xmlns:p14="http://schemas.microsoft.com/office/powerpoint/2010/main" val="2220421452"/>
+      </p:ext>
+    </p:extLst>
+  </p:cSld>
+  <p:clrMapOvr>
+    <a:masterClrMapping/>
+  </p:clrMapOvr>
+  <p:timing>
+    <p:tnLst>
+      <p:par>
+        <p:cTn id="1" dur="indefinite" restart="never" nodeType="tmRoot"/>
+      </p:par>
+    </p:tnLst>
+  </p:timing>
+</p:sld>
+</file>
+
+<file path=ppt/slides/slide18.xml><?xml version="1.0" encoding="utf-8"?>
+<p:sld xmlns:a="http://schemas.openxmlformats.org/drawingml/2006/main" xmlns:r="http://schemas.openxmlformats.org/officeDocument/2006/relationships" xmlns:p="http://schemas.openxmlformats.org/presentationml/2006/main">
+  <p:cSld>
+    <p:spTree>
+      <p:nvGrpSpPr>
+        <p:cNvPr id="1" name=""/>
+        <p:cNvGrpSpPr/>
+        <p:nvPr/>
+      </p:nvGrpSpPr>
+      <p:grpSpPr>
+        <a:xfrm>
+          <a:off x="0" y="0"/>
+          <a:ext cx="0" cy="0"/>
+          <a:chOff x="0" y="0"/>
+          <a:chExt cx="0" cy="0"/>
+        </a:xfrm>
+      </p:grpSpPr>
+      <p:sp>
+        <p:nvSpPr>
+          <p:cNvPr id="5" name="內容版面配置區 4"/>
+          <p:cNvSpPr>
+            <a:spLocks noGrp="1"/>
+          </p:cNvSpPr>
+          <p:nvPr>
+            <p:ph idx="1"/>
+          </p:nvPr>
+        </p:nvSpPr>
+        <p:spPr>
+          <a:xfrm>
+            <a:off x="0" y="2084851"/>
+            <a:ext cx="12192000" cy="2404863"/>
+          </a:xfrm>
+        </p:spPr>
+        <p:txBody>
+          <a:bodyPr anchor="ctr">
+            <a:normAutofit/>
+          </a:bodyPr>
+          <a:lstStyle/>
+          <a:p>
+            <a:pPr algn="ctr">
+              <a:buNone/>
+            </a:pPr>
+            <a:r>
+              <a:rPr lang="zh-CN" altLang="en-US" sz="6400" b="1" dirty="0">
+                <a:solidFill>
+                  <a:srgbClr val="000066"/>
+                </a:solidFill>
+                <a:latin typeface="Microsoft JhengHei" pitchFamily="34" charset="-120"/>
+                <a:ea typeface="Microsoft JhengHei" pitchFamily="34" charset="-120"/>
+              </a:rPr>
+              <a:t>要倚靠主  專心靠主</a:t>
+            </a:r>
+            <a:endParaRPr lang="en-US" altLang="zh-CN" sz="6400" b="1" dirty="0">
+              <a:solidFill>
+                <a:srgbClr val="000066"/>
+              </a:solidFill>
+              <a:latin typeface="Microsoft JhengHei" pitchFamily="34" charset="-120"/>
+              <a:ea typeface="Microsoft JhengHei" pitchFamily="34" charset="-120"/>
+            </a:endParaRPr>
+          </a:p>
+          <a:p>
+            <a:pPr algn="ctr">
+              <a:buNone/>
+            </a:pPr>
+            <a:r>
+              <a:rPr lang="zh-CN" altLang="en-US" sz="6400" b="1" dirty="0">
+                <a:solidFill>
+                  <a:srgbClr val="000066"/>
+                </a:solidFill>
+                <a:latin typeface="Microsoft JhengHei" pitchFamily="34" charset="-120"/>
+                <a:ea typeface="Microsoft JhengHei" pitchFamily="34" charset="-120"/>
+              </a:rPr>
+              <a:t>在一切事上要認定主</a:t>
+            </a:r>
+            <a:endParaRPr lang="zh-TW" altLang="en-US" sz="6400" b="1" dirty="0">
+              <a:solidFill>
+                <a:srgbClr val="000066"/>
+              </a:solidFill>
+              <a:latin typeface="Microsoft JhengHei" pitchFamily="34" charset="-120"/>
+              <a:ea typeface="Microsoft JhengHei" pitchFamily="34" charset="-120"/>
+            </a:endParaRPr>
+          </a:p>
+        </p:txBody>
+      </p:sp>
+    </p:spTree>
+    <p:extLst>
+      <p:ext uri="{BB962C8B-B14F-4D97-AF65-F5344CB8AC3E}">
+        <p14:creationId xmlns:p14="http://schemas.microsoft.com/office/powerpoint/2010/main" val="2817419581"/>
+      </p:ext>
+    </p:extLst>
+  </p:cSld>
+  <p:clrMapOvr>
+    <a:masterClrMapping/>
+  </p:clrMapOvr>
+  <p:timing>
+    <p:tnLst>
+      <p:par>
+        <p:cTn id="1" dur="indefinite" restart="never" nodeType="tmRoot"/>
+      </p:par>
+    </p:tnLst>
+  </p:timing>
+</p:sld>
+</file>
+
+<file path=ppt/slides/slide19.xml><?xml version="1.0" encoding="utf-8"?>
+<p:sld xmlns:a="http://schemas.openxmlformats.org/drawingml/2006/main" xmlns:r="http://schemas.openxmlformats.org/officeDocument/2006/relationships" xmlns:p="http://schemas.openxmlformats.org/presentationml/2006/main">
+  <p:cSld>
+    <p:spTree>
+      <p:nvGrpSpPr>
+        <p:cNvPr id="1" name=""/>
+        <p:cNvGrpSpPr/>
+        <p:nvPr/>
+      </p:nvGrpSpPr>
+      <p:grpSpPr>
+        <a:xfrm>
+          <a:off x="0" y="0"/>
+          <a:ext cx="0" cy="0"/>
+          <a:chOff x="0" y="0"/>
+          <a:chExt cx="0" cy="0"/>
+        </a:xfrm>
+      </p:grpSpPr>
+      <p:sp>
+        <p:nvSpPr>
+          <p:cNvPr id="5" name="內容版面配置區 4"/>
+          <p:cNvSpPr>
+            <a:spLocks noGrp="1"/>
+          </p:cNvSpPr>
+          <p:nvPr>
+            <p:ph idx="1"/>
+          </p:nvPr>
+        </p:nvSpPr>
+        <p:spPr>
+          <a:xfrm>
+            <a:off x="0" y="2084851"/>
+            <a:ext cx="12192000" cy="2404863"/>
+          </a:xfrm>
+        </p:spPr>
+        <p:txBody>
+          <a:bodyPr anchor="ctr">
+            <a:normAutofit/>
+          </a:bodyPr>
+          <a:lstStyle/>
+          <a:p>
+            <a:pPr algn="ctr">
+              <a:buNone/>
+            </a:pPr>
+            <a:r>
+              <a:rPr lang="zh-CN" altLang="en-US" sz="6400" b="1" dirty="0">
+                <a:solidFill>
+                  <a:srgbClr val="000066"/>
+                </a:solidFill>
+                <a:latin typeface="Microsoft JhengHei" pitchFamily="34" charset="-120"/>
+                <a:ea typeface="Microsoft JhengHei" pitchFamily="34" charset="-120"/>
+              </a:rPr>
+              <a:t>他必指引你的路</a:t>
+            </a:r>
+            <a:endParaRPr lang="zh-TW" altLang="en-US" sz="6400" b="1" dirty="0">
+              <a:solidFill>
+                <a:srgbClr val="000066"/>
+              </a:solidFill>
+              <a:latin typeface="Microsoft JhengHei" pitchFamily="34" charset="-120"/>
+              <a:ea typeface="Microsoft JhengHei" pitchFamily="34" charset="-120"/>
+            </a:endParaRPr>
+          </a:p>
+        </p:txBody>
+      </p:sp>
+    </p:spTree>
+    <p:extLst>
+      <p:ext uri="{BB962C8B-B14F-4D97-AF65-F5344CB8AC3E}">
+        <p14:creationId xmlns:p14="http://schemas.microsoft.com/office/powerpoint/2010/main" val="2907753088"/>
+      </p:ext>
+    </p:extLst>
+  </p:cSld>
+  <p:clrMapOvr>
+    <a:masterClrMapping/>
+  </p:clrMapOvr>
+  <p:timing>
+    <p:tnLst>
+      <p:par>
+        <p:cTn id="1" dur="indefinite" restart="never" nodeType="tmRoot"/>
+      </p:par>
+    </p:tnLst>
+  </p:timing>
 </p:sld>
 </file>
 
@@ -3470,29 +4353,6 @@
       </p:grpSpPr>
       <p:sp>
         <p:nvSpPr>
-          <p:cNvPr id="4" name="標題 3"/>
-          <p:cNvSpPr>
-            <a:spLocks noGrp="1"/>
-          </p:cNvSpPr>
-          <p:nvPr>
-            <p:ph type="title"/>
-          </p:nvPr>
-        </p:nvSpPr>
-        <p:spPr/>
-        <p:txBody>
-          <a:bodyPr/>
-          <a:lstStyle/>
-          <a:p>
-            <a:r>
-              <a:rPr lang="zh-CN" altLang="en-US" dirty="0" smtClean="0"/>
-              <a:t>靠主有福</a:t>
-            </a:r>
-            <a:endParaRPr lang="zh-TW" altLang="en-US" dirty="0"/>
-          </a:p>
-        </p:txBody>
-      </p:sp>
-      <p:sp>
-        <p:nvSpPr>
           <p:cNvPr id="5" name="內容版面配置區 4"/>
           <p:cNvSpPr>
             <a:spLocks noGrp="1"/>
@@ -3501,9 +4361,14 @@
             <p:ph idx="1"/>
           </p:nvPr>
         </p:nvSpPr>
-        <p:spPr/>
-        <p:txBody>
-          <a:bodyPr>
+        <p:spPr>
+          <a:xfrm>
+            <a:off x="0" y="2084851"/>
+            <a:ext cx="12192000" cy="2404863"/>
+          </a:xfrm>
+        </p:spPr>
+        <p:txBody>
+          <a:bodyPr anchor="ctr">
             <a:normAutofit/>
           </a:bodyPr>
           <a:lstStyle/>
@@ -3512,38 +4377,771 @@
               <a:buNone/>
             </a:pPr>
             <a:r>
-              <a:rPr lang="zh-CN" altLang="en-US" sz="5400" dirty="0" smtClean="0"/>
-              <a:t>要倚靠主  專心靠主</a:t>
-            </a:r>
-            <a:endParaRPr lang="en-US" altLang="zh-CN" sz="5400" dirty="0" smtClean="0"/>
+              <a:rPr lang="zh-CN" altLang="en-US" sz="6400" b="1" dirty="0">
+                <a:solidFill>
+                  <a:srgbClr val="000066"/>
+                </a:solidFill>
+                <a:latin typeface="Microsoft JhengHei" pitchFamily="34" charset="-120"/>
+                <a:ea typeface="Microsoft JhengHei" pitchFamily="34" charset="-120"/>
+              </a:rPr>
+              <a:t>倚</a:t>
+            </a:r>
+            <a:r>
+              <a:rPr lang="zh-CN" altLang="en-US" sz="6400" b="1" dirty="0">
+                <a:solidFill>
+                  <a:srgbClr val="000066"/>
+                </a:solidFill>
+                <a:latin typeface="Microsoft JhengHei" pitchFamily="34" charset="-120"/>
+                <a:ea typeface="Microsoft JhengHei" pitchFamily="34" charset="-120"/>
+              </a:rPr>
+              <a:t>靠耶和華的人真有福</a:t>
+            </a:r>
+            <a:endParaRPr lang="en-US" altLang="zh-CN" sz="6400" b="1" dirty="0">
+              <a:solidFill>
+                <a:srgbClr val="000066"/>
+              </a:solidFill>
+              <a:latin typeface="Microsoft JhengHei" pitchFamily="34" charset="-120"/>
+              <a:ea typeface="Microsoft JhengHei" pitchFamily="34" charset="-120"/>
+            </a:endParaRPr>
           </a:p>
           <a:p>
             <a:pPr algn="ctr">
               <a:buNone/>
             </a:pPr>
             <a:r>
-              <a:rPr lang="zh-CN" altLang="en-US" sz="5400" dirty="0" smtClean="0"/>
-              <a:t>在一切事上要認定主</a:t>
-            </a:r>
-            <a:endParaRPr lang="en-US" altLang="zh-CN" sz="5400" dirty="0" smtClean="0"/>
-          </a:p>
-          <a:p>
-            <a:pPr algn="ctr">
-              <a:buNone/>
-            </a:pPr>
-            <a:r>
-              <a:rPr lang="zh-CN" altLang="en-US" sz="5400" dirty="0" smtClean="0"/>
-              <a:t>他必指引你的路</a:t>
-            </a:r>
-            <a:endParaRPr lang="zh-TW" altLang="en-US" sz="5400" dirty="0"/>
+              <a:rPr lang="zh-CN" altLang="en-US" sz="6400" b="1" dirty="0">
+                <a:solidFill>
+                  <a:srgbClr val="000066"/>
+                </a:solidFill>
+                <a:latin typeface="Microsoft JhengHei" pitchFamily="34" charset="-120"/>
+                <a:ea typeface="Microsoft JhengHei" pitchFamily="34" charset="-120"/>
+              </a:rPr>
+              <a:t>因他必隨時蒙扶助</a:t>
+            </a:r>
+            <a:endParaRPr lang="en-US" altLang="zh-CN" sz="6400" b="1" dirty="0">
+              <a:solidFill>
+                <a:srgbClr val="000066"/>
+              </a:solidFill>
+              <a:latin typeface="Microsoft JhengHei" pitchFamily="34" charset="-120"/>
+              <a:ea typeface="Microsoft JhengHei" pitchFamily="34" charset="-120"/>
+            </a:endParaRPr>
+          </a:p>
+        </p:txBody>
+      </p:sp>
+      <p:sp>
+        <p:nvSpPr>
+          <p:cNvPr id="3" name="TextBox 2"/>
+          <p:cNvSpPr txBox="1"/>
+          <p:nvPr/>
+        </p:nvSpPr>
+        <p:spPr>
+          <a:xfrm>
+            <a:off x="0" y="5349214"/>
+            <a:ext cx="12192000" cy="830997"/>
+          </a:xfrm>
+          <a:prstGeom prst="rect">
+            <a:avLst/>
+          </a:prstGeom>
+          <a:noFill/>
+        </p:spPr>
+        <p:txBody>
+          <a:bodyPr wrap="square" rtlCol="0">
+            <a:spAutoFit/>
+          </a:bodyPr>
+          <a:lstStyle/>
+          <a:p>
+            <a:pPr algn="ctr"/>
+            <a:r>
+              <a:rPr lang="en-US" sz="4800" b="1" dirty="0">
+                <a:solidFill>
+                  <a:srgbClr val="000066"/>
+                </a:solidFill>
+              </a:rPr>
+              <a:t>( 1 )</a:t>
+            </a:r>
+            <a:endParaRPr lang="vi-VN" sz="4800" b="1" dirty="0">
+              <a:solidFill>
+                <a:srgbClr val="000066"/>
+              </a:solidFill>
+            </a:endParaRPr>
           </a:p>
         </p:txBody>
       </p:sp>
     </p:spTree>
+    <p:extLst>
+      <p:ext uri="{BB962C8B-B14F-4D97-AF65-F5344CB8AC3E}">
+        <p14:creationId xmlns:p14="http://schemas.microsoft.com/office/powerpoint/2010/main" val="2939865336"/>
+      </p:ext>
+    </p:extLst>
   </p:cSld>
   <p:clrMapOvr>
     <a:masterClrMapping/>
   </p:clrMapOvr>
+  <p:timing>
+    <p:tnLst>
+      <p:par>
+        <p:cTn id="1" dur="indefinite" restart="never" nodeType="tmRoot"/>
+      </p:par>
+    </p:tnLst>
+  </p:timing>
+</p:sld>
+</file>
+
+<file path=ppt/slides/slide20.xml><?xml version="1.0" encoding="utf-8"?>
+<p:sld xmlns:a="http://schemas.openxmlformats.org/drawingml/2006/main" xmlns:r="http://schemas.openxmlformats.org/officeDocument/2006/relationships" xmlns:p="http://schemas.openxmlformats.org/presentationml/2006/main">
+  <p:cSld>
+    <p:spTree>
+      <p:nvGrpSpPr>
+        <p:cNvPr id="1" name=""/>
+        <p:cNvGrpSpPr/>
+        <p:nvPr/>
+      </p:nvGrpSpPr>
+      <p:grpSpPr>
+        <a:xfrm>
+          <a:off x="0" y="0"/>
+          <a:ext cx="0" cy="0"/>
+          <a:chOff x="0" y="0"/>
+          <a:chExt cx="0" cy="0"/>
+        </a:xfrm>
+      </p:grpSpPr>
+      <p:sp>
+        <p:nvSpPr>
+          <p:cNvPr id="5" name="內容版面配置區 4"/>
+          <p:cNvSpPr>
+            <a:spLocks noGrp="1"/>
+          </p:cNvSpPr>
+          <p:nvPr>
+            <p:ph idx="1"/>
+          </p:nvPr>
+        </p:nvSpPr>
+        <p:spPr>
+          <a:xfrm>
+            <a:off x="0" y="2084851"/>
+            <a:ext cx="12192000" cy="2404863"/>
+          </a:xfrm>
+        </p:spPr>
+        <p:txBody>
+          <a:bodyPr anchor="ctr">
+            <a:normAutofit/>
+          </a:bodyPr>
+          <a:lstStyle/>
+          <a:p>
+            <a:pPr algn="ctr">
+              <a:buNone/>
+            </a:pPr>
+            <a:r>
+              <a:rPr lang="zh-CN" altLang="en-US" sz="6400" b="1" dirty="0">
+                <a:solidFill>
+                  <a:srgbClr val="000066"/>
+                </a:solidFill>
+                <a:latin typeface="Microsoft JhengHei" pitchFamily="34" charset="-120"/>
+                <a:ea typeface="Microsoft JhengHei" pitchFamily="34" charset="-120"/>
+              </a:rPr>
+              <a:t>常行在主道中者真有福</a:t>
+            </a:r>
+            <a:endParaRPr lang="en-US" altLang="zh-CN" sz="6400" b="1" dirty="0">
+              <a:solidFill>
+                <a:srgbClr val="000066"/>
+              </a:solidFill>
+              <a:latin typeface="Microsoft JhengHei" pitchFamily="34" charset="-120"/>
+              <a:ea typeface="Microsoft JhengHei" pitchFamily="34" charset="-120"/>
+            </a:endParaRPr>
+          </a:p>
+          <a:p>
+            <a:pPr algn="ctr">
+              <a:buNone/>
+            </a:pPr>
+            <a:r>
+              <a:rPr lang="zh-CN" altLang="en-US" sz="6400" b="1" dirty="0">
+                <a:solidFill>
+                  <a:srgbClr val="000066"/>
+                </a:solidFill>
+                <a:latin typeface="Microsoft JhengHei" pitchFamily="34" charset="-120"/>
+                <a:ea typeface="Microsoft JhengHei" pitchFamily="34" charset="-120"/>
+              </a:rPr>
+              <a:t>他日日向前又上升</a:t>
+            </a:r>
+            <a:endParaRPr lang="en-US" altLang="zh-CN" sz="6400" b="1" dirty="0">
+              <a:solidFill>
+                <a:srgbClr val="000066"/>
+              </a:solidFill>
+              <a:latin typeface="Microsoft JhengHei" pitchFamily="34" charset="-120"/>
+              <a:ea typeface="Microsoft JhengHei" pitchFamily="34" charset="-120"/>
+            </a:endParaRPr>
+          </a:p>
+        </p:txBody>
+      </p:sp>
+      <p:sp>
+        <p:nvSpPr>
+          <p:cNvPr id="3" name="TextBox 2"/>
+          <p:cNvSpPr txBox="1"/>
+          <p:nvPr/>
+        </p:nvSpPr>
+        <p:spPr>
+          <a:xfrm>
+            <a:off x="0" y="5349214"/>
+            <a:ext cx="12192000" cy="830997"/>
+          </a:xfrm>
+          <a:prstGeom prst="rect">
+            <a:avLst/>
+          </a:prstGeom>
+          <a:noFill/>
+        </p:spPr>
+        <p:txBody>
+          <a:bodyPr wrap="square" rtlCol="0">
+            <a:spAutoFit/>
+          </a:bodyPr>
+          <a:lstStyle/>
+          <a:p>
+            <a:pPr algn="ctr"/>
+            <a:r>
+              <a:rPr lang="en-US" sz="4800" b="1" dirty="0">
+                <a:solidFill>
+                  <a:srgbClr val="000066"/>
+                </a:solidFill>
+              </a:rPr>
+              <a:t>( 4 )</a:t>
+            </a:r>
+            <a:endParaRPr lang="vi-VN" sz="4800" b="1" dirty="0">
+              <a:solidFill>
+                <a:srgbClr val="000066"/>
+              </a:solidFill>
+            </a:endParaRPr>
+          </a:p>
+        </p:txBody>
+      </p:sp>
+    </p:spTree>
+    <p:extLst>
+      <p:ext uri="{BB962C8B-B14F-4D97-AF65-F5344CB8AC3E}">
+        <p14:creationId xmlns:p14="http://schemas.microsoft.com/office/powerpoint/2010/main" val="2690700997"/>
+      </p:ext>
+    </p:extLst>
+  </p:cSld>
+  <p:clrMapOvr>
+    <a:masterClrMapping/>
+  </p:clrMapOvr>
+  <p:timing>
+    <p:tnLst>
+      <p:par>
+        <p:cTn id="1" dur="indefinite" restart="never" nodeType="tmRoot"/>
+      </p:par>
+    </p:tnLst>
+  </p:timing>
+</p:sld>
+</file>
+
+<file path=ppt/slides/slide21.xml><?xml version="1.0" encoding="utf-8"?>
+<p:sld xmlns:a="http://schemas.openxmlformats.org/drawingml/2006/main" xmlns:r="http://schemas.openxmlformats.org/officeDocument/2006/relationships" xmlns:p="http://schemas.openxmlformats.org/presentationml/2006/main">
+  <p:cSld>
+    <p:spTree>
+      <p:nvGrpSpPr>
+        <p:cNvPr id="1" name=""/>
+        <p:cNvGrpSpPr/>
+        <p:nvPr/>
+      </p:nvGrpSpPr>
+      <p:grpSpPr>
+        <a:xfrm>
+          <a:off x="0" y="0"/>
+          <a:ext cx="0" cy="0"/>
+          <a:chOff x="0" y="0"/>
+          <a:chExt cx="0" cy="0"/>
+        </a:xfrm>
+      </p:grpSpPr>
+      <p:sp>
+        <p:nvSpPr>
+          <p:cNvPr id="5" name="內容版面配置區 4"/>
+          <p:cNvSpPr>
+            <a:spLocks noGrp="1"/>
+          </p:cNvSpPr>
+          <p:nvPr>
+            <p:ph idx="1"/>
+          </p:nvPr>
+        </p:nvSpPr>
+        <p:spPr>
+          <a:xfrm>
+            <a:off x="0" y="2084851"/>
+            <a:ext cx="12192000" cy="2404863"/>
+          </a:xfrm>
+        </p:spPr>
+        <p:txBody>
+          <a:bodyPr anchor="ctr">
+            <a:normAutofit/>
+          </a:bodyPr>
+          <a:lstStyle/>
+          <a:p>
+            <a:pPr algn="ctr">
+              <a:buNone/>
+            </a:pPr>
+            <a:r>
+              <a:rPr lang="zh-CN" altLang="en-US" sz="6400" b="1" dirty="0">
+                <a:solidFill>
+                  <a:srgbClr val="000066"/>
+                </a:solidFill>
+                <a:latin typeface="Microsoft JhengHei" pitchFamily="34" charset="-120"/>
+                <a:ea typeface="Microsoft JhengHei" pitchFamily="34" charset="-120"/>
+              </a:rPr>
+              <a:t>因信行走在恩主慈愛中</a:t>
+            </a:r>
+            <a:endParaRPr lang="en-US" altLang="zh-CN" sz="6400" b="1" dirty="0">
+              <a:solidFill>
+                <a:srgbClr val="000066"/>
+              </a:solidFill>
+              <a:latin typeface="Microsoft JhengHei" pitchFamily="34" charset="-120"/>
+              <a:ea typeface="Microsoft JhengHei" pitchFamily="34" charset="-120"/>
+            </a:endParaRPr>
+          </a:p>
+          <a:p>
+            <a:pPr algn="ctr">
+              <a:buNone/>
+            </a:pPr>
+            <a:r>
+              <a:rPr lang="zh-CN" altLang="en-US" sz="6400" b="1" dirty="0">
+                <a:solidFill>
+                  <a:srgbClr val="000066"/>
+                </a:solidFill>
+                <a:latin typeface="Microsoft JhengHei" pitchFamily="34" charset="-120"/>
+                <a:ea typeface="Microsoft JhengHei" pitchFamily="34" charset="-120"/>
+              </a:rPr>
+              <a:t>主供給他一切需用</a:t>
+            </a:r>
+            <a:endParaRPr lang="en-US" altLang="zh-CN" sz="6400" b="1" dirty="0">
+              <a:solidFill>
+                <a:srgbClr val="000066"/>
+              </a:solidFill>
+              <a:latin typeface="Microsoft JhengHei" pitchFamily="34" charset="-120"/>
+              <a:ea typeface="Microsoft JhengHei" pitchFamily="34" charset="-120"/>
+            </a:endParaRPr>
+          </a:p>
+        </p:txBody>
+      </p:sp>
+      <p:sp>
+        <p:nvSpPr>
+          <p:cNvPr id="3" name="TextBox 2"/>
+          <p:cNvSpPr txBox="1"/>
+          <p:nvPr/>
+        </p:nvSpPr>
+        <p:spPr>
+          <a:xfrm>
+            <a:off x="0" y="5349214"/>
+            <a:ext cx="12192000" cy="830997"/>
+          </a:xfrm>
+          <a:prstGeom prst="rect">
+            <a:avLst/>
+          </a:prstGeom>
+          <a:noFill/>
+        </p:spPr>
+        <p:txBody>
+          <a:bodyPr wrap="square" rtlCol="0">
+            <a:spAutoFit/>
+          </a:bodyPr>
+          <a:lstStyle/>
+          <a:p>
+            <a:pPr algn="ctr"/>
+            <a:r>
+              <a:rPr lang="en-US" sz="4800" b="1" dirty="0">
+                <a:solidFill>
+                  <a:srgbClr val="000066"/>
+                </a:solidFill>
+              </a:rPr>
+              <a:t>( 4 )</a:t>
+            </a:r>
+            <a:endParaRPr lang="vi-VN" sz="4800" b="1" dirty="0">
+              <a:solidFill>
+                <a:srgbClr val="000066"/>
+              </a:solidFill>
+            </a:endParaRPr>
+          </a:p>
+        </p:txBody>
+      </p:sp>
+    </p:spTree>
+    <p:extLst>
+      <p:ext uri="{BB962C8B-B14F-4D97-AF65-F5344CB8AC3E}">
+        <p14:creationId xmlns:p14="http://schemas.microsoft.com/office/powerpoint/2010/main" val="1952961835"/>
+      </p:ext>
+    </p:extLst>
+  </p:cSld>
+  <p:clrMapOvr>
+    <a:masterClrMapping/>
+  </p:clrMapOvr>
+  <p:timing>
+    <p:tnLst>
+      <p:par>
+        <p:cTn id="1" dur="indefinite" restart="never" nodeType="tmRoot"/>
+      </p:par>
+    </p:tnLst>
+  </p:timing>
+</p:sld>
+</file>
+
+<file path=ppt/slides/slide22.xml><?xml version="1.0" encoding="utf-8"?>
+<p:sld xmlns:a="http://schemas.openxmlformats.org/drawingml/2006/main" xmlns:r="http://schemas.openxmlformats.org/officeDocument/2006/relationships" xmlns:p="http://schemas.openxmlformats.org/presentationml/2006/main">
+  <p:cSld>
+    <p:spTree>
+      <p:nvGrpSpPr>
+        <p:cNvPr id="1" name=""/>
+        <p:cNvGrpSpPr/>
+        <p:nvPr/>
+      </p:nvGrpSpPr>
+      <p:grpSpPr>
+        <a:xfrm>
+          <a:off x="0" y="0"/>
+          <a:ext cx="0" cy="0"/>
+          <a:chOff x="0" y="0"/>
+          <a:chExt cx="0" cy="0"/>
+        </a:xfrm>
+      </p:grpSpPr>
+      <p:sp>
+        <p:nvSpPr>
+          <p:cNvPr id="5" name="內容版面配置區 4"/>
+          <p:cNvSpPr>
+            <a:spLocks noGrp="1"/>
+          </p:cNvSpPr>
+          <p:nvPr>
+            <p:ph idx="1"/>
+          </p:nvPr>
+        </p:nvSpPr>
+        <p:spPr>
+          <a:xfrm>
+            <a:off x="0" y="2084851"/>
+            <a:ext cx="12192000" cy="2404863"/>
+          </a:xfrm>
+        </p:spPr>
+        <p:txBody>
+          <a:bodyPr anchor="ctr">
+            <a:normAutofit/>
+          </a:bodyPr>
+          <a:lstStyle/>
+          <a:p>
+            <a:pPr algn="ctr">
+              <a:buNone/>
+            </a:pPr>
+            <a:r>
+              <a:rPr lang="zh-CN" altLang="en-US" sz="6400" b="1" dirty="0">
+                <a:solidFill>
+                  <a:srgbClr val="000066"/>
+                </a:solidFill>
+                <a:latin typeface="Microsoft JhengHei" pitchFamily="34" charset="-120"/>
+                <a:ea typeface="Microsoft JhengHei" pitchFamily="34" charset="-120"/>
+              </a:rPr>
+              <a:t>要倚靠主  專心靠主</a:t>
+            </a:r>
+            <a:endParaRPr lang="en-US" altLang="zh-CN" sz="6400" b="1" dirty="0">
+              <a:solidFill>
+                <a:srgbClr val="000066"/>
+              </a:solidFill>
+              <a:latin typeface="Microsoft JhengHei" pitchFamily="34" charset="-120"/>
+              <a:ea typeface="Microsoft JhengHei" pitchFamily="34" charset="-120"/>
+            </a:endParaRPr>
+          </a:p>
+          <a:p>
+            <a:pPr algn="ctr">
+              <a:buNone/>
+            </a:pPr>
+            <a:r>
+              <a:rPr lang="zh-CN" altLang="en-US" sz="6400" b="1" dirty="0">
+                <a:solidFill>
+                  <a:srgbClr val="000066"/>
+                </a:solidFill>
+                <a:latin typeface="Microsoft JhengHei" pitchFamily="34" charset="-120"/>
+                <a:ea typeface="Microsoft JhengHei" pitchFamily="34" charset="-120"/>
+              </a:rPr>
+              <a:t>在一切事上要認定主</a:t>
+            </a:r>
+            <a:endParaRPr lang="zh-TW" altLang="en-US" sz="6400" b="1" dirty="0">
+              <a:solidFill>
+                <a:srgbClr val="000066"/>
+              </a:solidFill>
+              <a:latin typeface="Microsoft JhengHei" pitchFamily="34" charset="-120"/>
+              <a:ea typeface="Microsoft JhengHei" pitchFamily="34" charset="-120"/>
+            </a:endParaRPr>
+          </a:p>
+        </p:txBody>
+      </p:sp>
+    </p:spTree>
+    <p:extLst>
+      <p:ext uri="{BB962C8B-B14F-4D97-AF65-F5344CB8AC3E}">
+        <p14:creationId xmlns:p14="http://schemas.microsoft.com/office/powerpoint/2010/main" val="652623998"/>
+      </p:ext>
+    </p:extLst>
+  </p:cSld>
+  <p:clrMapOvr>
+    <a:masterClrMapping/>
+  </p:clrMapOvr>
+  <p:timing>
+    <p:tnLst>
+      <p:par>
+        <p:cTn id="1" dur="indefinite" restart="never" nodeType="tmRoot"/>
+      </p:par>
+    </p:tnLst>
+  </p:timing>
+</p:sld>
+</file>
+
+<file path=ppt/slides/slide23.xml><?xml version="1.0" encoding="utf-8"?>
+<p:sld xmlns:a="http://schemas.openxmlformats.org/drawingml/2006/main" xmlns:r="http://schemas.openxmlformats.org/officeDocument/2006/relationships" xmlns:p="http://schemas.openxmlformats.org/presentationml/2006/main">
+  <p:cSld>
+    <p:spTree>
+      <p:nvGrpSpPr>
+        <p:cNvPr id="1" name=""/>
+        <p:cNvGrpSpPr/>
+        <p:nvPr/>
+      </p:nvGrpSpPr>
+      <p:grpSpPr>
+        <a:xfrm>
+          <a:off x="0" y="0"/>
+          <a:ext cx="0" cy="0"/>
+          <a:chOff x="0" y="0"/>
+          <a:chExt cx="0" cy="0"/>
+        </a:xfrm>
+      </p:grpSpPr>
+      <p:sp>
+        <p:nvSpPr>
+          <p:cNvPr id="5" name="內容版面配置區 4"/>
+          <p:cNvSpPr>
+            <a:spLocks noGrp="1"/>
+          </p:cNvSpPr>
+          <p:nvPr>
+            <p:ph idx="1"/>
+          </p:nvPr>
+        </p:nvSpPr>
+        <p:spPr>
+          <a:xfrm>
+            <a:off x="0" y="2084851"/>
+            <a:ext cx="12192000" cy="2404863"/>
+          </a:xfrm>
+        </p:spPr>
+        <p:txBody>
+          <a:bodyPr anchor="ctr">
+            <a:normAutofit/>
+          </a:bodyPr>
+          <a:lstStyle/>
+          <a:p>
+            <a:pPr algn="ctr">
+              <a:buNone/>
+            </a:pPr>
+            <a:r>
+              <a:rPr lang="zh-CN" altLang="en-US" sz="6400" b="1" dirty="0">
+                <a:solidFill>
+                  <a:srgbClr val="000066"/>
+                </a:solidFill>
+                <a:latin typeface="Microsoft JhengHei" pitchFamily="34" charset="-120"/>
+                <a:ea typeface="Microsoft JhengHei" pitchFamily="34" charset="-120"/>
+              </a:rPr>
+              <a:t>他必指引你的路</a:t>
+            </a:r>
+            <a:endParaRPr lang="zh-TW" altLang="en-US" sz="6400" b="1" dirty="0">
+              <a:solidFill>
+                <a:srgbClr val="000066"/>
+              </a:solidFill>
+              <a:latin typeface="Microsoft JhengHei" pitchFamily="34" charset="-120"/>
+              <a:ea typeface="Microsoft JhengHei" pitchFamily="34" charset="-120"/>
+            </a:endParaRPr>
+          </a:p>
+        </p:txBody>
+      </p:sp>
+    </p:spTree>
+    <p:extLst>
+      <p:ext uri="{BB962C8B-B14F-4D97-AF65-F5344CB8AC3E}">
+        <p14:creationId xmlns:p14="http://schemas.microsoft.com/office/powerpoint/2010/main" val="469120672"/>
+      </p:ext>
+    </p:extLst>
+  </p:cSld>
+  <p:clrMapOvr>
+    <a:masterClrMapping/>
+  </p:clrMapOvr>
+  <p:timing>
+    <p:tnLst>
+      <p:par>
+        <p:cTn id="1" dur="indefinite" restart="never" nodeType="tmRoot"/>
+      </p:par>
+    </p:tnLst>
+  </p:timing>
+</p:sld>
+</file>
+
+<file path=ppt/slides/slide24.xml><?xml version="1.0" encoding="utf-8"?>
+<p:sld xmlns:a="http://schemas.openxmlformats.org/drawingml/2006/main" xmlns:r="http://schemas.openxmlformats.org/officeDocument/2006/relationships" xmlns:p="http://schemas.openxmlformats.org/presentationml/2006/main">
+  <p:cSld>
+    <p:spTree>
+      <p:nvGrpSpPr>
+        <p:cNvPr id="1" name=""/>
+        <p:cNvGrpSpPr/>
+        <p:nvPr/>
+      </p:nvGrpSpPr>
+      <p:grpSpPr>
+        <a:xfrm>
+          <a:off x="0" y="0"/>
+          <a:ext cx="0" cy="0"/>
+          <a:chOff x="0" y="0"/>
+          <a:chExt cx="0" cy="0"/>
+        </a:xfrm>
+      </p:grpSpPr>
+      <p:sp>
+        <p:nvSpPr>
+          <p:cNvPr id="5" name="內容版面配置區 4"/>
+          <p:cNvSpPr>
+            <a:spLocks noGrp="1"/>
+          </p:cNvSpPr>
+          <p:nvPr>
+            <p:ph idx="1"/>
+          </p:nvPr>
+        </p:nvSpPr>
+        <p:spPr>
+          <a:xfrm>
+            <a:off x="0" y="2084851"/>
+            <a:ext cx="12192000" cy="2404863"/>
+          </a:xfrm>
+        </p:spPr>
+        <p:txBody>
+          <a:bodyPr anchor="ctr">
+            <a:normAutofit/>
+          </a:bodyPr>
+          <a:lstStyle/>
+          <a:p>
+            <a:pPr algn="ctr">
+              <a:buNone/>
+            </a:pPr>
+            <a:r>
+              <a:rPr lang="zh-CN" altLang="en-US" sz="6400" b="1" dirty="0">
+                <a:solidFill>
+                  <a:srgbClr val="000066"/>
+                </a:solidFill>
+                <a:latin typeface="Microsoft JhengHei" pitchFamily="34" charset="-120"/>
+                <a:ea typeface="Microsoft JhengHei" pitchFamily="34" charset="-120"/>
+              </a:rPr>
+              <a:t>要倚靠主  專心靠主</a:t>
+            </a:r>
+            <a:endParaRPr lang="en-US" altLang="zh-CN" sz="6400" b="1" dirty="0">
+              <a:solidFill>
+                <a:srgbClr val="000066"/>
+              </a:solidFill>
+              <a:latin typeface="Microsoft JhengHei" pitchFamily="34" charset="-120"/>
+              <a:ea typeface="Microsoft JhengHei" pitchFamily="34" charset="-120"/>
+            </a:endParaRPr>
+          </a:p>
+          <a:p>
+            <a:pPr algn="ctr">
+              <a:buNone/>
+            </a:pPr>
+            <a:r>
+              <a:rPr lang="zh-CN" altLang="en-US" sz="6400" b="1" dirty="0">
+                <a:solidFill>
+                  <a:srgbClr val="000066"/>
+                </a:solidFill>
+                <a:latin typeface="Microsoft JhengHei" pitchFamily="34" charset="-120"/>
+                <a:ea typeface="Microsoft JhengHei" pitchFamily="34" charset="-120"/>
+              </a:rPr>
+              <a:t>在一切事上要認定主</a:t>
+            </a:r>
+            <a:endParaRPr lang="zh-TW" altLang="en-US" sz="6400" b="1" dirty="0">
+              <a:solidFill>
+                <a:srgbClr val="000066"/>
+              </a:solidFill>
+              <a:latin typeface="Microsoft JhengHei" pitchFamily="34" charset="-120"/>
+              <a:ea typeface="Microsoft JhengHei" pitchFamily="34" charset="-120"/>
+            </a:endParaRPr>
+          </a:p>
+        </p:txBody>
+      </p:sp>
+    </p:spTree>
+    <p:extLst>
+      <p:ext uri="{BB962C8B-B14F-4D97-AF65-F5344CB8AC3E}">
+        <p14:creationId xmlns:p14="http://schemas.microsoft.com/office/powerpoint/2010/main" val="2338817789"/>
+      </p:ext>
+    </p:extLst>
+  </p:cSld>
+  <p:clrMapOvr>
+    <a:masterClrMapping/>
+  </p:clrMapOvr>
+  <p:timing>
+    <p:tnLst>
+      <p:par>
+        <p:cTn id="1" dur="indefinite" restart="never" nodeType="tmRoot"/>
+      </p:par>
+    </p:tnLst>
+  </p:timing>
+</p:sld>
+</file>
+
+<file path=ppt/slides/slide25.xml><?xml version="1.0" encoding="utf-8"?>
+<p:sld xmlns:a="http://schemas.openxmlformats.org/drawingml/2006/main" xmlns:r="http://schemas.openxmlformats.org/officeDocument/2006/relationships" xmlns:p="http://schemas.openxmlformats.org/presentationml/2006/main">
+  <p:cSld>
+    <p:spTree>
+      <p:nvGrpSpPr>
+        <p:cNvPr id="1" name=""/>
+        <p:cNvGrpSpPr/>
+        <p:nvPr/>
+      </p:nvGrpSpPr>
+      <p:grpSpPr>
+        <a:xfrm>
+          <a:off x="0" y="0"/>
+          <a:ext cx="0" cy="0"/>
+          <a:chOff x="0" y="0"/>
+          <a:chExt cx="0" cy="0"/>
+        </a:xfrm>
+      </p:grpSpPr>
+      <p:sp>
+        <p:nvSpPr>
+          <p:cNvPr id="5" name="內容版面配置區 4"/>
+          <p:cNvSpPr>
+            <a:spLocks noGrp="1"/>
+          </p:cNvSpPr>
+          <p:nvPr>
+            <p:ph idx="1"/>
+          </p:nvPr>
+        </p:nvSpPr>
+        <p:spPr>
+          <a:xfrm>
+            <a:off x="0" y="2084851"/>
+            <a:ext cx="12192000" cy="2404863"/>
+          </a:xfrm>
+        </p:spPr>
+        <p:txBody>
+          <a:bodyPr anchor="ctr">
+            <a:normAutofit/>
+          </a:bodyPr>
+          <a:lstStyle/>
+          <a:p>
+            <a:pPr algn="ctr">
+              <a:buNone/>
+            </a:pPr>
+            <a:r>
+              <a:rPr lang="zh-CN" altLang="en-US" sz="6400" b="1" dirty="0">
+                <a:solidFill>
+                  <a:srgbClr val="000066"/>
+                </a:solidFill>
+                <a:latin typeface="Microsoft JhengHei" pitchFamily="34" charset="-120"/>
+                <a:ea typeface="Microsoft JhengHei" pitchFamily="34" charset="-120"/>
+              </a:rPr>
+              <a:t>他必指引你的路</a:t>
+            </a:r>
+            <a:endParaRPr lang="zh-TW" altLang="en-US" sz="6400" b="1" dirty="0">
+              <a:solidFill>
+                <a:srgbClr val="000066"/>
+              </a:solidFill>
+              <a:latin typeface="Microsoft JhengHei" pitchFamily="34" charset="-120"/>
+              <a:ea typeface="Microsoft JhengHei" pitchFamily="34" charset="-120"/>
+            </a:endParaRPr>
+          </a:p>
+        </p:txBody>
+      </p:sp>
+    </p:spTree>
+    <p:extLst>
+      <p:ext uri="{BB962C8B-B14F-4D97-AF65-F5344CB8AC3E}">
+        <p14:creationId xmlns:p14="http://schemas.microsoft.com/office/powerpoint/2010/main" val="1649005249"/>
+      </p:ext>
+    </p:extLst>
+  </p:cSld>
+  <p:clrMapOvr>
+    <a:masterClrMapping/>
+  </p:clrMapOvr>
+  <p:timing>
+    <p:tnLst>
+      <p:par>
+        <p:cTn id="1" dur="indefinite" restart="never" nodeType="tmRoot"/>
+      </p:par>
+    </p:tnLst>
+  </p:timing>
 </p:sld>
 </file>
 
@@ -3566,29 +5164,6 @@
       </p:grpSpPr>
       <p:sp>
         <p:nvSpPr>
-          <p:cNvPr id="4" name="標題 3"/>
-          <p:cNvSpPr>
-            <a:spLocks noGrp="1"/>
-          </p:cNvSpPr>
-          <p:nvPr>
-            <p:ph type="title"/>
-          </p:nvPr>
-        </p:nvSpPr>
-        <p:spPr/>
-        <p:txBody>
-          <a:bodyPr/>
-          <a:lstStyle/>
-          <a:p>
-            <a:r>
-              <a:rPr lang="zh-CN" altLang="en-US" dirty="0" smtClean="0"/>
-              <a:t>靠主有福</a:t>
-            </a:r>
-            <a:endParaRPr lang="zh-TW" altLang="en-US" dirty="0"/>
-          </a:p>
-        </p:txBody>
-      </p:sp>
-      <p:sp>
-        <p:nvSpPr>
           <p:cNvPr id="5" name="內容版面配置區 4"/>
           <p:cNvSpPr>
             <a:spLocks noGrp="1"/>
@@ -3597,9 +5172,14 @@
             <p:ph idx="1"/>
           </p:nvPr>
         </p:nvSpPr>
-        <p:spPr/>
-        <p:txBody>
-          <a:bodyPr>
+        <p:spPr>
+          <a:xfrm>
+            <a:off x="0" y="2084851"/>
+            <a:ext cx="12192000" cy="2404863"/>
+          </a:xfrm>
+        </p:spPr>
+        <p:txBody>
+          <a:bodyPr anchor="ctr">
             <a:normAutofit/>
           </a:bodyPr>
           <a:lstStyle/>
@@ -3608,48 +5188,103 @@
               <a:buNone/>
             </a:pPr>
             <a:r>
-              <a:rPr lang="zh-CN" altLang="en-US" sz="5400" dirty="0" smtClean="0"/>
-              <a:t>倚靠耶和華的人真有福</a:t>
-            </a:r>
-            <a:endParaRPr lang="en-US" altLang="zh-CN" sz="5400" dirty="0" smtClean="0"/>
+              <a:rPr lang="zh-CN" altLang="en-US" sz="6400" b="1" dirty="0">
+                <a:solidFill>
+                  <a:srgbClr val="000066"/>
+                </a:solidFill>
+                <a:latin typeface="Microsoft JhengHei" pitchFamily="34" charset="-120"/>
+                <a:ea typeface="Microsoft JhengHei" pitchFamily="34" charset="-120"/>
+              </a:rPr>
+              <a:t>若要承受所應許的賞賜</a:t>
+            </a:r>
+            <a:endParaRPr lang="en-US" altLang="zh-CN" sz="6400" b="1" dirty="0">
+              <a:solidFill>
+                <a:srgbClr val="000066"/>
+              </a:solidFill>
+              <a:latin typeface="Microsoft JhengHei" pitchFamily="34" charset="-120"/>
+              <a:ea typeface="Microsoft JhengHei" pitchFamily="34" charset="-120"/>
+            </a:endParaRPr>
           </a:p>
           <a:p>
             <a:pPr algn="ctr">
               <a:buNone/>
             </a:pPr>
             <a:r>
-              <a:rPr lang="zh-CN" altLang="en-US" sz="5400" dirty="0" smtClean="0"/>
-              <a:t>不離開主安排正路</a:t>
-            </a:r>
-            <a:endParaRPr lang="en-US" altLang="zh-CN" sz="5400" dirty="0" smtClean="0"/>
-          </a:p>
-          <a:p>
-            <a:pPr algn="ctr">
-              <a:buNone/>
-            </a:pPr>
-            <a:r>
-              <a:rPr lang="zh-CN" altLang="en-US" sz="5400" dirty="0" smtClean="0"/>
-              <a:t>忍耐堅守所承認的指望</a:t>
-            </a:r>
-            <a:endParaRPr lang="en-US" altLang="zh-CN" sz="5400" dirty="0" smtClean="0"/>
-          </a:p>
-          <a:p>
-            <a:pPr algn="ctr">
-              <a:buNone/>
-            </a:pPr>
-            <a:r>
-              <a:rPr lang="zh-CN" altLang="en-US" sz="5400" dirty="0" smtClean="0"/>
-              <a:t>主也保守他的腳步</a:t>
-            </a:r>
-            <a:endParaRPr lang="en-US" altLang="zh-CN" sz="5400" dirty="0" smtClean="0"/>
+              <a:rPr lang="zh-CN" altLang="en-US" sz="6400" b="1" dirty="0">
+                <a:solidFill>
+                  <a:srgbClr val="000066"/>
+                </a:solidFill>
+                <a:latin typeface="Microsoft JhengHei" pitchFamily="34" charset="-120"/>
+                <a:ea typeface="Microsoft JhengHei" pitchFamily="34" charset="-120"/>
+              </a:rPr>
+              <a:t>必緊緊跟隨主腳步</a:t>
+            </a:r>
+            <a:endParaRPr lang="zh-TW" altLang="en-US" sz="6400" b="1" dirty="0">
+              <a:solidFill>
+                <a:srgbClr val="000066"/>
+              </a:solidFill>
+              <a:latin typeface="Microsoft JhengHei" pitchFamily="34" charset="-120"/>
+              <a:ea typeface="Microsoft JhengHei" pitchFamily="34" charset="-120"/>
+            </a:endParaRPr>
+          </a:p>
+        </p:txBody>
+      </p:sp>
+      <p:sp>
+        <p:nvSpPr>
+          <p:cNvPr id="3" name="TextBox 2"/>
+          <p:cNvSpPr txBox="1"/>
+          <p:nvPr/>
+        </p:nvSpPr>
+        <p:spPr>
+          <a:xfrm>
+            <a:off x="0" y="5349214"/>
+            <a:ext cx="12192000" cy="830997"/>
+          </a:xfrm>
+          <a:prstGeom prst="rect">
+            <a:avLst/>
+          </a:prstGeom>
+          <a:noFill/>
+        </p:spPr>
+        <p:txBody>
+          <a:bodyPr wrap="square" rtlCol="0">
+            <a:spAutoFit/>
+          </a:bodyPr>
+          <a:lstStyle/>
+          <a:p>
+            <a:pPr algn="ctr"/>
+            <a:r>
+              <a:rPr lang="en-US" sz="4800" b="1" dirty="0">
+                <a:solidFill>
+                  <a:srgbClr val="000066"/>
+                </a:solidFill>
+              </a:rPr>
+              <a:t>( 1 )</a:t>
+            </a:r>
+            <a:endParaRPr lang="vi-VN" sz="4800" b="1" dirty="0">
+              <a:solidFill>
+                <a:srgbClr val="000066"/>
+              </a:solidFill>
+            </a:endParaRPr>
           </a:p>
         </p:txBody>
       </p:sp>
     </p:spTree>
+    <p:extLst>
+      <p:ext uri="{BB962C8B-B14F-4D97-AF65-F5344CB8AC3E}">
+        <p14:creationId xmlns:p14="http://schemas.microsoft.com/office/powerpoint/2010/main" val="3677583151"/>
+      </p:ext>
+    </p:extLst>
   </p:cSld>
   <p:clrMapOvr>
     <a:masterClrMapping/>
   </p:clrMapOvr>
+  <p:timing>
+    <p:tnLst>
+      <p:par>
+        <p:cTn id="1" dur="indefinite" restart="never" nodeType="tmRoot"/>
+      </p:par>
+    </p:tnLst>
+  </p:timing>
 </p:sld>
 </file>
 
@@ -3672,29 +5307,6 @@
       </p:grpSpPr>
       <p:sp>
         <p:nvSpPr>
-          <p:cNvPr id="4" name="標題 3"/>
-          <p:cNvSpPr>
-            <a:spLocks noGrp="1"/>
-          </p:cNvSpPr>
-          <p:nvPr>
-            <p:ph type="title"/>
-          </p:nvPr>
-        </p:nvSpPr>
-        <p:spPr/>
-        <p:txBody>
-          <a:bodyPr/>
-          <a:lstStyle/>
-          <a:p>
-            <a:r>
-              <a:rPr lang="zh-CN" altLang="en-US" dirty="0" smtClean="0"/>
-              <a:t>靠主有福</a:t>
-            </a:r>
-            <a:endParaRPr lang="zh-TW" altLang="en-US" dirty="0"/>
-          </a:p>
-        </p:txBody>
-      </p:sp>
-      <p:sp>
-        <p:nvSpPr>
           <p:cNvPr id="5" name="內容版面配置區 4"/>
           <p:cNvSpPr>
             <a:spLocks noGrp="1"/>
@@ -3703,9 +5315,14 @@
             <p:ph idx="1"/>
           </p:nvPr>
         </p:nvSpPr>
-        <p:spPr/>
-        <p:txBody>
-          <a:bodyPr>
+        <p:spPr>
+          <a:xfrm>
+            <a:off x="0" y="2084851"/>
+            <a:ext cx="12192000" cy="2404863"/>
+          </a:xfrm>
+        </p:spPr>
+        <p:txBody>
+          <a:bodyPr anchor="ctr">
             <a:normAutofit/>
           </a:bodyPr>
           <a:lstStyle/>
@@ -3714,38 +5331,64 @@
               <a:buNone/>
             </a:pPr>
             <a:r>
-              <a:rPr lang="zh-CN" altLang="en-US" sz="5400" dirty="0" smtClean="0"/>
+              <a:rPr lang="zh-CN" altLang="en-US" sz="6400" b="1" dirty="0">
+                <a:solidFill>
+                  <a:srgbClr val="000066"/>
+                </a:solidFill>
+                <a:latin typeface="Microsoft JhengHei" pitchFamily="34" charset="-120"/>
+                <a:ea typeface="Microsoft JhengHei" pitchFamily="34" charset="-120"/>
+              </a:rPr>
               <a:t>要倚靠主  專心靠主</a:t>
             </a:r>
-            <a:endParaRPr lang="en-US" altLang="zh-CN" sz="5400" dirty="0" smtClean="0"/>
+            <a:endParaRPr lang="en-US" altLang="zh-CN" sz="6400" b="1" dirty="0">
+              <a:solidFill>
+                <a:srgbClr val="000066"/>
+              </a:solidFill>
+              <a:latin typeface="Microsoft JhengHei" pitchFamily="34" charset="-120"/>
+              <a:ea typeface="Microsoft JhengHei" pitchFamily="34" charset="-120"/>
+            </a:endParaRPr>
           </a:p>
           <a:p>
             <a:pPr algn="ctr">
               <a:buNone/>
             </a:pPr>
             <a:r>
-              <a:rPr lang="zh-CN" altLang="en-US" sz="5400" dirty="0" smtClean="0"/>
+              <a:rPr lang="zh-CN" altLang="en-US" sz="6400" b="1" dirty="0">
+                <a:solidFill>
+                  <a:srgbClr val="000066"/>
+                </a:solidFill>
+                <a:latin typeface="Microsoft JhengHei" pitchFamily="34" charset="-120"/>
+                <a:ea typeface="Microsoft JhengHei" pitchFamily="34" charset="-120"/>
+              </a:rPr>
               <a:t>在一切事上要認定主</a:t>
             </a:r>
-            <a:endParaRPr lang="en-US" altLang="zh-CN" sz="5400" dirty="0" smtClean="0"/>
-          </a:p>
-          <a:p>
-            <a:pPr algn="ctr">
-              <a:buNone/>
-            </a:pPr>
-            <a:r>
-              <a:rPr lang="zh-CN" altLang="en-US" sz="5400" dirty="0" smtClean="0"/>
-              <a:t>他必指引你的路</a:t>
-            </a:r>
-            <a:endParaRPr lang="zh-TW" altLang="en-US" sz="5400" dirty="0"/>
+            <a:endParaRPr lang="zh-TW" altLang="en-US" sz="6400" b="1" dirty="0">
+              <a:solidFill>
+                <a:srgbClr val="000066"/>
+              </a:solidFill>
+              <a:latin typeface="Microsoft JhengHei" pitchFamily="34" charset="-120"/>
+              <a:ea typeface="Microsoft JhengHei" pitchFamily="34" charset="-120"/>
+            </a:endParaRPr>
           </a:p>
         </p:txBody>
       </p:sp>
     </p:spTree>
+    <p:extLst>
+      <p:ext uri="{BB962C8B-B14F-4D97-AF65-F5344CB8AC3E}">
+        <p14:creationId xmlns:p14="http://schemas.microsoft.com/office/powerpoint/2010/main" val="3755274534"/>
+      </p:ext>
+    </p:extLst>
   </p:cSld>
   <p:clrMapOvr>
     <a:masterClrMapping/>
   </p:clrMapOvr>
+  <p:timing>
+    <p:tnLst>
+      <p:par>
+        <p:cTn id="1" dur="indefinite" restart="never" nodeType="tmRoot"/>
+      </p:par>
+    </p:tnLst>
+  </p:timing>
 </p:sld>
 </file>
 
@@ -3768,29 +5411,6 @@
       </p:grpSpPr>
       <p:sp>
         <p:nvSpPr>
-          <p:cNvPr id="4" name="標題 3"/>
-          <p:cNvSpPr>
-            <a:spLocks noGrp="1"/>
-          </p:cNvSpPr>
-          <p:nvPr>
-            <p:ph type="title"/>
-          </p:nvPr>
-        </p:nvSpPr>
-        <p:spPr/>
-        <p:txBody>
-          <a:bodyPr/>
-          <a:lstStyle/>
-          <a:p>
-            <a:r>
-              <a:rPr lang="zh-CN" altLang="en-US" dirty="0" smtClean="0"/>
-              <a:t>靠主有福</a:t>
-            </a:r>
-            <a:endParaRPr lang="zh-TW" altLang="en-US" dirty="0"/>
-          </a:p>
-        </p:txBody>
-      </p:sp>
-      <p:sp>
-        <p:nvSpPr>
           <p:cNvPr id="5" name="內容版面配置區 4"/>
           <p:cNvSpPr>
             <a:spLocks noGrp="1"/>
@@ -3799,9 +5419,14 @@
             <p:ph idx="1"/>
           </p:nvPr>
         </p:nvSpPr>
-        <p:spPr/>
-        <p:txBody>
-          <a:bodyPr>
+        <p:spPr>
+          <a:xfrm>
+            <a:off x="0" y="2084851"/>
+            <a:ext cx="12192000" cy="2404863"/>
+          </a:xfrm>
+        </p:spPr>
+        <p:txBody>
+          <a:bodyPr anchor="ctr">
             <a:normAutofit/>
           </a:bodyPr>
           <a:lstStyle/>
@@ -3810,48 +5435,42 @@
               <a:buNone/>
             </a:pPr>
             <a:r>
-              <a:rPr lang="zh-CN" altLang="en-US" sz="5400" dirty="0" smtClean="0"/>
-              <a:t>蒙天父扶助的人真有福</a:t>
-            </a:r>
-            <a:endParaRPr lang="en-US" altLang="zh-CN" sz="5400" dirty="0" smtClean="0"/>
-          </a:p>
-          <a:p>
-            <a:pPr algn="ctr">
-              <a:buNone/>
-            </a:pPr>
-            <a:r>
-              <a:rPr lang="zh-CN" altLang="en-US" sz="5400" dirty="0" smtClean="0"/>
-              <a:t>主耶穌要與他為友</a:t>
-            </a:r>
-            <a:endParaRPr lang="en-US" altLang="zh-CN" sz="5400" dirty="0" smtClean="0"/>
-          </a:p>
-          <a:p>
-            <a:pPr algn="ctr">
-              <a:buNone/>
-            </a:pPr>
-            <a:r>
-              <a:rPr lang="zh-CN" altLang="en-US" sz="5400" dirty="0" smtClean="0"/>
-              <a:t>他不驚慌也不灰心喪膽</a:t>
-            </a:r>
-            <a:endParaRPr lang="en-US" altLang="zh-CN" sz="5400" dirty="0" smtClean="0"/>
-          </a:p>
-          <a:p>
-            <a:pPr algn="ctr">
-              <a:buNone/>
-            </a:pPr>
-            <a:r>
-              <a:rPr lang="zh-CN" altLang="en-US" sz="5400" dirty="0" smtClean="0"/>
-              <a:t>因主時常保護拯救</a:t>
-            </a:r>
-            <a:endParaRPr lang="en-US" altLang="zh-CN" sz="5400" dirty="0"/>
+              <a:rPr lang="zh-CN" altLang="en-US" sz="6400" b="1" dirty="0">
+                <a:solidFill>
+                  <a:srgbClr val="000066"/>
+                </a:solidFill>
+                <a:latin typeface="Microsoft JhengHei" pitchFamily="34" charset="-120"/>
+                <a:ea typeface="Microsoft JhengHei" pitchFamily="34" charset="-120"/>
+              </a:rPr>
+              <a:t>他必指引你的路</a:t>
+            </a:r>
+            <a:endParaRPr lang="zh-TW" altLang="en-US" sz="6400" b="1" dirty="0">
+              <a:solidFill>
+                <a:srgbClr val="000066"/>
+              </a:solidFill>
+              <a:latin typeface="Microsoft JhengHei" pitchFamily="34" charset="-120"/>
+              <a:ea typeface="Microsoft JhengHei" pitchFamily="34" charset="-120"/>
+            </a:endParaRPr>
           </a:p>
         </p:txBody>
       </p:sp>
     </p:spTree>
+    <p:extLst>
+      <p:ext uri="{BB962C8B-B14F-4D97-AF65-F5344CB8AC3E}">
+        <p14:creationId xmlns:p14="http://schemas.microsoft.com/office/powerpoint/2010/main" val="437463770"/>
+      </p:ext>
+    </p:extLst>
   </p:cSld>
   <p:clrMapOvr>
     <a:masterClrMapping/>
   </p:clrMapOvr>
+  <p:timing>
+    <p:tnLst>
+      <p:par>
+        <p:cTn id="1" dur="indefinite" restart="never" nodeType="tmRoot"/>
+      </p:par>
+    </p:tnLst>
+  </p:timing>
 </p:sld>
 </file>
 
@@ -3874,29 +5493,6 @@
       </p:grpSpPr>
       <p:sp>
         <p:nvSpPr>
-          <p:cNvPr id="4" name="標題 3"/>
-          <p:cNvSpPr>
-            <a:spLocks noGrp="1"/>
-          </p:cNvSpPr>
-          <p:nvPr>
-            <p:ph type="title"/>
-          </p:nvPr>
-        </p:nvSpPr>
-        <p:spPr/>
-        <p:txBody>
-          <a:bodyPr/>
-          <a:lstStyle/>
-          <a:p>
-            <a:r>
-              <a:rPr lang="zh-CN" altLang="en-US" dirty="0" smtClean="0"/>
-              <a:t>靠主有福</a:t>
-            </a:r>
-            <a:endParaRPr lang="zh-TW" altLang="en-US" dirty="0"/>
-          </a:p>
-        </p:txBody>
-      </p:sp>
-      <p:sp>
-        <p:nvSpPr>
           <p:cNvPr id="5" name="內容版面配置區 4"/>
           <p:cNvSpPr>
             <a:spLocks noGrp="1"/>
@@ -3905,9 +5501,14 @@
             <p:ph idx="1"/>
           </p:nvPr>
         </p:nvSpPr>
-        <p:spPr/>
-        <p:txBody>
-          <a:bodyPr>
+        <p:spPr>
+          <a:xfrm>
+            <a:off x="0" y="2084851"/>
+            <a:ext cx="12192000" cy="2404863"/>
+          </a:xfrm>
+        </p:spPr>
+        <p:txBody>
+          <a:bodyPr anchor="ctr">
             <a:normAutofit/>
           </a:bodyPr>
           <a:lstStyle/>
@@ -3916,38 +5517,64 @@
               <a:buNone/>
             </a:pPr>
             <a:r>
-              <a:rPr lang="zh-CN" altLang="en-US" sz="5400" dirty="0" smtClean="0"/>
+              <a:rPr lang="zh-CN" altLang="en-US" sz="6400" b="1" dirty="0">
+                <a:solidFill>
+                  <a:srgbClr val="000066"/>
+                </a:solidFill>
+                <a:latin typeface="Microsoft JhengHei" pitchFamily="34" charset="-120"/>
+                <a:ea typeface="Microsoft JhengHei" pitchFamily="34" charset="-120"/>
+              </a:rPr>
               <a:t>要倚靠主  專心靠主</a:t>
             </a:r>
-            <a:endParaRPr lang="en-US" altLang="zh-CN" sz="5400" dirty="0" smtClean="0"/>
+            <a:endParaRPr lang="en-US" altLang="zh-CN" sz="6400" b="1" dirty="0">
+              <a:solidFill>
+                <a:srgbClr val="000066"/>
+              </a:solidFill>
+              <a:latin typeface="Microsoft JhengHei" pitchFamily="34" charset="-120"/>
+              <a:ea typeface="Microsoft JhengHei" pitchFamily="34" charset="-120"/>
+            </a:endParaRPr>
           </a:p>
           <a:p>
             <a:pPr algn="ctr">
               <a:buNone/>
             </a:pPr>
             <a:r>
-              <a:rPr lang="zh-CN" altLang="en-US" sz="5400" dirty="0" smtClean="0"/>
+              <a:rPr lang="zh-CN" altLang="en-US" sz="6400" b="1" dirty="0">
+                <a:solidFill>
+                  <a:srgbClr val="000066"/>
+                </a:solidFill>
+                <a:latin typeface="Microsoft JhengHei" pitchFamily="34" charset="-120"/>
+                <a:ea typeface="Microsoft JhengHei" pitchFamily="34" charset="-120"/>
+              </a:rPr>
               <a:t>在一切事上要認定主</a:t>
             </a:r>
-            <a:endParaRPr lang="en-US" altLang="zh-CN" sz="5400" dirty="0" smtClean="0"/>
-          </a:p>
-          <a:p>
-            <a:pPr algn="ctr">
-              <a:buNone/>
-            </a:pPr>
-            <a:r>
-              <a:rPr lang="zh-CN" altLang="en-US" sz="5400" dirty="0" smtClean="0"/>
-              <a:t>他必指引你的路</a:t>
-            </a:r>
-            <a:endParaRPr lang="zh-TW" altLang="en-US" sz="5400" dirty="0"/>
+            <a:endParaRPr lang="zh-TW" altLang="en-US" sz="6400" b="1" dirty="0">
+              <a:solidFill>
+                <a:srgbClr val="000066"/>
+              </a:solidFill>
+              <a:latin typeface="Microsoft JhengHei" pitchFamily="34" charset="-120"/>
+              <a:ea typeface="Microsoft JhengHei" pitchFamily="34" charset="-120"/>
+            </a:endParaRPr>
           </a:p>
         </p:txBody>
       </p:sp>
     </p:spTree>
+    <p:extLst>
+      <p:ext uri="{BB962C8B-B14F-4D97-AF65-F5344CB8AC3E}">
+        <p14:creationId xmlns:p14="http://schemas.microsoft.com/office/powerpoint/2010/main" val="2811254690"/>
+      </p:ext>
+    </p:extLst>
   </p:cSld>
   <p:clrMapOvr>
     <a:masterClrMapping/>
   </p:clrMapOvr>
+  <p:timing>
+    <p:tnLst>
+      <p:par>
+        <p:cTn id="1" dur="indefinite" restart="never" nodeType="tmRoot"/>
+      </p:par>
+    </p:tnLst>
+  </p:timing>
 </p:sld>
 </file>
 
@@ -3970,29 +5597,6 @@
       </p:grpSpPr>
       <p:sp>
         <p:nvSpPr>
-          <p:cNvPr id="4" name="標題 3"/>
-          <p:cNvSpPr>
-            <a:spLocks noGrp="1"/>
-          </p:cNvSpPr>
-          <p:nvPr>
-            <p:ph type="title"/>
-          </p:nvPr>
-        </p:nvSpPr>
-        <p:spPr/>
-        <p:txBody>
-          <a:bodyPr/>
-          <a:lstStyle/>
-          <a:p>
-            <a:r>
-              <a:rPr lang="zh-CN" altLang="en-US" dirty="0" smtClean="0"/>
-              <a:t>靠主有福</a:t>
-            </a:r>
-            <a:endParaRPr lang="zh-TW" altLang="en-US" dirty="0"/>
-          </a:p>
-        </p:txBody>
-      </p:sp>
-      <p:sp>
-        <p:nvSpPr>
           <p:cNvPr id="5" name="內容版面配置區 4"/>
           <p:cNvSpPr>
             <a:spLocks noGrp="1"/>
@@ -4001,9 +5605,14 @@
             <p:ph idx="1"/>
           </p:nvPr>
         </p:nvSpPr>
-        <p:spPr/>
-        <p:txBody>
-          <a:bodyPr>
+        <p:spPr>
+          <a:xfrm>
+            <a:off x="0" y="2084851"/>
+            <a:ext cx="12192000" cy="2404863"/>
+          </a:xfrm>
+        </p:spPr>
+        <p:txBody>
+          <a:bodyPr anchor="ctr">
             <a:normAutofit/>
           </a:bodyPr>
           <a:lstStyle/>
@@ -4012,48 +5621,42 @@
               <a:buNone/>
             </a:pPr>
             <a:r>
-              <a:rPr lang="zh-CN" altLang="en-US" sz="5400" dirty="0" smtClean="0"/>
-              <a:t>常行在主道中者真有福</a:t>
-            </a:r>
-            <a:endParaRPr lang="en-US" altLang="zh-CN" sz="5400" dirty="0" smtClean="0"/>
-          </a:p>
-          <a:p>
-            <a:pPr algn="ctr">
-              <a:buNone/>
-            </a:pPr>
-            <a:r>
-              <a:rPr lang="zh-CN" altLang="en-US" sz="5400" dirty="0" smtClean="0"/>
-              <a:t>他日日向前又上升</a:t>
-            </a:r>
-            <a:endParaRPr lang="en-US" altLang="zh-CN" sz="5400" dirty="0" smtClean="0"/>
-          </a:p>
-          <a:p>
-            <a:pPr algn="ctr">
-              <a:buNone/>
-            </a:pPr>
-            <a:r>
-              <a:rPr lang="zh-CN" altLang="en-US" sz="5400" dirty="0" smtClean="0"/>
-              <a:t>因信行走在恩主慈愛中</a:t>
-            </a:r>
-            <a:endParaRPr lang="en-US" altLang="zh-CN" sz="5400" dirty="0" smtClean="0"/>
-          </a:p>
-          <a:p>
-            <a:pPr algn="ctr">
-              <a:buNone/>
-            </a:pPr>
-            <a:r>
-              <a:rPr lang="zh-CN" altLang="en-US" sz="5400" dirty="0" smtClean="0"/>
-              <a:t>主供給他一切需用</a:t>
-            </a:r>
-            <a:endParaRPr lang="en-US" altLang="zh-CN" sz="5400" dirty="0"/>
+              <a:rPr lang="zh-CN" altLang="en-US" sz="6400" b="1" dirty="0">
+                <a:solidFill>
+                  <a:srgbClr val="000066"/>
+                </a:solidFill>
+                <a:latin typeface="Microsoft JhengHei" pitchFamily="34" charset="-120"/>
+                <a:ea typeface="Microsoft JhengHei" pitchFamily="34" charset="-120"/>
+              </a:rPr>
+              <a:t>他必指引你的路</a:t>
+            </a:r>
+            <a:endParaRPr lang="zh-TW" altLang="en-US" sz="6400" b="1" dirty="0">
+              <a:solidFill>
+                <a:srgbClr val="000066"/>
+              </a:solidFill>
+              <a:latin typeface="Microsoft JhengHei" pitchFamily="34" charset="-120"/>
+              <a:ea typeface="Microsoft JhengHei" pitchFamily="34" charset="-120"/>
+            </a:endParaRPr>
           </a:p>
         </p:txBody>
       </p:sp>
     </p:spTree>
+    <p:extLst>
+      <p:ext uri="{BB962C8B-B14F-4D97-AF65-F5344CB8AC3E}">
+        <p14:creationId xmlns:p14="http://schemas.microsoft.com/office/powerpoint/2010/main" val="532607594"/>
+      </p:ext>
+    </p:extLst>
   </p:cSld>
   <p:clrMapOvr>
     <a:masterClrMapping/>
   </p:clrMapOvr>
+  <p:timing>
+    <p:tnLst>
+      <p:par>
+        <p:cTn id="1" dur="indefinite" restart="never" nodeType="tmRoot"/>
+      </p:par>
+    </p:tnLst>
+  </p:timing>
 </p:sld>
 </file>
 
@@ -4076,29 +5679,6 @@
       </p:grpSpPr>
       <p:sp>
         <p:nvSpPr>
-          <p:cNvPr id="4" name="標題 3"/>
-          <p:cNvSpPr>
-            <a:spLocks noGrp="1"/>
-          </p:cNvSpPr>
-          <p:nvPr>
-            <p:ph type="title"/>
-          </p:nvPr>
-        </p:nvSpPr>
-        <p:spPr/>
-        <p:txBody>
-          <a:bodyPr/>
-          <a:lstStyle/>
-          <a:p>
-            <a:r>
-              <a:rPr lang="zh-CN" altLang="en-US" dirty="0" smtClean="0"/>
-              <a:t>靠主有福</a:t>
-            </a:r>
-            <a:endParaRPr lang="zh-TW" altLang="en-US" dirty="0"/>
-          </a:p>
-        </p:txBody>
-      </p:sp>
-      <p:sp>
-        <p:nvSpPr>
           <p:cNvPr id="5" name="內容版面配置區 4"/>
           <p:cNvSpPr>
             <a:spLocks noGrp="1"/>
@@ -4107,9 +5687,14 @@
             <p:ph idx="1"/>
           </p:nvPr>
         </p:nvSpPr>
-        <p:spPr/>
-        <p:txBody>
-          <a:bodyPr>
+        <p:spPr>
+          <a:xfrm>
+            <a:off x="0" y="2084851"/>
+            <a:ext cx="12192000" cy="2404863"/>
+          </a:xfrm>
+        </p:spPr>
+        <p:txBody>
+          <a:bodyPr anchor="ctr">
             <a:normAutofit/>
           </a:bodyPr>
           <a:lstStyle/>
@@ -4118,43 +5703,251 @@
               <a:buNone/>
             </a:pPr>
             <a:r>
-              <a:rPr lang="zh-CN" altLang="en-US" sz="5400" dirty="0" smtClean="0"/>
-              <a:t>要倚靠主  專心靠主</a:t>
-            </a:r>
-            <a:endParaRPr lang="en-US" altLang="zh-CN" sz="5400" dirty="0" smtClean="0"/>
+              <a:rPr lang="zh-CN" altLang="en-US" sz="6400" b="1" dirty="0">
+                <a:solidFill>
+                  <a:srgbClr val="000066"/>
+                </a:solidFill>
+                <a:latin typeface="Microsoft JhengHei" pitchFamily="34" charset="-120"/>
+                <a:ea typeface="Microsoft JhengHei" pitchFamily="34" charset="-120"/>
+              </a:rPr>
+              <a:t>倚靠耶和華的人真有福</a:t>
+            </a:r>
+            <a:endParaRPr lang="en-US" altLang="zh-CN" sz="6400" b="1" dirty="0">
+              <a:solidFill>
+                <a:srgbClr val="000066"/>
+              </a:solidFill>
+              <a:latin typeface="Microsoft JhengHei" pitchFamily="34" charset="-120"/>
+              <a:ea typeface="Microsoft JhengHei" pitchFamily="34" charset="-120"/>
+            </a:endParaRPr>
           </a:p>
           <a:p>
             <a:pPr algn="ctr">
               <a:buNone/>
             </a:pPr>
             <a:r>
-              <a:rPr lang="zh-CN" altLang="en-US" sz="5400" dirty="0" smtClean="0"/>
-              <a:t>在一切事上要認定主</a:t>
-            </a:r>
-            <a:endParaRPr lang="en-US" altLang="zh-CN" sz="5400" dirty="0" smtClean="0"/>
-          </a:p>
-          <a:p>
-            <a:pPr algn="ctr">
-              <a:buNone/>
-            </a:pPr>
-            <a:r>
-              <a:rPr lang="zh-CN" altLang="en-US" sz="5400" dirty="0" smtClean="0"/>
-              <a:t>他必指引你的路</a:t>
-            </a:r>
-            <a:endParaRPr lang="zh-TW" altLang="en-US" sz="5400" dirty="0"/>
+              <a:rPr lang="zh-CN" altLang="en-US" sz="6400" b="1" dirty="0">
+                <a:solidFill>
+                  <a:srgbClr val="000066"/>
+                </a:solidFill>
+                <a:latin typeface="Microsoft JhengHei" pitchFamily="34" charset="-120"/>
+                <a:ea typeface="Microsoft JhengHei" pitchFamily="34" charset="-120"/>
+              </a:rPr>
+              <a:t>不離開主安排正路</a:t>
+            </a:r>
+            <a:endParaRPr lang="en-US" altLang="zh-CN" sz="6400" b="1" dirty="0">
+              <a:solidFill>
+                <a:srgbClr val="000066"/>
+              </a:solidFill>
+              <a:latin typeface="Microsoft JhengHei" pitchFamily="34" charset="-120"/>
+              <a:ea typeface="Microsoft JhengHei" pitchFamily="34" charset="-120"/>
+            </a:endParaRPr>
+          </a:p>
+        </p:txBody>
+      </p:sp>
+      <p:sp>
+        <p:nvSpPr>
+          <p:cNvPr id="3" name="TextBox 2"/>
+          <p:cNvSpPr txBox="1"/>
+          <p:nvPr/>
+        </p:nvSpPr>
+        <p:spPr>
+          <a:xfrm>
+            <a:off x="0" y="5349214"/>
+            <a:ext cx="12192000" cy="830997"/>
+          </a:xfrm>
+          <a:prstGeom prst="rect">
+            <a:avLst/>
+          </a:prstGeom>
+          <a:noFill/>
+        </p:spPr>
+        <p:txBody>
+          <a:bodyPr wrap="square" rtlCol="0">
+            <a:spAutoFit/>
+          </a:bodyPr>
+          <a:lstStyle/>
+          <a:p>
+            <a:pPr algn="ctr"/>
+            <a:r>
+              <a:rPr lang="en-US" sz="4800" b="1" dirty="0">
+                <a:solidFill>
+                  <a:srgbClr val="000066"/>
+                </a:solidFill>
+              </a:rPr>
+              <a:t>( 2 )</a:t>
+            </a:r>
+            <a:endParaRPr lang="vi-VN" sz="4800" b="1" dirty="0">
+              <a:solidFill>
+                <a:srgbClr val="000066"/>
+              </a:solidFill>
+            </a:endParaRPr>
           </a:p>
         </p:txBody>
       </p:sp>
     </p:spTree>
+    <p:extLst>
+      <p:ext uri="{BB962C8B-B14F-4D97-AF65-F5344CB8AC3E}">
+        <p14:creationId xmlns:p14="http://schemas.microsoft.com/office/powerpoint/2010/main" val="4078922029"/>
+      </p:ext>
+    </p:extLst>
   </p:cSld>
   <p:clrMapOvr>
     <a:masterClrMapping/>
   </p:clrMapOvr>
+  <p:timing>
+    <p:tnLst>
+      <p:par>
+        <p:cTn id="1" dur="indefinite" restart="never" nodeType="tmRoot"/>
+      </p:par>
+    </p:tnLst>
+  </p:timing>
+</p:sld>
+</file>
+
+<file path=ppt/slides/slide9.xml><?xml version="1.0" encoding="utf-8"?>
+<p:sld xmlns:a="http://schemas.openxmlformats.org/drawingml/2006/main" xmlns:r="http://schemas.openxmlformats.org/officeDocument/2006/relationships" xmlns:p="http://schemas.openxmlformats.org/presentationml/2006/main">
+  <p:cSld>
+    <p:spTree>
+      <p:nvGrpSpPr>
+        <p:cNvPr id="1" name=""/>
+        <p:cNvGrpSpPr/>
+        <p:nvPr/>
+      </p:nvGrpSpPr>
+      <p:grpSpPr>
+        <a:xfrm>
+          <a:off x="0" y="0"/>
+          <a:ext cx="0" cy="0"/>
+          <a:chOff x="0" y="0"/>
+          <a:chExt cx="0" cy="0"/>
+        </a:xfrm>
+      </p:grpSpPr>
+      <p:sp>
+        <p:nvSpPr>
+          <p:cNvPr id="5" name="內容版面配置區 4"/>
+          <p:cNvSpPr>
+            <a:spLocks noGrp="1"/>
+          </p:cNvSpPr>
+          <p:nvPr>
+            <p:ph idx="1"/>
+          </p:nvPr>
+        </p:nvSpPr>
+        <p:spPr>
+          <a:xfrm>
+            <a:off x="0" y="2084851"/>
+            <a:ext cx="12192000" cy="2404863"/>
+          </a:xfrm>
+        </p:spPr>
+        <p:txBody>
+          <a:bodyPr anchor="ctr">
+            <a:normAutofit/>
+          </a:bodyPr>
+          <a:lstStyle/>
+          <a:p>
+            <a:pPr algn="ctr">
+              <a:buNone/>
+            </a:pPr>
+            <a:r>
+              <a:rPr lang="zh-CN" altLang="en-US" sz="6400" b="1" dirty="0">
+                <a:solidFill>
+                  <a:srgbClr val="000066"/>
+                </a:solidFill>
+                <a:latin typeface="Microsoft JhengHei" pitchFamily="34" charset="-120"/>
+                <a:ea typeface="Microsoft JhengHei" pitchFamily="34" charset="-120"/>
+              </a:rPr>
+              <a:t>忍耐堅守所承認的指望</a:t>
+            </a:r>
+            <a:endParaRPr lang="en-US" altLang="zh-CN" sz="6400" b="1" dirty="0">
+              <a:solidFill>
+                <a:srgbClr val="000066"/>
+              </a:solidFill>
+              <a:latin typeface="Microsoft JhengHei" pitchFamily="34" charset="-120"/>
+              <a:ea typeface="Microsoft JhengHei" pitchFamily="34" charset="-120"/>
+            </a:endParaRPr>
+          </a:p>
+          <a:p>
+            <a:pPr algn="ctr">
+              <a:buNone/>
+            </a:pPr>
+            <a:r>
+              <a:rPr lang="zh-CN" altLang="en-US" sz="6400" b="1" dirty="0">
+                <a:solidFill>
+                  <a:srgbClr val="000066"/>
+                </a:solidFill>
+                <a:latin typeface="Microsoft JhengHei" pitchFamily="34" charset="-120"/>
+                <a:ea typeface="Microsoft JhengHei" pitchFamily="34" charset="-120"/>
+              </a:rPr>
+              <a:t>主也保守他的腳步</a:t>
+            </a:r>
+            <a:endParaRPr lang="en-US" altLang="zh-CN" sz="6400" b="1" dirty="0">
+              <a:solidFill>
+                <a:srgbClr val="000066"/>
+              </a:solidFill>
+              <a:latin typeface="Microsoft JhengHei" pitchFamily="34" charset="-120"/>
+              <a:ea typeface="Microsoft JhengHei" pitchFamily="34" charset="-120"/>
+            </a:endParaRPr>
+          </a:p>
+        </p:txBody>
+      </p:sp>
+      <p:sp>
+        <p:nvSpPr>
+          <p:cNvPr id="3" name="TextBox 2"/>
+          <p:cNvSpPr txBox="1"/>
+          <p:nvPr/>
+        </p:nvSpPr>
+        <p:spPr>
+          <a:xfrm>
+            <a:off x="0" y="5349214"/>
+            <a:ext cx="12192000" cy="830997"/>
+          </a:xfrm>
+          <a:prstGeom prst="rect">
+            <a:avLst/>
+          </a:prstGeom>
+          <a:noFill/>
+        </p:spPr>
+        <p:txBody>
+          <a:bodyPr wrap="square" rtlCol="0">
+            <a:spAutoFit/>
+          </a:bodyPr>
+          <a:lstStyle/>
+          <a:p>
+            <a:pPr algn="ctr"/>
+            <a:r>
+              <a:rPr lang="en-US" sz="4800" b="1" dirty="0">
+                <a:solidFill>
+                  <a:srgbClr val="000066"/>
+                </a:solidFill>
+              </a:rPr>
+              <a:t>( 2 )</a:t>
+            </a:r>
+            <a:endParaRPr lang="vi-VN" sz="4800" b="1" dirty="0">
+              <a:solidFill>
+                <a:srgbClr val="000066"/>
+              </a:solidFill>
+            </a:endParaRPr>
+          </a:p>
+        </p:txBody>
+      </p:sp>
+    </p:spTree>
+    <p:extLst>
+      <p:ext uri="{BB962C8B-B14F-4D97-AF65-F5344CB8AC3E}">
+        <p14:creationId xmlns:p14="http://schemas.microsoft.com/office/powerpoint/2010/main" val="2108352969"/>
+      </p:ext>
+    </p:extLst>
+  </p:cSld>
+  <p:clrMapOvr>
+    <a:masterClrMapping/>
+  </p:clrMapOvr>
+  <p:timing>
+    <p:tnLst>
+      <p:par>
+        <p:cTn id="1" dur="indefinite" restart="never" nodeType="tmRoot"/>
+      </p:par>
+    </p:tnLst>
+  </p:timing>
 </p:sld>
 </file>
 
 <file path=ppt/theme/theme1.xml><?xml version="1.0" encoding="utf-8"?>
-<a:theme xmlns:a="http://schemas.openxmlformats.org/drawingml/2006/main" name="佈景主題3">
+<a:theme xmlns:a="http://schemas.openxmlformats.org/drawingml/2006/main" name="Theme1">
   <a:themeElements>
     <a:clrScheme name="Office">
       <a:dk1>
@@ -4433,5 +6226,10 @@
   </a:themeElements>
   <a:objectDefaults/>
   <a:extraClrSchemeLst/>
+  <a:extLst>
+    <a:ext uri="{05A4C25C-085E-4340-85A3-A5531E510DB2}">
+      <thm15:themeFamily xmlns:thm15="http://schemas.microsoft.com/office/thememl/2012/main" name="Theme1" id="{1A8DE197-990E-4893-BF04-3823FBB50F9A}" vid="{430B7048-5A04-4BDB-939A-C7E865DB887B}"/>
+    </a:ext>
+  </a:extLst>
 </a:theme>
 </file>
--- a/宣道詩/(宣道詩79)靠主有福.pptx
+++ b/宣道詩/(宣道詩79)靠主有福.pptx
@@ -328,7 +328,7 @@
           <a:p>
             <a:fld id="{4C5DC20A-0605-4CAC-AD9A-87AD9FC8ABAD}" type="datetimeFigureOut">
               <a:rPr lang="zh-TW" altLang="en-US" smtClean="0"/>
-              <a:t>2021/2/20</a:t>
+              <a:t>2022/11/26</a:t>
             </a:fld>
             <a:endParaRPr lang="zh-TW" altLang="en-US"/>
           </a:p>
@@ -498,7 +498,7 @@
           <a:p>
             <a:fld id="{4C5DC20A-0605-4CAC-AD9A-87AD9FC8ABAD}" type="datetimeFigureOut">
               <a:rPr lang="zh-TW" altLang="en-US" smtClean="0"/>
-              <a:t>2021/2/20</a:t>
+              <a:t>2022/11/26</a:t>
             </a:fld>
             <a:endParaRPr lang="zh-TW" altLang="en-US"/>
           </a:p>
@@ -678,7 +678,7 @@
           <a:p>
             <a:fld id="{4C5DC20A-0605-4CAC-AD9A-87AD9FC8ABAD}" type="datetimeFigureOut">
               <a:rPr lang="zh-TW" altLang="en-US" smtClean="0"/>
-              <a:t>2021/2/20</a:t>
+              <a:t>2022/11/26</a:t>
             </a:fld>
             <a:endParaRPr lang="zh-TW" altLang="en-US"/>
           </a:p>
@@ -848,7 +848,7 @@
           <a:p>
             <a:fld id="{4C5DC20A-0605-4CAC-AD9A-87AD9FC8ABAD}" type="datetimeFigureOut">
               <a:rPr lang="zh-TW" altLang="en-US" smtClean="0"/>
-              <a:t>2021/2/20</a:t>
+              <a:t>2022/11/26</a:t>
             </a:fld>
             <a:endParaRPr lang="zh-TW" altLang="en-US"/>
           </a:p>
@@ -1094,7 +1094,7 @@
           <a:p>
             <a:fld id="{4C5DC20A-0605-4CAC-AD9A-87AD9FC8ABAD}" type="datetimeFigureOut">
               <a:rPr lang="zh-TW" altLang="en-US" smtClean="0"/>
-              <a:t>2021/2/20</a:t>
+              <a:t>2022/11/26</a:t>
             </a:fld>
             <a:endParaRPr lang="zh-TW" altLang="en-US"/>
           </a:p>
@@ -1382,7 +1382,7 @@
           <a:p>
             <a:fld id="{4C5DC20A-0605-4CAC-AD9A-87AD9FC8ABAD}" type="datetimeFigureOut">
               <a:rPr lang="zh-TW" altLang="en-US" smtClean="0"/>
-              <a:t>2021/2/20</a:t>
+              <a:t>2022/11/26</a:t>
             </a:fld>
             <a:endParaRPr lang="zh-TW" altLang="en-US"/>
           </a:p>
@@ -1804,7 +1804,7 @@
           <a:p>
             <a:fld id="{4C5DC20A-0605-4CAC-AD9A-87AD9FC8ABAD}" type="datetimeFigureOut">
               <a:rPr lang="zh-TW" altLang="en-US" smtClean="0"/>
-              <a:t>2021/2/20</a:t>
+              <a:t>2022/11/26</a:t>
             </a:fld>
             <a:endParaRPr lang="zh-TW" altLang="en-US"/>
           </a:p>
@@ -1922,7 +1922,7 @@
           <a:p>
             <a:fld id="{4C5DC20A-0605-4CAC-AD9A-87AD9FC8ABAD}" type="datetimeFigureOut">
               <a:rPr lang="zh-TW" altLang="en-US" smtClean="0"/>
-              <a:t>2021/2/20</a:t>
+              <a:t>2022/11/26</a:t>
             </a:fld>
             <a:endParaRPr lang="zh-TW" altLang="en-US"/>
           </a:p>
@@ -2017,7 +2017,7 @@
           <a:p>
             <a:fld id="{4C5DC20A-0605-4CAC-AD9A-87AD9FC8ABAD}" type="datetimeFigureOut">
               <a:rPr lang="zh-TW" altLang="en-US" smtClean="0"/>
-              <a:t>2021/2/20</a:t>
+              <a:t>2022/11/26</a:t>
             </a:fld>
             <a:endParaRPr lang="zh-TW" altLang="en-US"/>
           </a:p>
@@ -2294,7 +2294,7 @@
           <a:p>
             <a:fld id="{4C5DC20A-0605-4CAC-AD9A-87AD9FC8ABAD}" type="datetimeFigureOut">
               <a:rPr lang="zh-TW" altLang="en-US" smtClean="0"/>
-              <a:t>2021/2/20</a:t>
+              <a:t>2022/11/26</a:t>
             </a:fld>
             <a:endParaRPr lang="zh-TW" altLang="en-US"/>
           </a:p>
@@ -2551,7 +2551,7 @@
           <a:p>
             <a:fld id="{4C5DC20A-0605-4CAC-AD9A-87AD9FC8ABAD}" type="datetimeFigureOut">
               <a:rPr lang="zh-TW" altLang="en-US" smtClean="0"/>
-              <a:t>2021/2/20</a:t>
+              <a:t>2022/11/26</a:t>
             </a:fld>
             <a:endParaRPr lang="zh-TW" altLang="en-US"/>
           </a:p>
@@ -2769,7 +2769,7 @@
           <a:p>
             <a:fld id="{4C5DC20A-0605-4CAC-AD9A-87AD9FC8ABAD}" type="datetimeFigureOut">
               <a:rPr lang="zh-TW" altLang="en-US" smtClean="0"/>
-              <a:t>2021/2/20</a:t>
+              <a:t>2022/11/26</a:t>
             </a:fld>
             <a:endParaRPr lang="zh-TW" altLang="en-US"/>
           </a:p>
@@ -3156,7 +3156,7 @@
         </p:nvSpPr>
         <p:spPr>
           <a:xfrm>
-            <a:off x="0" y="2857513"/>
+            <a:off x="0" y="2708920"/>
             <a:ext cx="12192000" cy="1143000"/>
           </a:xfrm>
         </p:spPr>
@@ -3248,24 +3248,7 @@
                 <a:latin typeface="微軟正黑體" pitchFamily="34" charset="-120"/>
                 <a:ea typeface="微軟正黑體" pitchFamily="34" charset="-120"/>
               </a:rPr>
-              <a:t>靠</a:t>
-            </a:r>
-            <a:r>
-              <a:rPr lang="zh-CN" altLang="en-US" sz="8000" b="1" dirty="0">
-                <a:solidFill>
-                  <a:srgbClr val="000066"/>
-                </a:solidFill>
-                <a:effectLst>
-                  <a:outerShdw blurRad="38100" dist="38100" dir="2700000" algn="tl">
-                    <a:srgbClr val="000000">
-                      <a:alpha val="43137"/>
-                    </a:srgbClr>
-                  </a:outerShdw>
-                </a:effectLst>
-                <a:latin typeface="微軟正黑體" pitchFamily="34" charset="-120"/>
-                <a:ea typeface="微軟正黑體" pitchFamily="34" charset="-120"/>
-              </a:rPr>
-              <a:t>主有福</a:t>
+              <a:t>靠主有福</a:t>
             </a:r>
             <a:endParaRPr lang="zh-TW" altLang="en-US" sz="8000" b="1" dirty="0">
               <a:solidFill>
@@ -3458,7 +3441,17 @@
                 <a:latin typeface="Microsoft JhengHei" pitchFamily="34" charset="-120"/>
                 <a:ea typeface="Microsoft JhengHei" pitchFamily="34" charset="-120"/>
               </a:rPr>
-              <a:t>他必指引你的路</a:t>
+              <a:t>祂必</a:t>
+            </a:r>
+            <a:r>
+              <a:rPr lang="zh-CN" altLang="en-US" sz="6400" b="1" dirty="0">
+                <a:solidFill>
+                  <a:srgbClr val="000066"/>
+                </a:solidFill>
+                <a:latin typeface="Microsoft JhengHei" pitchFamily="34" charset="-120"/>
+                <a:ea typeface="Microsoft JhengHei" pitchFamily="34" charset="-120"/>
+              </a:rPr>
+              <a:t>指引你的路</a:t>
             </a:r>
             <a:endParaRPr lang="zh-TW" altLang="en-US" sz="6400" b="1" dirty="0">
               <a:solidFill>
@@ -3644,7 +3637,17 @@
                 <a:latin typeface="Microsoft JhengHei" pitchFamily="34" charset="-120"/>
                 <a:ea typeface="Microsoft JhengHei" pitchFamily="34" charset="-120"/>
               </a:rPr>
-              <a:t>他必指引你的路</a:t>
+              <a:t>祂必</a:t>
+            </a:r>
+            <a:r>
+              <a:rPr lang="zh-CN" altLang="en-US" sz="6400" b="1" dirty="0">
+                <a:solidFill>
+                  <a:srgbClr val="000066"/>
+                </a:solidFill>
+                <a:latin typeface="Microsoft JhengHei" pitchFamily="34" charset="-120"/>
+                <a:ea typeface="Microsoft JhengHei" pitchFamily="34" charset="-120"/>
+              </a:rPr>
+              <a:t>指引你的路</a:t>
             </a:r>
             <a:endParaRPr lang="zh-TW" altLang="en-US" sz="6400" b="1" dirty="0">
               <a:solidFill>
@@ -3769,7 +3772,7 @@
         <p:spPr>
           <a:xfrm>
             <a:off x="0" y="5349214"/>
-            <a:ext cx="12192000" cy="830997"/>
+            <a:ext cx="12192000" cy="769441"/>
           </a:xfrm>
           <a:prstGeom prst="rect">
             <a:avLst/>
@@ -3784,14 +3787,14 @@
           <a:p>
             <a:pPr algn="ctr"/>
             <a:r>
-              <a:rPr lang="en-US" sz="4800" b="1" dirty="0">
+              <a:rPr lang="en-US" sz="4400" b="1" dirty="0">
                 <a:solidFill>
                   <a:srgbClr val="000066"/>
                 </a:solidFill>
               </a:rPr>
-              <a:t>( 3 )</a:t>
-            </a:r>
-            <a:endParaRPr lang="vi-VN" sz="4800" b="1" dirty="0">
+              <a:t>( 3 / 4 )</a:t>
+            </a:r>
+            <a:endParaRPr lang="vi-VN" sz="4400" b="1" dirty="0">
               <a:solidFill>
                 <a:srgbClr val="000066"/>
               </a:solidFill>
@@ -3912,7 +3915,7 @@
         <p:spPr>
           <a:xfrm>
             <a:off x="0" y="5349214"/>
-            <a:ext cx="12192000" cy="830997"/>
+            <a:ext cx="12192000" cy="769441"/>
           </a:xfrm>
           <a:prstGeom prst="rect">
             <a:avLst/>
@@ -3927,14 +3930,14 @@
           <a:p>
             <a:pPr algn="ctr"/>
             <a:r>
-              <a:rPr lang="en-US" sz="4800" b="1" dirty="0">
+              <a:rPr lang="en-US" sz="4400" b="1" dirty="0">
                 <a:solidFill>
                   <a:srgbClr val="000066"/>
                 </a:solidFill>
               </a:rPr>
-              <a:t>( 3 )</a:t>
-            </a:r>
-            <a:endParaRPr lang="vi-VN" sz="4800" b="1" dirty="0">
+              <a:t>( 3 / 4 )</a:t>
+            </a:r>
+            <a:endParaRPr lang="vi-VN" sz="4400" b="1" dirty="0">
               <a:solidFill>
                 <a:srgbClr val="000066"/>
               </a:solidFill>
@@ -4116,7 +4119,17 @@
                 <a:latin typeface="Microsoft JhengHei" pitchFamily="34" charset="-120"/>
                 <a:ea typeface="Microsoft JhengHei" pitchFamily="34" charset="-120"/>
               </a:rPr>
-              <a:t>他必指引你的路</a:t>
+              <a:t>祂必</a:t>
+            </a:r>
+            <a:r>
+              <a:rPr lang="zh-CN" altLang="en-US" sz="6400" b="1" dirty="0">
+                <a:solidFill>
+                  <a:srgbClr val="000066"/>
+                </a:solidFill>
+                <a:latin typeface="Microsoft JhengHei" pitchFamily="34" charset="-120"/>
+                <a:ea typeface="Microsoft JhengHei" pitchFamily="34" charset="-120"/>
+              </a:rPr>
+              <a:t>指引你的路</a:t>
             </a:r>
             <a:endParaRPr lang="zh-TW" altLang="en-US" sz="6400" b="1" dirty="0">
               <a:solidFill>
@@ -4302,7 +4315,17 @@
                 <a:latin typeface="Microsoft JhengHei" pitchFamily="34" charset="-120"/>
                 <a:ea typeface="Microsoft JhengHei" pitchFamily="34" charset="-120"/>
               </a:rPr>
-              <a:t>他必指引你的路</a:t>
+              <a:t>祂必</a:t>
+            </a:r>
+            <a:r>
+              <a:rPr lang="zh-CN" altLang="en-US" sz="6400" b="1" dirty="0">
+                <a:solidFill>
+                  <a:srgbClr val="000066"/>
+                </a:solidFill>
+                <a:latin typeface="Microsoft JhengHei" pitchFamily="34" charset="-120"/>
+                <a:ea typeface="Microsoft JhengHei" pitchFamily="34" charset="-120"/>
+              </a:rPr>
+              <a:t>指引你的路</a:t>
             </a:r>
             <a:endParaRPr lang="zh-TW" altLang="en-US" sz="6400" b="1" dirty="0">
               <a:solidFill>
@@ -4384,17 +4407,7 @@
                 <a:latin typeface="Microsoft JhengHei" pitchFamily="34" charset="-120"/>
                 <a:ea typeface="Microsoft JhengHei" pitchFamily="34" charset="-120"/>
               </a:rPr>
-              <a:t>倚</a:t>
-            </a:r>
-            <a:r>
-              <a:rPr lang="zh-CN" altLang="en-US" sz="6400" b="1" dirty="0">
-                <a:solidFill>
-                  <a:srgbClr val="000066"/>
-                </a:solidFill>
-                <a:latin typeface="Microsoft JhengHei" pitchFamily="34" charset="-120"/>
-                <a:ea typeface="Microsoft JhengHei" pitchFamily="34" charset="-120"/>
-              </a:rPr>
-              <a:t>靠耶和華的人真有福</a:t>
+              <a:t>倚靠耶和華的人真有福</a:t>
             </a:r>
             <a:endParaRPr lang="en-US" altLang="zh-CN" sz="6400" b="1" dirty="0">
               <a:solidFill>
@@ -4437,7 +4450,7 @@
         <p:spPr>
           <a:xfrm>
             <a:off x="0" y="5349214"/>
-            <a:ext cx="12192000" cy="830997"/>
+            <a:ext cx="12192000" cy="769441"/>
           </a:xfrm>
           <a:prstGeom prst="rect">
             <a:avLst/>
@@ -4452,14 +4465,30 @@
           <a:p>
             <a:pPr algn="ctr"/>
             <a:r>
-              <a:rPr lang="en-US" sz="4800" b="1" dirty="0">
+              <a:rPr lang="en-US" sz="4400" b="1" dirty="0">
                 <a:solidFill>
                   <a:srgbClr val="000066"/>
                 </a:solidFill>
               </a:rPr>
-              <a:t>( 1 )</a:t>
-            </a:r>
-            <a:endParaRPr lang="vi-VN" sz="4800" b="1" dirty="0">
+              <a:t>( </a:t>
+            </a:r>
+            <a:r>
+              <a:rPr lang="en-US" sz="4400" b="1" dirty="0" smtClean="0">
+                <a:solidFill>
+                  <a:srgbClr val="000066"/>
+                </a:solidFill>
+              </a:rPr>
+              <a:t>1 / 4 </a:t>
+            </a:r>
+            <a:r>
+              <a:rPr lang="en-US" sz="4400" b="1" dirty="0">
+                <a:solidFill>
+                  <a:srgbClr val="000066"/>
+                </a:solidFill>
+              </a:rPr>
+              <a:t>)</a:t>
+            </a:r>
+            <a:endParaRPr lang="vi-VN" sz="4400" b="1" dirty="0">
               <a:solidFill>
                 <a:srgbClr val="000066"/>
               </a:solidFill>
@@ -4580,7 +4609,7 @@
         <p:spPr>
           <a:xfrm>
             <a:off x="0" y="5349214"/>
-            <a:ext cx="12192000" cy="830997"/>
+            <a:ext cx="12192000" cy="769441"/>
           </a:xfrm>
           <a:prstGeom prst="rect">
             <a:avLst/>
@@ -4595,14 +4624,14 @@
           <a:p>
             <a:pPr algn="ctr"/>
             <a:r>
-              <a:rPr lang="en-US" sz="4800" b="1" dirty="0">
+              <a:rPr lang="en-US" sz="4400" b="1" dirty="0">
                 <a:solidFill>
                   <a:srgbClr val="000066"/>
                 </a:solidFill>
               </a:rPr>
-              <a:t>( 4 )</a:t>
-            </a:r>
-            <a:endParaRPr lang="vi-VN" sz="4800" b="1" dirty="0">
+              <a:t>( 4 / 4 )</a:t>
+            </a:r>
+            <a:endParaRPr lang="vi-VN" sz="4400" b="1" dirty="0">
               <a:solidFill>
                 <a:srgbClr val="000066"/>
               </a:solidFill>
@@ -4723,7 +4752,7 @@
         <p:spPr>
           <a:xfrm>
             <a:off x="0" y="5349214"/>
-            <a:ext cx="12192000" cy="830997"/>
+            <a:ext cx="12192000" cy="769441"/>
           </a:xfrm>
           <a:prstGeom prst="rect">
             <a:avLst/>
@@ -4738,14 +4767,14 @@
           <a:p>
             <a:pPr algn="ctr"/>
             <a:r>
-              <a:rPr lang="en-US" sz="4800" b="1" dirty="0">
+              <a:rPr lang="en-US" sz="4400" b="1" dirty="0">
                 <a:solidFill>
                   <a:srgbClr val="000066"/>
                 </a:solidFill>
               </a:rPr>
-              <a:t>( 4 )</a:t>
-            </a:r>
-            <a:endParaRPr lang="vi-VN" sz="4800" b="1" dirty="0">
+              <a:t>( 4 / 4 )</a:t>
+            </a:r>
+            <a:endParaRPr lang="vi-VN" sz="4400" b="1" dirty="0">
               <a:solidFill>
                 <a:srgbClr val="000066"/>
               </a:solidFill>
@@ -4927,7 +4956,17 @@
                 <a:latin typeface="Microsoft JhengHei" pitchFamily="34" charset="-120"/>
                 <a:ea typeface="Microsoft JhengHei" pitchFamily="34" charset="-120"/>
               </a:rPr>
-              <a:t>他必指引你的路</a:t>
+              <a:t>祂必</a:t>
+            </a:r>
+            <a:r>
+              <a:rPr lang="zh-CN" altLang="en-US" sz="6400" b="1" dirty="0">
+                <a:solidFill>
+                  <a:srgbClr val="000066"/>
+                </a:solidFill>
+                <a:latin typeface="Microsoft JhengHei" pitchFamily="34" charset="-120"/>
+                <a:ea typeface="Microsoft JhengHei" pitchFamily="34" charset="-120"/>
+              </a:rPr>
+              <a:t>指引你的路</a:t>
             </a:r>
             <a:endParaRPr lang="zh-TW" altLang="en-US" sz="6400" b="1" dirty="0">
               <a:solidFill>
@@ -5113,7 +5152,17 @@
                 <a:latin typeface="Microsoft JhengHei" pitchFamily="34" charset="-120"/>
                 <a:ea typeface="Microsoft JhengHei" pitchFamily="34" charset="-120"/>
               </a:rPr>
-              <a:t>他必指引你的路</a:t>
+              <a:t>祂必</a:t>
+            </a:r>
+            <a:r>
+              <a:rPr lang="zh-CN" altLang="en-US" sz="6400" b="1" dirty="0">
+                <a:solidFill>
+                  <a:srgbClr val="000066"/>
+                </a:solidFill>
+                <a:latin typeface="Microsoft JhengHei" pitchFamily="34" charset="-120"/>
+                <a:ea typeface="Microsoft JhengHei" pitchFamily="34" charset="-120"/>
+              </a:rPr>
+              <a:t>指引你的路</a:t>
             </a:r>
             <a:endParaRPr lang="zh-TW" altLang="en-US" sz="6400" b="1" dirty="0">
               <a:solidFill>
@@ -5238,7 +5287,7 @@
         <p:spPr>
           <a:xfrm>
             <a:off x="0" y="5349214"/>
-            <a:ext cx="12192000" cy="830997"/>
+            <a:ext cx="12192000" cy="769441"/>
           </a:xfrm>
           <a:prstGeom prst="rect">
             <a:avLst/>
@@ -5253,14 +5302,14 @@
           <a:p>
             <a:pPr algn="ctr"/>
             <a:r>
-              <a:rPr lang="en-US" sz="4800" b="1" dirty="0">
+              <a:rPr lang="en-US" sz="4400" b="1" dirty="0">
                 <a:solidFill>
                   <a:srgbClr val="000066"/>
                 </a:solidFill>
               </a:rPr>
-              <a:t>( 1 )</a:t>
-            </a:r>
-            <a:endParaRPr lang="vi-VN" sz="4800" b="1" dirty="0">
+              <a:t>( 1 / 4 )</a:t>
+            </a:r>
+            <a:endParaRPr lang="vi-VN" sz="4400" b="1" dirty="0">
               <a:solidFill>
                 <a:srgbClr val="000066"/>
               </a:solidFill>
@@ -5435,14 +5484,24 @@
               <a:buNone/>
             </a:pPr>
             <a:r>
-              <a:rPr lang="zh-CN" altLang="en-US" sz="6400" b="1" dirty="0">
+              <a:rPr lang="zh-CN" altLang="en-US" sz="6400" b="1" dirty="0" smtClean="0">
                 <a:solidFill>
                   <a:srgbClr val="000066"/>
                 </a:solidFill>
                 <a:latin typeface="Microsoft JhengHei" pitchFamily="34" charset="-120"/>
                 <a:ea typeface="Microsoft JhengHei" pitchFamily="34" charset="-120"/>
               </a:rPr>
-              <a:t>他必指引你的路</a:t>
+              <a:t>祂必</a:t>
+            </a:r>
+            <a:r>
+              <a:rPr lang="zh-CN" altLang="en-US" sz="6400" b="1" dirty="0">
+                <a:solidFill>
+                  <a:srgbClr val="000066"/>
+                </a:solidFill>
+                <a:latin typeface="Microsoft JhengHei" pitchFamily="34" charset="-120"/>
+                <a:ea typeface="Microsoft JhengHei" pitchFamily="34" charset="-120"/>
+              </a:rPr>
+              <a:t>指引你的路</a:t>
             </a:r>
             <a:endParaRPr lang="zh-TW" altLang="en-US" sz="6400" b="1" dirty="0">
               <a:solidFill>
@@ -5628,7 +5687,17 @@
                 <a:latin typeface="Microsoft JhengHei" pitchFamily="34" charset="-120"/>
                 <a:ea typeface="Microsoft JhengHei" pitchFamily="34" charset="-120"/>
               </a:rPr>
-              <a:t>他必指引你的路</a:t>
+              <a:t>祂必</a:t>
+            </a:r>
+            <a:r>
+              <a:rPr lang="zh-CN" altLang="en-US" sz="6400" b="1" dirty="0">
+                <a:solidFill>
+                  <a:srgbClr val="000066"/>
+                </a:solidFill>
+                <a:latin typeface="Microsoft JhengHei" pitchFamily="34" charset="-120"/>
+                <a:ea typeface="Microsoft JhengHei" pitchFamily="34" charset="-120"/>
+              </a:rPr>
+              <a:t>指引你的路</a:t>
             </a:r>
             <a:endParaRPr lang="zh-TW" altLang="en-US" sz="6400" b="1" dirty="0">
               <a:solidFill>
@@ -5753,7 +5822,7 @@
         <p:spPr>
           <a:xfrm>
             <a:off x="0" y="5349214"/>
-            <a:ext cx="12192000" cy="830997"/>
+            <a:ext cx="12192000" cy="769441"/>
           </a:xfrm>
           <a:prstGeom prst="rect">
             <a:avLst/>
@@ -5768,14 +5837,14 @@
           <a:p>
             <a:pPr algn="ctr"/>
             <a:r>
-              <a:rPr lang="en-US" sz="4800" b="1" dirty="0">
+              <a:rPr lang="en-US" sz="4400" b="1" dirty="0">
                 <a:solidFill>
                   <a:srgbClr val="000066"/>
                 </a:solidFill>
               </a:rPr>
-              <a:t>( 2 )</a:t>
-            </a:r>
-            <a:endParaRPr lang="vi-VN" sz="4800" b="1" dirty="0">
+              <a:t>( 2 / 4 )</a:t>
+            </a:r>
+            <a:endParaRPr lang="vi-VN" sz="4400" b="1" dirty="0">
               <a:solidFill>
                 <a:srgbClr val="000066"/>
               </a:solidFill>
@@ -5896,7 +5965,7 @@
         <p:spPr>
           <a:xfrm>
             <a:off x="0" y="5349214"/>
-            <a:ext cx="12192000" cy="830997"/>
+            <a:ext cx="12192000" cy="769441"/>
           </a:xfrm>
           <a:prstGeom prst="rect">
             <a:avLst/>
@@ -5911,14 +5980,14 @@
           <a:p>
             <a:pPr algn="ctr"/>
             <a:r>
-              <a:rPr lang="en-US" sz="4800" b="1" dirty="0">
+              <a:rPr lang="en-US" sz="4400" b="1" dirty="0">
                 <a:solidFill>
                   <a:srgbClr val="000066"/>
                 </a:solidFill>
               </a:rPr>
-              <a:t>( 2 )</a:t>
-            </a:r>
-            <a:endParaRPr lang="vi-VN" sz="4800" b="1" dirty="0">
+              <a:t>( 2 / 4 )</a:t>
+            </a:r>
+            <a:endParaRPr lang="vi-VN" sz="4400" b="1" dirty="0">
               <a:solidFill>
                 <a:srgbClr val="000066"/>
               </a:solidFill>
